--- a/名刺2.pptx
+++ b/名刺2.pptx
@@ -2,20 +2,28 @@
 <file path=ppt/presentation.xml><?xml version="1.0" encoding="utf-8"?>
 <p:presentation xmlns:a="http://schemas.openxmlformats.org/drawingml/2006/main" xmlns:r="http://schemas.openxmlformats.org/officeDocument/2006/relationships" xmlns:p="http://schemas.openxmlformats.org/presentationml/2006/main" saveSubsetFonts="1">
   <p:sldMasterIdLst>
-    <p:sldMasterId id="2147483648" r:id="rId1"/>
+    <p:sldMasterId id="2147483660" r:id="rId1"/>
   </p:sldMasterIdLst>
+  <p:notesMasterIdLst>
+    <p:notesMasterId r:id="rId9"/>
+  </p:notesMasterIdLst>
   <p:sldIdLst>
     <p:sldId id="256" r:id="rId2"/>
-    <p:sldId id="257" r:id="rId3"/>
+    <p:sldId id="258" r:id="rId3"/>
+    <p:sldId id="262" r:id="rId4"/>
+    <p:sldId id="261" r:id="rId5"/>
+    <p:sldId id="259" r:id="rId6"/>
+    <p:sldId id="260" r:id="rId7"/>
+    <p:sldId id="257" r:id="rId8"/>
   </p:sldIdLst>
-  <p:sldSz cx="12192000" cy="6858000"/>
+  <p:sldSz cx="3276600" cy="1979613"/>
   <p:notesSz cx="6797675" cy="9926638"/>
   <p:defaultTextStyle>
     <a:defPPr>
-      <a:defRPr lang="ja-JP"/>
+      <a:defRPr lang="en-US"/>
     </a:defPPr>
-    <a:lvl1pPr marL="0" algn="l" defTabSz="914400" rtl="0" eaLnBrk="1" latinLnBrk="0" hangingPunct="1">
-      <a:defRPr kumimoji="1" sz="1800" kern="1200">
+    <a:lvl1pPr marL="0" algn="l" defTabSz="457200" rtl="0" eaLnBrk="1" latinLnBrk="0" hangingPunct="1">
+      <a:defRPr sz="1800" kern="1200">
         <a:solidFill>
           <a:schemeClr val="tx1"/>
         </a:solidFill>
@@ -24,8 +32,8 @@
         <a:cs typeface="+mn-cs"/>
       </a:defRPr>
     </a:lvl1pPr>
-    <a:lvl2pPr marL="457200" algn="l" defTabSz="914400" rtl="0" eaLnBrk="1" latinLnBrk="0" hangingPunct="1">
-      <a:defRPr kumimoji="1" sz="1800" kern="1200">
+    <a:lvl2pPr marL="457200" algn="l" defTabSz="457200" rtl="0" eaLnBrk="1" latinLnBrk="0" hangingPunct="1">
+      <a:defRPr sz="1800" kern="1200">
         <a:solidFill>
           <a:schemeClr val="tx1"/>
         </a:solidFill>
@@ -34,8 +42,8 @@
         <a:cs typeface="+mn-cs"/>
       </a:defRPr>
     </a:lvl2pPr>
-    <a:lvl3pPr marL="914400" algn="l" defTabSz="914400" rtl="0" eaLnBrk="1" latinLnBrk="0" hangingPunct="1">
-      <a:defRPr kumimoji="1" sz="1800" kern="1200">
+    <a:lvl3pPr marL="914400" algn="l" defTabSz="457200" rtl="0" eaLnBrk="1" latinLnBrk="0" hangingPunct="1">
+      <a:defRPr sz="1800" kern="1200">
         <a:solidFill>
           <a:schemeClr val="tx1"/>
         </a:solidFill>
@@ -44,8 +52,8 @@
         <a:cs typeface="+mn-cs"/>
       </a:defRPr>
     </a:lvl3pPr>
-    <a:lvl4pPr marL="1371600" algn="l" defTabSz="914400" rtl="0" eaLnBrk="1" latinLnBrk="0" hangingPunct="1">
-      <a:defRPr kumimoji="1" sz="1800" kern="1200">
+    <a:lvl4pPr marL="1371600" algn="l" defTabSz="457200" rtl="0" eaLnBrk="1" latinLnBrk="0" hangingPunct="1">
+      <a:defRPr sz="1800" kern="1200">
         <a:solidFill>
           <a:schemeClr val="tx1"/>
         </a:solidFill>
@@ -54,8 +62,8 @@
         <a:cs typeface="+mn-cs"/>
       </a:defRPr>
     </a:lvl4pPr>
-    <a:lvl5pPr marL="1828800" algn="l" defTabSz="914400" rtl="0" eaLnBrk="1" latinLnBrk="0" hangingPunct="1">
-      <a:defRPr kumimoji="1" sz="1800" kern="1200">
+    <a:lvl5pPr marL="1828800" algn="l" defTabSz="457200" rtl="0" eaLnBrk="1" latinLnBrk="0" hangingPunct="1">
+      <a:defRPr sz="1800" kern="1200">
         <a:solidFill>
           <a:schemeClr val="tx1"/>
         </a:solidFill>
@@ -64,8 +72,8 @@
         <a:cs typeface="+mn-cs"/>
       </a:defRPr>
     </a:lvl5pPr>
-    <a:lvl6pPr marL="2286000" algn="l" defTabSz="914400" rtl="0" eaLnBrk="1" latinLnBrk="0" hangingPunct="1">
-      <a:defRPr kumimoji="1" sz="1800" kern="1200">
+    <a:lvl6pPr marL="2286000" algn="l" defTabSz="457200" rtl="0" eaLnBrk="1" latinLnBrk="0" hangingPunct="1">
+      <a:defRPr sz="1800" kern="1200">
         <a:solidFill>
           <a:schemeClr val="tx1"/>
         </a:solidFill>
@@ -74,8 +82,8 @@
         <a:cs typeface="+mn-cs"/>
       </a:defRPr>
     </a:lvl6pPr>
-    <a:lvl7pPr marL="2743200" algn="l" defTabSz="914400" rtl="0" eaLnBrk="1" latinLnBrk="0" hangingPunct="1">
-      <a:defRPr kumimoji="1" sz="1800" kern="1200">
+    <a:lvl7pPr marL="2743200" algn="l" defTabSz="457200" rtl="0" eaLnBrk="1" latinLnBrk="0" hangingPunct="1">
+      <a:defRPr sz="1800" kern="1200">
         <a:solidFill>
           <a:schemeClr val="tx1"/>
         </a:solidFill>
@@ -84,8 +92,8 @@
         <a:cs typeface="+mn-cs"/>
       </a:defRPr>
     </a:lvl7pPr>
-    <a:lvl8pPr marL="3200400" algn="l" defTabSz="914400" rtl="0" eaLnBrk="1" latinLnBrk="0" hangingPunct="1">
-      <a:defRPr kumimoji="1" sz="1800" kern="1200">
+    <a:lvl8pPr marL="3200400" algn="l" defTabSz="457200" rtl="0" eaLnBrk="1" latinLnBrk="0" hangingPunct="1">
+      <a:defRPr sz="1800" kern="1200">
         <a:solidFill>
           <a:schemeClr val="tx1"/>
         </a:solidFill>
@@ -94,8 +102,8 @@
         <a:cs typeface="+mn-cs"/>
       </a:defRPr>
     </a:lvl8pPr>
-    <a:lvl9pPr marL="3657600" algn="l" defTabSz="914400" rtl="0" eaLnBrk="1" latinLnBrk="0" hangingPunct="1">
-      <a:defRPr kumimoji="1" sz="1800" kern="1200">
+    <a:lvl9pPr marL="3657600" algn="l" defTabSz="457200" rtl="0" eaLnBrk="1" latinLnBrk="0" hangingPunct="1">
+      <a:defRPr sz="1800" kern="1200">
         <a:solidFill>
           <a:schemeClr val="tx1"/>
         </a:solidFill>
@@ -111,6 +119,807 @@
     </p:ext>
   </p:extLst>
 </p:presentation>
+</file>
+
+<file path=ppt/notesMasters/notesMaster1.xml><?xml version="1.0" encoding="utf-8"?>
+<p:notesMaster xmlns:a="http://schemas.openxmlformats.org/drawingml/2006/main" xmlns:r="http://schemas.openxmlformats.org/officeDocument/2006/relationships" xmlns:p="http://schemas.openxmlformats.org/presentationml/2006/main">
+  <p:cSld>
+    <p:bg>
+      <p:bgRef idx="1001">
+        <a:schemeClr val="bg1"/>
+      </p:bgRef>
+    </p:bg>
+    <p:spTree>
+      <p:nvGrpSpPr>
+        <p:cNvPr id="1" name=""/>
+        <p:cNvGrpSpPr/>
+        <p:nvPr/>
+      </p:nvGrpSpPr>
+      <p:grpSpPr>
+        <a:xfrm>
+          <a:off x="0" y="0"/>
+          <a:ext cx="0" cy="0"/>
+          <a:chOff x="0" y="0"/>
+          <a:chExt cx="0" cy="0"/>
+        </a:xfrm>
+      </p:grpSpPr>
+      <p:sp>
+        <p:nvSpPr>
+          <p:cNvPr id="2" name="ヘッダー プレースホルダー 1"/>
+          <p:cNvSpPr>
+            <a:spLocks noGrp="1"/>
+          </p:cNvSpPr>
+          <p:nvPr>
+            <p:ph type="hdr" sz="quarter"/>
+          </p:nvPr>
+        </p:nvSpPr>
+        <p:spPr>
+          <a:xfrm>
+            <a:off x="0" y="0"/>
+            <a:ext cx="2946400" cy="496888"/>
+          </a:xfrm>
+          <a:prstGeom prst="rect">
+            <a:avLst/>
+          </a:prstGeom>
+        </p:spPr>
+        <p:txBody>
+          <a:bodyPr vert="horz" lIns="91440" tIns="45720" rIns="91440" bIns="45720" rtlCol="0"/>
+          <a:lstStyle>
+            <a:lvl1pPr algn="l">
+              <a:defRPr sz="1200"/>
+            </a:lvl1pPr>
+          </a:lstStyle>
+          <a:p>
+            <a:endParaRPr kumimoji="1" lang="ja-JP" altLang="en-US"/>
+          </a:p>
+        </p:txBody>
+      </p:sp>
+      <p:sp>
+        <p:nvSpPr>
+          <p:cNvPr id="3" name="日付プレースホルダー 2"/>
+          <p:cNvSpPr>
+            <a:spLocks noGrp="1"/>
+          </p:cNvSpPr>
+          <p:nvPr>
+            <p:ph type="dt" idx="1"/>
+          </p:nvPr>
+        </p:nvSpPr>
+        <p:spPr>
+          <a:xfrm>
+            <a:off x="3849688" y="0"/>
+            <a:ext cx="2946400" cy="496888"/>
+          </a:xfrm>
+          <a:prstGeom prst="rect">
+            <a:avLst/>
+          </a:prstGeom>
+        </p:spPr>
+        <p:txBody>
+          <a:bodyPr vert="horz" lIns="91440" tIns="45720" rIns="91440" bIns="45720" rtlCol="0"/>
+          <a:lstStyle>
+            <a:lvl1pPr algn="r">
+              <a:defRPr sz="1200"/>
+            </a:lvl1pPr>
+          </a:lstStyle>
+          <a:p>
+            <a:fld id="{370E9E4C-FCDA-45A1-8C2E-517AAAE16D4F}" type="datetimeFigureOut">
+              <a:rPr kumimoji="1" lang="ja-JP" altLang="en-US" smtClean="0"/>
+              <a:t>2023/4/4</a:t>
+            </a:fld>
+            <a:endParaRPr kumimoji="1" lang="ja-JP" altLang="en-US"/>
+          </a:p>
+        </p:txBody>
+      </p:sp>
+      <p:sp>
+        <p:nvSpPr>
+          <p:cNvPr id="4" name="スライド イメージ プレースホルダー 3"/>
+          <p:cNvSpPr>
+            <a:spLocks noGrp="1" noRot="1" noChangeAspect="1"/>
+          </p:cNvSpPr>
+          <p:nvPr>
+            <p:ph type="sldImg" idx="2"/>
+          </p:nvPr>
+        </p:nvSpPr>
+        <p:spPr>
+          <a:xfrm>
+            <a:off x="627063" y="1241425"/>
+            <a:ext cx="5543550" cy="3349625"/>
+          </a:xfrm>
+          <a:prstGeom prst="rect">
+            <a:avLst/>
+          </a:prstGeom>
+          <a:noFill/>
+          <a:ln w="12700">
+            <a:solidFill>
+              <a:prstClr val="black"/>
+            </a:solidFill>
+          </a:ln>
+        </p:spPr>
+        <p:txBody>
+          <a:bodyPr vert="horz" lIns="91440" tIns="45720" rIns="91440" bIns="45720" rtlCol="0" anchor="ctr"/>
+          <a:lstStyle/>
+          <a:p>
+            <a:endParaRPr lang="ja-JP" altLang="en-US"/>
+          </a:p>
+        </p:txBody>
+      </p:sp>
+      <p:sp>
+        <p:nvSpPr>
+          <p:cNvPr id="5" name="ノート プレースホルダー 4"/>
+          <p:cNvSpPr>
+            <a:spLocks noGrp="1"/>
+          </p:cNvSpPr>
+          <p:nvPr>
+            <p:ph type="body" sz="quarter" idx="3"/>
+          </p:nvPr>
+        </p:nvSpPr>
+        <p:spPr>
+          <a:xfrm>
+            <a:off x="679450" y="4776788"/>
+            <a:ext cx="5438775" cy="3908425"/>
+          </a:xfrm>
+          <a:prstGeom prst="rect">
+            <a:avLst/>
+          </a:prstGeom>
+        </p:spPr>
+        <p:txBody>
+          <a:bodyPr vert="horz" lIns="91440" tIns="45720" rIns="91440" bIns="45720" rtlCol="0"/>
+          <a:lstStyle/>
+          <a:p>
+            <a:pPr lvl="0"/>
+            <a:r>
+              <a:rPr kumimoji="1" lang="ja-JP" altLang="en-US"/>
+              <a:t>マスター テキストの書式設定</a:t>
+            </a:r>
+          </a:p>
+          <a:p>
+            <a:pPr lvl="1"/>
+            <a:r>
+              <a:rPr kumimoji="1" lang="ja-JP" altLang="en-US"/>
+              <a:t>第 </a:t>
+            </a:r>
+            <a:r>
+              <a:rPr kumimoji="1" lang="en-US" altLang="ja-JP"/>
+              <a:t>2 </a:t>
+            </a:r>
+            <a:r>
+              <a:rPr kumimoji="1" lang="ja-JP" altLang="en-US"/>
+              <a:t>レベル</a:t>
+            </a:r>
+          </a:p>
+          <a:p>
+            <a:pPr lvl="2"/>
+            <a:r>
+              <a:rPr kumimoji="1" lang="ja-JP" altLang="en-US"/>
+              <a:t>第 </a:t>
+            </a:r>
+            <a:r>
+              <a:rPr kumimoji="1" lang="en-US" altLang="ja-JP"/>
+              <a:t>3 </a:t>
+            </a:r>
+            <a:r>
+              <a:rPr kumimoji="1" lang="ja-JP" altLang="en-US"/>
+              <a:t>レベル</a:t>
+            </a:r>
+          </a:p>
+          <a:p>
+            <a:pPr lvl="3"/>
+            <a:r>
+              <a:rPr kumimoji="1" lang="ja-JP" altLang="en-US"/>
+              <a:t>第 </a:t>
+            </a:r>
+            <a:r>
+              <a:rPr kumimoji="1" lang="en-US" altLang="ja-JP"/>
+              <a:t>4 </a:t>
+            </a:r>
+            <a:r>
+              <a:rPr kumimoji="1" lang="ja-JP" altLang="en-US"/>
+              <a:t>レベル</a:t>
+            </a:r>
+          </a:p>
+          <a:p>
+            <a:pPr lvl="4"/>
+            <a:r>
+              <a:rPr kumimoji="1" lang="ja-JP" altLang="en-US"/>
+              <a:t>第 </a:t>
+            </a:r>
+            <a:r>
+              <a:rPr kumimoji="1" lang="en-US" altLang="ja-JP"/>
+              <a:t>5 </a:t>
+            </a:r>
+            <a:r>
+              <a:rPr kumimoji="1" lang="ja-JP" altLang="en-US"/>
+              <a:t>レベル</a:t>
+            </a:r>
+          </a:p>
+        </p:txBody>
+      </p:sp>
+      <p:sp>
+        <p:nvSpPr>
+          <p:cNvPr id="6" name="フッター プレースホルダー 5"/>
+          <p:cNvSpPr>
+            <a:spLocks noGrp="1"/>
+          </p:cNvSpPr>
+          <p:nvPr>
+            <p:ph type="ftr" sz="quarter" idx="4"/>
+          </p:nvPr>
+        </p:nvSpPr>
+        <p:spPr>
+          <a:xfrm>
+            <a:off x="0" y="9429750"/>
+            <a:ext cx="2946400" cy="496888"/>
+          </a:xfrm>
+          <a:prstGeom prst="rect">
+            <a:avLst/>
+          </a:prstGeom>
+        </p:spPr>
+        <p:txBody>
+          <a:bodyPr vert="horz" lIns="91440" tIns="45720" rIns="91440" bIns="45720" rtlCol="0" anchor="b"/>
+          <a:lstStyle>
+            <a:lvl1pPr algn="l">
+              <a:defRPr sz="1200"/>
+            </a:lvl1pPr>
+          </a:lstStyle>
+          <a:p>
+            <a:endParaRPr kumimoji="1" lang="ja-JP" altLang="en-US"/>
+          </a:p>
+        </p:txBody>
+      </p:sp>
+      <p:sp>
+        <p:nvSpPr>
+          <p:cNvPr id="7" name="スライド番号プレースホルダー 6"/>
+          <p:cNvSpPr>
+            <a:spLocks noGrp="1"/>
+          </p:cNvSpPr>
+          <p:nvPr>
+            <p:ph type="sldNum" sz="quarter" idx="5"/>
+          </p:nvPr>
+        </p:nvSpPr>
+        <p:spPr>
+          <a:xfrm>
+            <a:off x="3849688" y="9429750"/>
+            <a:ext cx="2946400" cy="496888"/>
+          </a:xfrm>
+          <a:prstGeom prst="rect">
+            <a:avLst/>
+          </a:prstGeom>
+        </p:spPr>
+        <p:txBody>
+          <a:bodyPr vert="horz" lIns="91440" tIns="45720" rIns="91440" bIns="45720" rtlCol="0" anchor="b"/>
+          <a:lstStyle>
+            <a:lvl1pPr algn="r">
+              <a:defRPr sz="1200"/>
+            </a:lvl1pPr>
+          </a:lstStyle>
+          <a:p>
+            <a:fld id="{77362226-1636-43C9-AC34-5822E503E663}" type="slidenum">
+              <a:rPr kumimoji="1" lang="ja-JP" altLang="en-US" smtClean="0"/>
+              <a:t>‹#›</a:t>
+            </a:fld>
+            <a:endParaRPr kumimoji="1" lang="ja-JP" altLang="en-US"/>
+          </a:p>
+        </p:txBody>
+      </p:sp>
+    </p:spTree>
+    <p:extLst>
+      <p:ext uri="{BB962C8B-B14F-4D97-AF65-F5344CB8AC3E}">
+        <p14:creationId xmlns:p14="http://schemas.microsoft.com/office/powerpoint/2010/main" val="2606156325"/>
+      </p:ext>
+    </p:extLst>
+  </p:cSld>
+  <p:clrMap bg1="lt1" tx1="dk1" bg2="lt2" tx2="dk2" accent1="accent1" accent2="accent2" accent3="accent3" accent4="accent4" accent5="accent5" accent6="accent6" hlink="hlink" folHlink="folHlink"/>
+  <p:notesStyle>
+    <a:lvl1pPr marL="0" algn="l" defTabSz="252283" rtl="0" eaLnBrk="1" latinLnBrk="0" hangingPunct="1">
+      <a:defRPr kumimoji="1" sz="331" kern="1200">
+        <a:solidFill>
+          <a:schemeClr val="tx1"/>
+        </a:solidFill>
+        <a:latin typeface="+mn-lt"/>
+        <a:ea typeface="+mn-ea"/>
+        <a:cs typeface="+mn-cs"/>
+      </a:defRPr>
+    </a:lvl1pPr>
+    <a:lvl2pPr marL="126141" algn="l" defTabSz="252283" rtl="0" eaLnBrk="1" latinLnBrk="0" hangingPunct="1">
+      <a:defRPr kumimoji="1" sz="331" kern="1200">
+        <a:solidFill>
+          <a:schemeClr val="tx1"/>
+        </a:solidFill>
+        <a:latin typeface="+mn-lt"/>
+        <a:ea typeface="+mn-ea"/>
+        <a:cs typeface="+mn-cs"/>
+      </a:defRPr>
+    </a:lvl2pPr>
+    <a:lvl3pPr marL="252283" algn="l" defTabSz="252283" rtl="0" eaLnBrk="1" latinLnBrk="0" hangingPunct="1">
+      <a:defRPr kumimoji="1" sz="331" kern="1200">
+        <a:solidFill>
+          <a:schemeClr val="tx1"/>
+        </a:solidFill>
+        <a:latin typeface="+mn-lt"/>
+        <a:ea typeface="+mn-ea"/>
+        <a:cs typeface="+mn-cs"/>
+      </a:defRPr>
+    </a:lvl3pPr>
+    <a:lvl4pPr marL="378424" algn="l" defTabSz="252283" rtl="0" eaLnBrk="1" latinLnBrk="0" hangingPunct="1">
+      <a:defRPr kumimoji="1" sz="331" kern="1200">
+        <a:solidFill>
+          <a:schemeClr val="tx1"/>
+        </a:solidFill>
+        <a:latin typeface="+mn-lt"/>
+        <a:ea typeface="+mn-ea"/>
+        <a:cs typeface="+mn-cs"/>
+      </a:defRPr>
+    </a:lvl4pPr>
+    <a:lvl5pPr marL="504566" algn="l" defTabSz="252283" rtl="0" eaLnBrk="1" latinLnBrk="0" hangingPunct="1">
+      <a:defRPr kumimoji="1" sz="331" kern="1200">
+        <a:solidFill>
+          <a:schemeClr val="tx1"/>
+        </a:solidFill>
+        <a:latin typeface="+mn-lt"/>
+        <a:ea typeface="+mn-ea"/>
+        <a:cs typeface="+mn-cs"/>
+      </a:defRPr>
+    </a:lvl5pPr>
+    <a:lvl6pPr marL="630707" algn="l" defTabSz="252283" rtl="0" eaLnBrk="1" latinLnBrk="0" hangingPunct="1">
+      <a:defRPr kumimoji="1" sz="331" kern="1200">
+        <a:solidFill>
+          <a:schemeClr val="tx1"/>
+        </a:solidFill>
+        <a:latin typeface="+mn-lt"/>
+        <a:ea typeface="+mn-ea"/>
+        <a:cs typeface="+mn-cs"/>
+      </a:defRPr>
+    </a:lvl6pPr>
+    <a:lvl7pPr marL="756849" algn="l" defTabSz="252283" rtl="0" eaLnBrk="1" latinLnBrk="0" hangingPunct="1">
+      <a:defRPr kumimoji="1" sz="331" kern="1200">
+        <a:solidFill>
+          <a:schemeClr val="tx1"/>
+        </a:solidFill>
+        <a:latin typeface="+mn-lt"/>
+        <a:ea typeface="+mn-ea"/>
+        <a:cs typeface="+mn-cs"/>
+      </a:defRPr>
+    </a:lvl7pPr>
+    <a:lvl8pPr marL="882990" algn="l" defTabSz="252283" rtl="0" eaLnBrk="1" latinLnBrk="0" hangingPunct="1">
+      <a:defRPr kumimoji="1" sz="331" kern="1200">
+        <a:solidFill>
+          <a:schemeClr val="tx1"/>
+        </a:solidFill>
+        <a:latin typeface="+mn-lt"/>
+        <a:ea typeface="+mn-ea"/>
+        <a:cs typeface="+mn-cs"/>
+      </a:defRPr>
+    </a:lvl8pPr>
+    <a:lvl9pPr marL="1009132" algn="l" defTabSz="252283" rtl="0" eaLnBrk="1" latinLnBrk="0" hangingPunct="1">
+      <a:defRPr kumimoji="1" sz="331" kern="1200">
+        <a:solidFill>
+          <a:schemeClr val="tx1"/>
+        </a:solidFill>
+        <a:latin typeface="+mn-lt"/>
+        <a:ea typeface="+mn-ea"/>
+        <a:cs typeface="+mn-cs"/>
+      </a:defRPr>
+    </a:lvl9pPr>
+  </p:notesStyle>
+</p:notesMaster>
+</file>
+
+<file path=ppt/notesSlides/notesSlide1.xml><?xml version="1.0" encoding="utf-8"?>
+<p:notes xmlns:a="http://schemas.openxmlformats.org/drawingml/2006/main" xmlns:r="http://schemas.openxmlformats.org/officeDocument/2006/relationships" xmlns:p="http://schemas.openxmlformats.org/presentationml/2006/main">
+  <p:cSld>
+    <p:spTree>
+      <p:nvGrpSpPr>
+        <p:cNvPr id="1" name=""/>
+        <p:cNvGrpSpPr/>
+        <p:nvPr/>
+      </p:nvGrpSpPr>
+      <p:grpSpPr>
+        <a:xfrm>
+          <a:off x="0" y="0"/>
+          <a:ext cx="0" cy="0"/>
+          <a:chOff x="0" y="0"/>
+          <a:chExt cx="0" cy="0"/>
+        </a:xfrm>
+      </p:grpSpPr>
+      <p:sp>
+        <p:nvSpPr>
+          <p:cNvPr id="2" name="スライド イメージ プレースホルダー 1"/>
+          <p:cNvSpPr>
+            <a:spLocks noGrp="1" noRot="1" noChangeAspect="1"/>
+          </p:cNvSpPr>
+          <p:nvPr>
+            <p:ph type="sldImg"/>
+          </p:nvPr>
+        </p:nvSpPr>
+        <p:spPr/>
+      </p:sp>
+      <p:sp>
+        <p:nvSpPr>
+          <p:cNvPr id="3" name="ノート プレースホルダー 2"/>
+          <p:cNvSpPr>
+            <a:spLocks noGrp="1"/>
+          </p:cNvSpPr>
+          <p:nvPr>
+            <p:ph type="body" idx="1"/>
+          </p:nvPr>
+        </p:nvSpPr>
+        <p:spPr/>
+        <p:txBody>
+          <a:bodyPr/>
+          <a:lstStyle/>
+          <a:p>
+            <a:endParaRPr kumimoji="1" lang="ja-JP" altLang="en-US" dirty="0"/>
+          </a:p>
+        </p:txBody>
+      </p:sp>
+      <p:sp>
+        <p:nvSpPr>
+          <p:cNvPr id="4" name="スライド番号プレースホルダー 3"/>
+          <p:cNvSpPr>
+            <a:spLocks noGrp="1"/>
+          </p:cNvSpPr>
+          <p:nvPr>
+            <p:ph type="sldNum" sz="quarter" idx="5"/>
+          </p:nvPr>
+        </p:nvSpPr>
+        <p:spPr/>
+        <p:txBody>
+          <a:bodyPr/>
+          <a:lstStyle/>
+          <a:p>
+            <a:fld id="{77362226-1636-43C9-AC34-5822E503E663}" type="slidenum">
+              <a:rPr kumimoji="1" lang="ja-JP" altLang="en-US" smtClean="0"/>
+              <a:t>2</a:t>
+            </a:fld>
+            <a:endParaRPr kumimoji="1" lang="ja-JP" altLang="en-US"/>
+          </a:p>
+        </p:txBody>
+      </p:sp>
+    </p:spTree>
+    <p:extLst>
+      <p:ext uri="{BB962C8B-B14F-4D97-AF65-F5344CB8AC3E}">
+        <p14:creationId xmlns:p14="http://schemas.microsoft.com/office/powerpoint/2010/main" val="4255992332"/>
+      </p:ext>
+    </p:extLst>
+  </p:cSld>
+  <p:clrMapOvr>
+    <a:masterClrMapping/>
+  </p:clrMapOvr>
+</p:notes>
+</file>
+
+<file path=ppt/notesSlides/notesSlide2.xml><?xml version="1.0" encoding="utf-8"?>
+<p:notes xmlns:a="http://schemas.openxmlformats.org/drawingml/2006/main" xmlns:r="http://schemas.openxmlformats.org/officeDocument/2006/relationships" xmlns:p="http://schemas.openxmlformats.org/presentationml/2006/main">
+  <p:cSld>
+    <p:spTree>
+      <p:nvGrpSpPr>
+        <p:cNvPr id="1" name=""/>
+        <p:cNvGrpSpPr/>
+        <p:nvPr/>
+      </p:nvGrpSpPr>
+      <p:grpSpPr>
+        <a:xfrm>
+          <a:off x="0" y="0"/>
+          <a:ext cx="0" cy="0"/>
+          <a:chOff x="0" y="0"/>
+          <a:chExt cx="0" cy="0"/>
+        </a:xfrm>
+      </p:grpSpPr>
+      <p:sp>
+        <p:nvSpPr>
+          <p:cNvPr id="2" name="スライド イメージ プレースホルダー 1"/>
+          <p:cNvSpPr>
+            <a:spLocks noGrp="1" noRot="1" noChangeAspect="1"/>
+          </p:cNvSpPr>
+          <p:nvPr>
+            <p:ph type="sldImg"/>
+          </p:nvPr>
+        </p:nvSpPr>
+        <p:spPr/>
+      </p:sp>
+      <p:sp>
+        <p:nvSpPr>
+          <p:cNvPr id="3" name="ノート プレースホルダー 2"/>
+          <p:cNvSpPr>
+            <a:spLocks noGrp="1"/>
+          </p:cNvSpPr>
+          <p:nvPr>
+            <p:ph type="body" idx="1"/>
+          </p:nvPr>
+        </p:nvSpPr>
+        <p:spPr/>
+        <p:txBody>
+          <a:bodyPr/>
+          <a:lstStyle/>
+          <a:p>
+            <a:endParaRPr kumimoji="1" lang="ja-JP" altLang="en-US" dirty="0"/>
+          </a:p>
+        </p:txBody>
+      </p:sp>
+      <p:sp>
+        <p:nvSpPr>
+          <p:cNvPr id="4" name="スライド番号プレースホルダー 3"/>
+          <p:cNvSpPr>
+            <a:spLocks noGrp="1"/>
+          </p:cNvSpPr>
+          <p:nvPr>
+            <p:ph type="sldNum" sz="quarter" idx="5"/>
+          </p:nvPr>
+        </p:nvSpPr>
+        <p:spPr/>
+        <p:txBody>
+          <a:bodyPr/>
+          <a:lstStyle/>
+          <a:p>
+            <a:fld id="{77362226-1636-43C9-AC34-5822E503E663}" type="slidenum">
+              <a:rPr kumimoji="1" lang="ja-JP" altLang="en-US" smtClean="0"/>
+              <a:t>3</a:t>
+            </a:fld>
+            <a:endParaRPr kumimoji="1" lang="ja-JP" altLang="en-US"/>
+          </a:p>
+        </p:txBody>
+      </p:sp>
+    </p:spTree>
+    <p:extLst>
+      <p:ext uri="{BB962C8B-B14F-4D97-AF65-F5344CB8AC3E}">
+        <p14:creationId xmlns:p14="http://schemas.microsoft.com/office/powerpoint/2010/main" val="3346884646"/>
+      </p:ext>
+    </p:extLst>
+  </p:cSld>
+  <p:clrMapOvr>
+    <a:masterClrMapping/>
+  </p:clrMapOvr>
+</p:notes>
+</file>
+
+<file path=ppt/notesSlides/notesSlide3.xml><?xml version="1.0" encoding="utf-8"?>
+<p:notes xmlns:a="http://schemas.openxmlformats.org/drawingml/2006/main" xmlns:r="http://schemas.openxmlformats.org/officeDocument/2006/relationships" xmlns:p="http://schemas.openxmlformats.org/presentationml/2006/main">
+  <p:cSld>
+    <p:spTree>
+      <p:nvGrpSpPr>
+        <p:cNvPr id="1" name=""/>
+        <p:cNvGrpSpPr/>
+        <p:nvPr/>
+      </p:nvGrpSpPr>
+      <p:grpSpPr>
+        <a:xfrm>
+          <a:off x="0" y="0"/>
+          <a:ext cx="0" cy="0"/>
+          <a:chOff x="0" y="0"/>
+          <a:chExt cx="0" cy="0"/>
+        </a:xfrm>
+      </p:grpSpPr>
+      <p:sp>
+        <p:nvSpPr>
+          <p:cNvPr id="2" name="スライド イメージ プレースホルダー 1"/>
+          <p:cNvSpPr>
+            <a:spLocks noGrp="1" noRot="1" noChangeAspect="1"/>
+          </p:cNvSpPr>
+          <p:nvPr>
+            <p:ph type="sldImg"/>
+          </p:nvPr>
+        </p:nvSpPr>
+        <p:spPr/>
+      </p:sp>
+      <p:sp>
+        <p:nvSpPr>
+          <p:cNvPr id="3" name="ノート プレースホルダー 2"/>
+          <p:cNvSpPr>
+            <a:spLocks noGrp="1"/>
+          </p:cNvSpPr>
+          <p:nvPr>
+            <p:ph type="body" idx="1"/>
+          </p:nvPr>
+        </p:nvSpPr>
+        <p:spPr/>
+        <p:txBody>
+          <a:bodyPr/>
+          <a:lstStyle/>
+          <a:p>
+            <a:endParaRPr kumimoji="1" lang="ja-JP" altLang="en-US" dirty="0"/>
+          </a:p>
+        </p:txBody>
+      </p:sp>
+      <p:sp>
+        <p:nvSpPr>
+          <p:cNvPr id="4" name="スライド番号プレースホルダー 3"/>
+          <p:cNvSpPr>
+            <a:spLocks noGrp="1"/>
+          </p:cNvSpPr>
+          <p:nvPr>
+            <p:ph type="sldNum" sz="quarter" idx="5"/>
+          </p:nvPr>
+        </p:nvSpPr>
+        <p:spPr/>
+        <p:txBody>
+          <a:bodyPr/>
+          <a:lstStyle/>
+          <a:p>
+            <a:fld id="{77362226-1636-43C9-AC34-5822E503E663}" type="slidenum">
+              <a:rPr kumimoji="1" lang="ja-JP" altLang="en-US" smtClean="0"/>
+              <a:t>4</a:t>
+            </a:fld>
+            <a:endParaRPr kumimoji="1" lang="ja-JP" altLang="en-US"/>
+          </a:p>
+        </p:txBody>
+      </p:sp>
+    </p:spTree>
+    <p:extLst>
+      <p:ext uri="{BB962C8B-B14F-4D97-AF65-F5344CB8AC3E}">
+        <p14:creationId xmlns:p14="http://schemas.microsoft.com/office/powerpoint/2010/main" val="532285811"/>
+      </p:ext>
+    </p:extLst>
+  </p:cSld>
+  <p:clrMapOvr>
+    <a:masterClrMapping/>
+  </p:clrMapOvr>
+</p:notes>
+</file>
+
+<file path=ppt/notesSlides/notesSlide4.xml><?xml version="1.0" encoding="utf-8"?>
+<p:notes xmlns:a="http://schemas.openxmlformats.org/drawingml/2006/main" xmlns:r="http://schemas.openxmlformats.org/officeDocument/2006/relationships" xmlns:p="http://schemas.openxmlformats.org/presentationml/2006/main">
+  <p:cSld>
+    <p:spTree>
+      <p:nvGrpSpPr>
+        <p:cNvPr id="1" name=""/>
+        <p:cNvGrpSpPr/>
+        <p:nvPr/>
+      </p:nvGrpSpPr>
+      <p:grpSpPr>
+        <a:xfrm>
+          <a:off x="0" y="0"/>
+          <a:ext cx="0" cy="0"/>
+          <a:chOff x="0" y="0"/>
+          <a:chExt cx="0" cy="0"/>
+        </a:xfrm>
+      </p:grpSpPr>
+      <p:sp>
+        <p:nvSpPr>
+          <p:cNvPr id="2" name="スライド イメージ プレースホルダー 1"/>
+          <p:cNvSpPr>
+            <a:spLocks noGrp="1" noRot="1" noChangeAspect="1"/>
+          </p:cNvSpPr>
+          <p:nvPr>
+            <p:ph type="sldImg"/>
+          </p:nvPr>
+        </p:nvSpPr>
+        <p:spPr/>
+      </p:sp>
+      <p:sp>
+        <p:nvSpPr>
+          <p:cNvPr id="3" name="ノート プレースホルダー 2"/>
+          <p:cNvSpPr>
+            <a:spLocks noGrp="1"/>
+          </p:cNvSpPr>
+          <p:nvPr>
+            <p:ph type="body" idx="1"/>
+          </p:nvPr>
+        </p:nvSpPr>
+        <p:spPr/>
+        <p:txBody>
+          <a:bodyPr/>
+          <a:lstStyle/>
+          <a:p>
+            <a:endParaRPr kumimoji="1" lang="ja-JP" altLang="en-US" dirty="0"/>
+          </a:p>
+        </p:txBody>
+      </p:sp>
+      <p:sp>
+        <p:nvSpPr>
+          <p:cNvPr id="4" name="スライド番号プレースホルダー 3"/>
+          <p:cNvSpPr>
+            <a:spLocks noGrp="1"/>
+          </p:cNvSpPr>
+          <p:nvPr>
+            <p:ph type="sldNum" sz="quarter" idx="5"/>
+          </p:nvPr>
+        </p:nvSpPr>
+        <p:spPr/>
+        <p:txBody>
+          <a:bodyPr/>
+          <a:lstStyle/>
+          <a:p>
+            <a:fld id="{77362226-1636-43C9-AC34-5822E503E663}" type="slidenum">
+              <a:rPr kumimoji="1" lang="ja-JP" altLang="en-US" smtClean="0"/>
+              <a:t>5</a:t>
+            </a:fld>
+            <a:endParaRPr kumimoji="1" lang="ja-JP" altLang="en-US"/>
+          </a:p>
+        </p:txBody>
+      </p:sp>
+    </p:spTree>
+    <p:extLst>
+      <p:ext uri="{BB962C8B-B14F-4D97-AF65-F5344CB8AC3E}">
+        <p14:creationId xmlns:p14="http://schemas.microsoft.com/office/powerpoint/2010/main" val="2152258337"/>
+      </p:ext>
+    </p:extLst>
+  </p:cSld>
+  <p:clrMapOvr>
+    <a:masterClrMapping/>
+  </p:clrMapOvr>
+</p:notes>
+</file>
+
+<file path=ppt/notesSlides/notesSlide5.xml><?xml version="1.0" encoding="utf-8"?>
+<p:notes xmlns:a="http://schemas.openxmlformats.org/drawingml/2006/main" xmlns:r="http://schemas.openxmlformats.org/officeDocument/2006/relationships" xmlns:p="http://schemas.openxmlformats.org/presentationml/2006/main">
+  <p:cSld>
+    <p:spTree>
+      <p:nvGrpSpPr>
+        <p:cNvPr id="1" name=""/>
+        <p:cNvGrpSpPr/>
+        <p:nvPr/>
+      </p:nvGrpSpPr>
+      <p:grpSpPr>
+        <a:xfrm>
+          <a:off x="0" y="0"/>
+          <a:ext cx="0" cy="0"/>
+          <a:chOff x="0" y="0"/>
+          <a:chExt cx="0" cy="0"/>
+        </a:xfrm>
+      </p:grpSpPr>
+      <p:sp>
+        <p:nvSpPr>
+          <p:cNvPr id="2" name="スライド イメージ プレースホルダー 1"/>
+          <p:cNvSpPr>
+            <a:spLocks noGrp="1" noRot="1" noChangeAspect="1"/>
+          </p:cNvSpPr>
+          <p:nvPr>
+            <p:ph type="sldImg"/>
+          </p:nvPr>
+        </p:nvSpPr>
+        <p:spPr/>
+      </p:sp>
+      <p:sp>
+        <p:nvSpPr>
+          <p:cNvPr id="3" name="ノート プレースホルダー 2"/>
+          <p:cNvSpPr>
+            <a:spLocks noGrp="1"/>
+          </p:cNvSpPr>
+          <p:nvPr>
+            <p:ph type="body" idx="1"/>
+          </p:nvPr>
+        </p:nvSpPr>
+        <p:spPr/>
+        <p:txBody>
+          <a:bodyPr/>
+          <a:lstStyle/>
+          <a:p>
+            <a:endParaRPr kumimoji="1" lang="ja-JP" altLang="en-US" dirty="0"/>
+          </a:p>
+        </p:txBody>
+      </p:sp>
+      <p:sp>
+        <p:nvSpPr>
+          <p:cNvPr id="4" name="スライド番号プレースホルダー 3"/>
+          <p:cNvSpPr>
+            <a:spLocks noGrp="1"/>
+          </p:cNvSpPr>
+          <p:nvPr>
+            <p:ph type="sldNum" sz="quarter" idx="5"/>
+          </p:nvPr>
+        </p:nvSpPr>
+        <p:spPr/>
+        <p:txBody>
+          <a:bodyPr/>
+          <a:lstStyle/>
+          <a:p>
+            <a:fld id="{77362226-1636-43C9-AC34-5822E503E663}" type="slidenum">
+              <a:rPr kumimoji="1" lang="ja-JP" altLang="en-US" smtClean="0"/>
+              <a:t>6</a:t>
+            </a:fld>
+            <a:endParaRPr kumimoji="1" lang="ja-JP" altLang="en-US"/>
+          </a:p>
+        </p:txBody>
+      </p:sp>
+    </p:spTree>
+    <p:extLst>
+      <p:ext uri="{BB962C8B-B14F-4D97-AF65-F5344CB8AC3E}">
+        <p14:creationId xmlns:p14="http://schemas.microsoft.com/office/powerpoint/2010/main" val="2704073265"/>
+      </p:ext>
+    </p:extLst>
+  </p:cSld>
+  <p:clrMapOvr>
+    <a:masterClrMapping/>
+  </p:clrMapOvr>
+</p:notes>
 </file>
 
 <file path=ppt/slideLayouts/slideLayout1.xml><?xml version="1.0" encoding="utf-8"?>
@@ -132,13 +941,7 @@
       </p:grpSpPr>
       <p:sp>
         <p:nvSpPr>
-          <p:cNvPr id="2" name="タイトル 1">
-            <a:extLst>
-              <a:ext uri="{FF2B5EF4-FFF2-40B4-BE49-F238E27FC236}">
-                <a16:creationId xmlns:a16="http://schemas.microsoft.com/office/drawing/2014/main" id="{9BFB833B-8F76-997F-FD88-780CA20E94A3}"/>
-              </a:ext>
-            </a:extLst>
-          </p:cNvPr>
+          <p:cNvPr id="2" name="Title 1"/>
           <p:cNvSpPr>
             <a:spLocks noGrp="1"/>
           </p:cNvSpPr>
@@ -148,34 +951,29 @@
         </p:nvSpPr>
         <p:spPr>
           <a:xfrm>
-            <a:off x="1524000" y="1122363"/>
-            <a:ext cx="9144000" cy="2387600"/>
+            <a:off x="409575" y="323978"/>
+            <a:ext cx="2457450" cy="689199"/>
           </a:xfrm>
         </p:spPr>
         <p:txBody>
           <a:bodyPr anchor="b"/>
           <a:lstStyle>
             <a:lvl1pPr algn="ctr">
-              <a:defRPr sz="6000"/>
+              <a:defRPr sz="1613"/>
             </a:lvl1pPr>
           </a:lstStyle>
           <a:p>
             <a:r>
-              <a:rPr kumimoji="1" lang="ja-JP" altLang="en-US"/>
+              <a:rPr lang="ja-JP" altLang="en-US"/>
               <a:t>マスター タイトルの書式設定</a:t>
             </a:r>
-          </a:p>
-        </p:txBody>
-      </p:sp>
-      <p:sp>
-        <p:nvSpPr>
-          <p:cNvPr id="3" name="字幕 2">
-            <a:extLst>
-              <a:ext uri="{FF2B5EF4-FFF2-40B4-BE49-F238E27FC236}">
-                <a16:creationId xmlns:a16="http://schemas.microsoft.com/office/drawing/2014/main" id="{ABA97CD1-8CF4-03F4-2D6D-59954F7AA56D}"/>
-              </a:ext>
-            </a:extLst>
-          </p:cNvPr>
+            <a:endParaRPr lang="en-US" dirty="0"/>
+          </a:p>
+        </p:txBody>
+      </p:sp>
+      <p:sp>
+        <p:nvSpPr>
+          <p:cNvPr id="3" name="Subtitle 2"/>
           <p:cNvSpPr>
             <a:spLocks noGrp="1"/>
           </p:cNvSpPr>
@@ -185,8 +983,8 @@
         </p:nvSpPr>
         <p:spPr>
           <a:xfrm>
-            <a:off x="1524000" y="3602038"/>
-            <a:ext cx="9144000" cy="1655762"/>
+            <a:off x="409575" y="1039755"/>
+            <a:ext cx="2457450" cy="477948"/>
           </a:xfrm>
         </p:spPr>
         <p:txBody>
@@ -194,58 +992,53 @@
           <a:lstStyle>
             <a:lvl1pPr marL="0" indent="0" algn="ctr">
               <a:buNone/>
-              <a:defRPr sz="2400"/>
+              <a:defRPr sz="645"/>
             </a:lvl1pPr>
-            <a:lvl2pPr marL="457200" indent="0" algn="ctr">
+            <a:lvl2pPr marL="122895" indent="0" algn="ctr">
               <a:buNone/>
-              <a:defRPr sz="2000"/>
+              <a:defRPr sz="538"/>
             </a:lvl2pPr>
-            <a:lvl3pPr marL="914400" indent="0" algn="ctr">
+            <a:lvl3pPr marL="245791" indent="0" algn="ctr">
               <a:buNone/>
-              <a:defRPr sz="1800"/>
+              <a:defRPr sz="484"/>
             </a:lvl3pPr>
-            <a:lvl4pPr marL="1371600" indent="0" algn="ctr">
+            <a:lvl4pPr marL="368686" indent="0" algn="ctr">
               <a:buNone/>
-              <a:defRPr sz="1600"/>
+              <a:defRPr sz="430"/>
             </a:lvl4pPr>
-            <a:lvl5pPr marL="1828800" indent="0" algn="ctr">
+            <a:lvl5pPr marL="491581" indent="0" algn="ctr">
               <a:buNone/>
-              <a:defRPr sz="1600"/>
+              <a:defRPr sz="430"/>
             </a:lvl5pPr>
-            <a:lvl6pPr marL="2286000" indent="0" algn="ctr">
+            <a:lvl6pPr marL="614477" indent="0" algn="ctr">
               <a:buNone/>
-              <a:defRPr sz="1600"/>
+              <a:defRPr sz="430"/>
             </a:lvl6pPr>
-            <a:lvl7pPr marL="2743200" indent="0" algn="ctr">
+            <a:lvl7pPr marL="737372" indent="0" algn="ctr">
               <a:buNone/>
-              <a:defRPr sz="1600"/>
+              <a:defRPr sz="430"/>
             </a:lvl7pPr>
-            <a:lvl8pPr marL="3200400" indent="0" algn="ctr">
+            <a:lvl8pPr marL="860268" indent="0" algn="ctr">
               <a:buNone/>
-              <a:defRPr sz="1600"/>
+              <a:defRPr sz="430"/>
             </a:lvl8pPr>
-            <a:lvl9pPr marL="3657600" indent="0" algn="ctr">
+            <a:lvl9pPr marL="983163" indent="0" algn="ctr">
               <a:buNone/>
-              <a:defRPr sz="1600"/>
+              <a:defRPr sz="430"/>
             </a:lvl9pPr>
           </a:lstStyle>
           <a:p>
             <a:r>
-              <a:rPr kumimoji="1" lang="ja-JP" altLang="en-US"/>
+              <a:rPr lang="ja-JP" altLang="en-US"/>
               <a:t>マスター サブタイトルの書式設定</a:t>
             </a:r>
-          </a:p>
-        </p:txBody>
-      </p:sp>
-      <p:sp>
-        <p:nvSpPr>
-          <p:cNvPr id="4" name="日付プレースホルダー 3">
-            <a:extLst>
-              <a:ext uri="{FF2B5EF4-FFF2-40B4-BE49-F238E27FC236}">
-                <a16:creationId xmlns:a16="http://schemas.microsoft.com/office/drawing/2014/main" id="{DBDF0BC2-DC8B-CC00-0133-DCDDD3B6BE38}"/>
-              </a:ext>
-            </a:extLst>
-          </p:cNvPr>
+            <a:endParaRPr lang="en-US" dirty="0"/>
+          </a:p>
+        </p:txBody>
+      </p:sp>
+      <p:sp>
+        <p:nvSpPr>
+          <p:cNvPr id="4" name="Date Placeholder 3"/>
           <p:cNvSpPr>
             <a:spLocks noGrp="1"/>
           </p:cNvSpPr>
@@ -260,7 +1053,7 @@
           <a:p>
             <a:fld id="{01C4FF30-CE35-4854-B89A-16CBC3B44980}" type="datetimeFigureOut">
               <a:rPr kumimoji="1" lang="ja-JP" altLang="en-US" smtClean="0"/>
-              <a:t>2023/4/3</a:t>
+              <a:t>2023/4/4</a:t>
             </a:fld>
             <a:endParaRPr kumimoji="1" lang="ja-JP" altLang="en-US"/>
           </a:p>
@@ -268,13 +1061,7 @@
       </p:sp>
       <p:sp>
         <p:nvSpPr>
-          <p:cNvPr id="5" name="フッター プレースホルダー 4">
-            <a:extLst>
-              <a:ext uri="{FF2B5EF4-FFF2-40B4-BE49-F238E27FC236}">
-                <a16:creationId xmlns:a16="http://schemas.microsoft.com/office/drawing/2014/main" id="{45071E0A-3B71-8FBF-9467-CC35B522F93D}"/>
-              </a:ext>
-            </a:extLst>
-          </p:cNvPr>
+          <p:cNvPr id="5" name="Footer Placeholder 4"/>
           <p:cNvSpPr>
             <a:spLocks noGrp="1"/>
           </p:cNvSpPr>
@@ -293,13 +1080,7 @@
       </p:sp>
       <p:sp>
         <p:nvSpPr>
-          <p:cNvPr id="6" name="スライド番号プレースホルダー 5">
-            <a:extLst>
-              <a:ext uri="{FF2B5EF4-FFF2-40B4-BE49-F238E27FC236}">
-                <a16:creationId xmlns:a16="http://schemas.microsoft.com/office/drawing/2014/main" id="{F594AB8F-6FE1-3724-A0D2-862F417ADBFA}"/>
-              </a:ext>
-            </a:extLst>
-          </p:cNvPr>
+          <p:cNvPr id="6" name="Slide Number Placeholder 5"/>
           <p:cNvSpPr>
             <a:spLocks noGrp="1"/>
           </p:cNvSpPr>
@@ -323,7 +1104,7 @@
     </p:spTree>
     <p:extLst>
       <p:ext uri="{BB962C8B-B14F-4D97-AF65-F5344CB8AC3E}">
-        <p14:creationId xmlns:p14="http://schemas.microsoft.com/office/powerpoint/2010/main" val="4190635025"/>
+        <p14:creationId xmlns:p14="http://schemas.microsoft.com/office/powerpoint/2010/main" val="198197992"/>
       </p:ext>
     </p:extLst>
   </p:cSld>
@@ -352,13 +1133,7 @@
       </p:grpSpPr>
       <p:sp>
         <p:nvSpPr>
-          <p:cNvPr id="2" name="タイトル 1">
-            <a:extLst>
-              <a:ext uri="{FF2B5EF4-FFF2-40B4-BE49-F238E27FC236}">
-                <a16:creationId xmlns:a16="http://schemas.microsoft.com/office/drawing/2014/main" id="{491A25E6-3507-E44B-EAA2-B773768FF07B}"/>
-              </a:ext>
-            </a:extLst>
-          </p:cNvPr>
+          <p:cNvPr id="2" name="Title 1"/>
           <p:cNvSpPr>
             <a:spLocks noGrp="1"/>
           </p:cNvSpPr>
@@ -372,21 +1147,16 @@
           <a:lstStyle/>
           <a:p>
             <a:r>
-              <a:rPr kumimoji="1" lang="ja-JP" altLang="en-US"/>
+              <a:rPr lang="ja-JP" altLang="en-US"/>
               <a:t>マスター タイトルの書式設定</a:t>
             </a:r>
-          </a:p>
-        </p:txBody>
-      </p:sp>
-      <p:sp>
-        <p:nvSpPr>
-          <p:cNvPr id="3" name="縦書きテキスト プレースホルダー 2">
-            <a:extLst>
-              <a:ext uri="{FF2B5EF4-FFF2-40B4-BE49-F238E27FC236}">
-                <a16:creationId xmlns:a16="http://schemas.microsoft.com/office/drawing/2014/main" id="{A1607A3D-C778-5DDE-AB75-8D975DECE43C}"/>
-              </a:ext>
-            </a:extLst>
-          </p:cNvPr>
+            <a:endParaRPr lang="en-US" dirty="0"/>
+          </a:p>
+        </p:txBody>
+      </p:sp>
+      <p:sp>
+        <p:nvSpPr>
+          <p:cNvPr id="3" name="Vertical Text Placeholder 2"/>
           <p:cNvSpPr>
             <a:spLocks noGrp="1"/>
           </p:cNvSpPr>
@@ -401,81 +1171,76 @@
           <a:p>
             <a:pPr lvl="0"/>
             <a:r>
-              <a:rPr kumimoji="1" lang="ja-JP" altLang="en-US"/>
+              <a:rPr lang="ja-JP" altLang="en-US"/>
               <a:t>マスター テキストの書式設定</a:t>
             </a:r>
           </a:p>
           <a:p>
             <a:pPr lvl="1"/>
             <a:r>
-              <a:rPr kumimoji="1" lang="ja-JP" altLang="en-US"/>
+              <a:rPr lang="ja-JP" altLang="en-US"/>
               <a:t>第 </a:t>
             </a:r>
             <a:r>
-              <a:rPr kumimoji="1" lang="en-US" altLang="ja-JP"/>
+              <a:rPr lang="en-US" altLang="ja-JP"/>
               <a:t>2 </a:t>
             </a:r>
             <a:r>
-              <a:rPr kumimoji="1" lang="ja-JP" altLang="en-US"/>
+              <a:rPr lang="ja-JP" altLang="en-US"/>
               <a:t>レベル</a:t>
             </a:r>
           </a:p>
           <a:p>
             <a:pPr lvl="2"/>
             <a:r>
-              <a:rPr kumimoji="1" lang="ja-JP" altLang="en-US"/>
+              <a:rPr lang="ja-JP" altLang="en-US"/>
               <a:t>第 </a:t>
             </a:r>
             <a:r>
-              <a:rPr kumimoji="1" lang="en-US" altLang="ja-JP"/>
+              <a:rPr lang="en-US" altLang="ja-JP"/>
               <a:t>3 </a:t>
             </a:r>
             <a:r>
-              <a:rPr kumimoji="1" lang="ja-JP" altLang="en-US"/>
+              <a:rPr lang="ja-JP" altLang="en-US"/>
               <a:t>レベル</a:t>
             </a:r>
           </a:p>
           <a:p>
             <a:pPr lvl="3"/>
             <a:r>
-              <a:rPr kumimoji="1" lang="ja-JP" altLang="en-US"/>
+              <a:rPr lang="ja-JP" altLang="en-US"/>
               <a:t>第 </a:t>
             </a:r>
             <a:r>
-              <a:rPr kumimoji="1" lang="en-US" altLang="ja-JP"/>
+              <a:rPr lang="en-US" altLang="ja-JP"/>
               <a:t>4 </a:t>
             </a:r>
             <a:r>
-              <a:rPr kumimoji="1" lang="ja-JP" altLang="en-US"/>
+              <a:rPr lang="ja-JP" altLang="en-US"/>
               <a:t>レベル</a:t>
             </a:r>
           </a:p>
           <a:p>
             <a:pPr lvl="4"/>
             <a:r>
-              <a:rPr kumimoji="1" lang="ja-JP" altLang="en-US"/>
+              <a:rPr lang="ja-JP" altLang="en-US"/>
               <a:t>第 </a:t>
             </a:r>
             <a:r>
-              <a:rPr kumimoji="1" lang="en-US" altLang="ja-JP"/>
+              <a:rPr lang="en-US" altLang="ja-JP"/>
               <a:t>5 </a:t>
             </a:r>
             <a:r>
-              <a:rPr kumimoji="1" lang="ja-JP" altLang="en-US"/>
+              <a:rPr lang="ja-JP" altLang="en-US"/>
               <a:t>レベル</a:t>
             </a:r>
-          </a:p>
-        </p:txBody>
-      </p:sp>
-      <p:sp>
-        <p:nvSpPr>
-          <p:cNvPr id="4" name="日付プレースホルダー 3">
-            <a:extLst>
-              <a:ext uri="{FF2B5EF4-FFF2-40B4-BE49-F238E27FC236}">
-                <a16:creationId xmlns:a16="http://schemas.microsoft.com/office/drawing/2014/main" id="{C6371D82-A57C-0C61-742F-22852D7FEFDB}"/>
-              </a:ext>
-            </a:extLst>
-          </p:cNvPr>
+            <a:endParaRPr lang="en-US" dirty="0"/>
+          </a:p>
+        </p:txBody>
+      </p:sp>
+      <p:sp>
+        <p:nvSpPr>
+          <p:cNvPr id="4" name="Date Placeholder 3"/>
           <p:cNvSpPr>
             <a:spLocks noGrp="1"/>
           </p:cNvSpPr>
@@ -490,7 +1255,7 @@
           <a:p>
             <a:fld id="{01C4FF30-CE35-4854-B89A-16CBC3B44980}" type="datetimeFigureOut">
               <a:rPr kumimoji="1" lang="ja-JP" altLang="en-US" smtClean="0"/>
-              <a:t>2023/4/3</a:t>
+              <a:t>2023/4/4</a:t>
             </a:fld>
             <a:endParaRPr kumimoji="1" lang="ja-JP" altLang="en-US"/>
           </a:p>
@@ -498,13 +1263,7 @@
       </p:sp>
       <p:sp>
         <p:nvSpPr>
-          <p:cNvPr id="5" name="フッター プレースホルダー 4">
-            <a:extLst>
-              <a:ext uri="{FF2B5EF4-FFF2-40B4-BE49-F238E27FC236}">
-                <a16:creationId xmlns:a16="http://schemas.microsoft.com/office/drawing/2014/main" id="{D3E9CA79-7B3C-1C83-6872-1D7FB6759351}"/>
-              </a:ext>
-            </a:extLst>
-          </p:cNvPr>
+          <p:cNvPr id="5" name="Footer Placeholder 4"/>
           <p:cNvSpPr>
             <a:spLocks noGrp="1"/>
           </p:cNvSpPr>
@@ -523,13 +1282,7 @@
       </p:sp>
       <p:sp>
         <p:nvSpPr>
-          <p:cNvPr id="6" name="スライド番号プレースホルダー 5">
-            <a:extLst>
-              <a:ext uri="{FF2B5EF4-FFF2-40B4-BE49-F238E27FC236}">
-                <a16:creationId xmlns:a16="http://schemas.microsoft.com/office/drawing/2014/main" id="{8F02535C-FBB4-B745-073D-E721D9A99995}"/>
-              </a:ext>
-            </a:extLst>
-          </p:cNvPr>
+          <p:cNvPr id="6" name="Slide Number Placeholder 5"/>
           <p:cNvSpPr>
             <a:spLocks noGrp="1"/>
           </p:cNvSpPr>
@@ -553,7 +1306,7 @@
     </p:spTree>
     <p:extLst>
       <p:ext uri="{BB962C8B-B14F-4D97-AF65-F5344CB8AC3E}">
-        <p14:creationId xmlns:p14="http://schemas.microsoft.com/office/powerpoint/2010/main" val="2741605829"/>
+        <p14:creationId xmlns:p14="http://schemas.microsoft.com/office/powerpoint/2010/main" val="3987315684"/>
       </p:ext>
     </p:extLst>
   </p:cSld>
@@ -582,13 +1335,7 @@
       </p:grpSpPr>
       <p:sp>
         <p:nvSpPr>
-          <p:cNvPr id="2" name="縦書きタイトル 1">
-            <a:extLst>
-              <a:ext uri="{FF2B5EF4-FFF2-40B4-BE49-F238E27FC236}">
-                <a16:creationId xmlns:a16="http://schemas.microsoft.com/office/drawing/2014/main" id="{40F5F008-AC9B-1112-8EC0-B9B1C5D70FEC}"/>
-              </a:ext>
-            </a:extLst>
-          </p:cNvPr>
+          <p:cNvPr id="2" name="Vertical Title 1"/>
           <p:cNvSpPr>
             <a:spLocks noGrp="1"/>
           </p:cNvSpPr>
@@ -598,8 +1345,8 @@
         </p:nvSpPr>
         <p:spPr>
           <a:xfrm>
-            <a:off x="8724900" y="365125"/>
-            <a:ext cx="2628900" cy="5811838"/>
+            <a:off x="2344817" y="105396"/>
+            <a:ext cx="706517" cy="1677631"/>
           </a:xfrm>
         </p:spPr>
         <p:txBody>
@@ -607,21 +1354,16 @@
           <a:lstStyle/>
           <a:p>
             <a:r>
-              <a:rPr kumimoji="1" lang="ja-JP" altLang="en-US"/>
+              <a:rPr lang="ja-JP" altLang="en-US"/>
               <a:t>マスター タイトルの書式設定</a:t>
             </a:r>
-          </a:p>
-        </p:txBody>
-      </p:sp>
-      <p:sp>
-        <p:nvSpPr>
-          <p:cNvPr id="3" name="縦書きテキスト プレースホルダー 2">
-            <a:extLst>
-              <a:ext uri="{FF2B5EF4-FFF2-40B4-BE49-F238E27FC236}">
-                <a16:creationId xmlns:a16="http://schemas.microsoft.com/office/drawing/2014/main" id="{534353D0-5CBF-4B9B-BB03-8C9E2828788F}"/>
-              </a:ext>
-            </a:extLst>
-          </p:cNvPr>
+            <a:endParaRPr lang="en-US" dirty="0"/>
+          </a:p>
+        </p:txBody>
+      </p:sp>
+      <p:sp>
+        <p:nvSpPr>
+          <p:cNvPr id="3" name="Vertical Text Placeholder 2"/>
           <p:cNvSpPr>
             <a:spLocks noGrp="1"/>
           </p:cNvSpPr>
@@ -631,8 +1373,8 @@
         </p:nvSpPr>
         <p:spPr>
           <a:xfrm>
-            <a:off x="838200" y="365125"/>
-            <a:ext cx="7734300" cy="5811838"/>
+            <a:off x="225266" y="105396"/>
+            <a:ext cx="2078593" cy="1677631"/>
           </a:xfrm>
         </p:spPr>
         <p:txBody>
@@ -641,81 +1383,76 @@
           <a:p>
             <a:pPr lvl="0"/>
             <a:r>
-              <a:rPr kumimoji="1" lang="ja-JP" altLang="en-US"/>
+              <a:rPr lang="ja-JP" altLang="en-US"/>
               <a:t>マスター テキストの書式設定</a:t>
             </a:r>
           </a:p>
           <a:p>
             <a:pPr lvl="1"/>
             <a:r>
-              <a:rPr kumimoji="1" lang="ja-JP" altLang="en-US"/>
+              <a:rPr lang="ja-JP" altLang="en-US"/>
               <a:t>第 </a:t>
             </a:r>
             <a:r>
-              <a:rPr kumimoji="1" lang="en-US" altLang="ja-JP"/>
+              <a:rPr lang="en-US" altLang="ja-JP"/>
               <a:t>2 </a:t>
             </a:r>
             <a:r>
-              <a:rPr kumimoji="1" lang="ja-JP" altLang="en-US"/>
+              <a:rPr lang="ja-JP" altLang="en-US"/>
               <a:t>レベル</a:t>
             </a:r>
           </a:p>
           <a:p>
             <a:pPr lvl="2"/>
             <a:r>
-              <a:rPr kumimoji="1" lang="ja-JP" altLang="en-US"/>
+              <a:rPr lang="ja-JP" altLang="en-US"/>
               <a:t>第 </a:t>
             </a:r>
             <a:r>
-              <a:rPr kumimoji="1" lang="en-US" altLang="ja-JP"/>
+              <a:rPr lang="en-US" altLang="ja-JP"/>
               <a:t>3 </a:t>
             </a:r>
             <a:r>
-              <a:rPr kumimoji="1" lang="ja-JP" altLang="en-US"/>
+              <a:rPr lang="ja-JP" altLang="en-US"/>
               <a:t>レベル</a:t>
             </a:r>
           </a:p>
           <a:p>
             <a:pPr lvl="3"/>
             <a:r>
-              <a:rPr kumimoji="1" lang="ja-JP" altLang="en-US"/>
+              <a:rPr lang="ja-JP" altLang="en-US"/>
               <a:t>第 </a:t>
             </a:r>
             <a:r>
-              <a:rPr kumimoji="1" lang="en-US" altLang="ja-JP"/>
+              <a:rPr lang="en-US" altLang="ja-JP"/>
               <a:t>4 </a:t>
             </a:r>
             <a:r>
-              <a:rPr kumimoji="1" lang="ja-JP" altLang="en-US"/>
+              <a:rPr lang="ja-JP" altLang="en-US"/>
               <a:t>レベル</a:t>
             </a:r>
           </a:p>
           <a:p>
             <a:pPr lvl="4"/>
             <a:r>
-              <a:rPr kumimoji="1" lang="ja-JP" altLang="en-US"/>
+              <a:rPr lang="ja-JP" altLang="en-US"/>
               <a:t>第 </a:t>
             </a:r>
             <a:r>
-              <a:rPr kumimoji="1" lang="en-US" altLang="ja-JP"/>
+              <a:rPr lang="en-US" altLang="ja-JP"/>
               <a:t>5 </a:t>
             </a:r>
             <a:r>
-              <a:rPr kumimoji="1" lang="ja-JP" altLang="en-US"/>
+              <a:rPr lang="ja-JP" altLang="en-US"/>
               <a:t>レベル</a:t>
             </a:r>
-          </a:p>
-        </p:txBody>
-      </p:sp>
-      <p:sp>
-        <p:nvSpPr>
-          <p:cNvPr id="4" name="日付プレースホルダー 3">
-            <a:extLst>
-              <a:ext uri="{FF2B5EF4-FFF2-40B4-BE49-F238E27FC236}">
-                <a16:creationId xmlns:a16="http://schemas.microsoft.com/office/drawing/2014/main" id="{1D8119B0-E39D-6F9D-18C5-F9499B72196B}"/>
-              </a:ext>
-            </a:extLst>
-          </p:cNvPr>
+            <a:endParaRPr lang="en-US" dirty="0"/>
+          </a:p>
+        </p:txBody>
+      </p:sp>
+      <p:sp>
+        <p:nvSpPr>
+          <p:cNvPr id="4" name="Date Placeholder 3"/>
           <p:cNvSpPr>
             <a:spLocks noGrp="1"/>
           </p:cNvSpPr>
@@ -730,7 +1467,7 @@
           <a:p>
             <a:fld id="{01C4FF30-CE35-4854-B89A-16CBC3B44980}" type="datetimeFigureOut">
               <a:rPr kumimoji="1" lang="ja-JP" altLang="en-US" smtClean="0"/>
-              <a:t>2023/4/3</a:t>
+              <a:t>2023/4/4</a:t>
             </a:fld>
             <a:endParaRPr kumimoji="1" lang="ja-JP" altLang="en-US"/>
           </a:p>
@@ -738,13 +1475,7 @@
       </p:sp>
       <p:sp>
         <p:nvSpPr>
-          <p:cNvPr id="5" name="フッター プレースホルダー 4">
-            <a:extLst>
-              <a:ext uri="{FF2B5EF4-FFF2-40B4-BE49-F238E27FC236}">
-                <a16:creationId xmlns:a16="http://schemas.microsoft.com/office/drawing/2014/main" id="{436D069E-DE2C-E2F2-B12E-39EC50A8CCF7}"/>
-              </a:ext>
-            </a:extLst>
-          </p:cNvPr>
+          <p:cNvPr id="5" name="Footer Placeholder 4"/>
           <p:cNvSpPr>
             <a:spLocks noGrp="1"/>
           </p:cNvSpPr>
@@ -763,13 +1494,7 @@
       </p:sp>
       <p:sp>
         <p:nvSpPr>
-          <p:cNvPr id="6" name="スライド番号プレースホルダー 5">
-            <a:extLst>
-              <a:ext uri="{FF2B5EF4-FFF2-40B4-BE49-F238E27FC236}">
-                <a16:creationId xmlns:a16="http://schemas.microsoft.com/office/drawing/2014/main" id="{D9361414-3B73-7016-2122-74FE2D74F582}"/>
-              </a:ext>
-            </a:extLst>
-          </p:cNvPr>
+          <p:cNvPr id="6" name="Slide Number Placeholder 5"/>
           <p:cNvSpPr>
             <a:spLocks noGrp="1"/>
           </p:cNvSpPr>
@@ -793,7 +1518,7 @@
     </p:spTree>
     <p:extLst>
       <p:ext uri="{BB962C8B-B14F-4D97-AF65-F5344CB8AC3E}">
-        <p14:creationId xmlns:p14="http://schemas.microsoft.com/office/powerpoint/2010/main" val="1469250791"/>
+        <p14:creationId xmlns:p14="http://schemas.microsoft.com/office/powerpoint/2010/main" val="2357979420"/>
       </p:ext>
     </p:extLst>
   </p:cSld>
@@ -822,13 +1547,7 @@
       </p:grpSpPr>
       <p:sp>
         <p:nvSpPr>
-          <p:cNvPr id="2" name="タイトル 1">
-            <a:extLst>
-              <a:ext uri="{FF2B5EF4-FFF2-40B4-BE49-F238E27FC236}">
-                <a16:creationId xmlns:a16="http://schemas.microsoft.com/office/drawing/2014/main" id="{07617A9F-A389-31AC-4299-251B5AF8BE3A}"/>
-              </a:ext>
-            </a:extLst>
-          </p:cNvPr>
+          <p:cNvPr id="2" name="Title 1"/>
           <p:cNvSpPr>
             <a:spLocks noGrp="1"/>
           </p:cNvSpPr>
@@ -842,21 +1561,16 @@
           <a:lstStyle/>
           <a:p>
             <a:r>
-              <a:rPr kumimoji="1" lang="ja-JP" altLang="en-US"/>
+              <a:rPr lang="ja-JP" altLang="en-US"/>
               <a:t>マスター タイトルの書式設定</a:t>
             </a:r>
-          </a:p>
-        </p:txBody>
-      </p:sp>
-      <p:sp>
-        <p:nvSpPr>
-          <p:cNvPr id="3" name="コンテンツ プレースホルダー 2">
-            <a:extLst>
-              <a:ext uri="{FF2B5EF4-FFF2-40B4-BE49-F238E27FC236}">
-                <a16:creationId xmlns:a16="http://schemas.microsoft.com/office/drawing/2014/main" id="{C659FDAA-0C73-153E-FAE3-0DFAEFF91D59}"/>
-              </a:ext>
-            </a:extLst>
-          </p:cNvPr>
+            <a:endParaRPr lang="en-US" dirty="0"/>
+          </a:p>
+        </p:txBody>
+      </p:sp>
+      <p:sp>
+        <p:nvSpPr>
+          <p:cNvPr id="3" name="Content Placeholder 2"/>
           <p:cNvSpPr>
             <a:spLocks noGrp="1"/>
           </p:cNvSpPr>
@@ -871,81 +1585,76 @@
           <a:p>
             <a:pPr lvl="0"/>
             <a:r>
-              <a:rPr kumimoji="1" lang="ja-JP" altLang="en-US"/>
+              <a:rPr lang="ja-JP" altLang="en-US"/>
               <a:t>マスター テキストの書式設定</a:t>
             </a:r>
           </a:p>
           <a:p>
             <a:pPr lvl="1"/>
             <a:r>
-              <a:rPr kumimoji="1" lang="ja-JP" altLang="en-US"/>
+              <a:rPr lang="ja-JP" altLang="en-US"/>
               <a:t>第 </a:t>
             </a:r>
             <a:r>
-              <a:rPr kumimoji="1" lang="en-US" altLang="ja-JP"/>
+              <a:rPr lang="en-US" altLang="ja-JP"/>
               <a:t>2 </a:t>
             </a:r>
             <a:r>
-              <a:rPr kumimoji="1" lang="ja-JP" altLang="en-US"/>
+              <a:rPr lang="ja-JP" altLang="en-US"/>
               <a:t>レベル</a:t>
             </a:r>
           </a:p>
           <a:p>
             <a:pPr lvl="2"/>
             <a:r>
-              <a:rPr kumimoji="1" lang="ja-JP" altLang="en-US"/>
+              <a:rPr lang="ja-JP" altLang="en-US"/>
               <a:t>第 </a:t>
             </a:r>
             <a:r>
-              <a:rPr kumimoji="1" lang="en-US" altLang="ja-JP"/>
+              <a:rPr lang="en-US" altLang="ja-JP"/>
               <a:t>3 </a:t>
             </a:r>
             <a:r>
-              <a:rPr kumimoji="1" lang="ja-JP" altLang="en-US"/>
+              <a:rPr lang="ja-JP" altLang="en-US"/>
               <a:t>レベル</a:t>
             </a:r>
           </a:p>
           <a:p>
             <a:pPr lvl="3"/>
             <a:r>
-              <a:rPr kumimoji="1" lang="ja-JP" altLang="en-US"/>
+              <a:rPr lang="ja-JP" altLang="en-US"/>
               <a:t>第 </a:t>
             </a:r>
             <a:r>
-              <a:rPr kumimoji="1" lang="en-US" altLang="ja-JP"/>
+              <a:rPr lang="en-US" altLang="ja-JP"/>
               <a:t>4 </a:t>
             </a:r>
             <a:r>
-              <a:rPr kumimoji="1" lang="ja-JP" altLang="en-US"/>
+              <a:rPr lang="ja-JP" altLang="en-US"/>
               <a:t>レベル</a:t>
             </a:r>
           </a:p>
           <a:p>
             <a:pPr lvl="4"/>
             <a:r>
-              <a:rPr kumimoji="1" lang="ja-JP" altLang="en-US"/>
+              <a:rPr lang="ja-JP" altLang="en-US"/>
               <a:t>第 </a:t>
             </a:r>
             <a:r>
-              <a:rPr kumimoji="1" lang="en-US" altLang="ja-JP"/>
+              <a:rPr lang="en-US" altLang="ja-JP"/>
               <a:t>5 </a:t>
             </a:r>
             <a:r>
-              <a:rPr kumimoji="1" lang="ja-JP" altLang="en-US"/>
+              <a:rPr lang="ja-JP" altLang="en-US"/>
               <a:t>レベル</a:t>
             </a:r>
-          </a:p>
-        </p:txBody>
-      </p:sp>
-      <p:sp>
-        <p:nvSpPr>
-          <p:cNvPr id="4" name="日付プレースホルダー 3">
-            <a:extLst>
-              <a:ext uri="{FF2B5EF4-FFF2-40B4-BE49-F238E27FC236}">
-                <a16:creationId xmlns:a16="http://schemas.microsoft.com/office/drawing/2014/main" id="{A8F158D3-8E8E-45DF-ABFA-E1F918431655}"/>
-              </a:ext>
-            </a:extLst>
-          </p:cNvPr>
+            <a:endParaRPr lang="en-US" dirty="0"/>
+          </a:p>
+        </p:txBody>
+      </p:sp>
+      <p:sp>
+        <p:nvSpPr>
+          <p:cNvPr id="4" name="Date Placeholder 3"/>
           <p:cNvSpPr>
             <a:spLocks noGrp="1"/>
           </p:cNvSpPr>
@@ -960,7 +1669,7 @@
           <a:p>
             <a:fld id="{01C4FF30-CE35-4854-B89A-16CBC3B44980}" type="datetimeFigureOut">
               <a:rPr kumimoji="1" lang="ja-JP" altLang="en-US" smtClean="0"/>
-              <a:t>2023/4/3</a:t>
+              <a:t>2023/4/4</a:t>
             </a:fld>
             <a:endParaRPr kumimoji="1" lang="ja-JP" altLang="en-US"/>
           </a:p>
@@ -968,13 +1677,7 @@
       </p:sp>
       <p:sp>
         <p:nvSpPr>
-          <p:cNvPr id="5" name="フッター プレースホルダー 4">
-            <a:extLst>
-              <a:ext uri="{FF2B5EF4-FFF2-40B4-BE49-F238E27FC236}">
-                <a16:creationId xmlns:a16="http://schemas.microsoft.com/office/drawing/2014/main" id="{18FC2426-D42C-7CD9-F24A-7F79431B2906}"/>
-              </a:ext>
-            </a:extLst>
-          </p:cNvPr>
+          <p:cNvPr id="5" name="Footer Placeholder 4"/>
           <p:cNvSpPr>
             <a:spLocks noGrp="1"/>
           </p:cNvSpPr>
@@ -993,13 +1696,7 @@
       </p:sp>
       <p:sp>
         <p:nvSpPr>
-          <p:cNvPr id="6" name="スライド番号プレースホルダー 5">
-            <a:extLst>
-              <a:ext uri="{FF2B5EF4-FFF2-40B4-BE49-F238E27FC236}">
-                <a16:creationId xmlns:a16="http://schemas.microsoft.com/office/drawing/2014/main" id="{31F000F0-BE1E-E62B-1EB5-3502D7F7B74A}"/>
-              </a:ext>
-            </a:extLst>
-          </p:cNvPr>
+          <p:cNvPr id="6" name="Slide Number Placeholder 5"/>
           <p:cNvSpPr>
             <a:spLocks noGrp="1"/>
           </p:cNvSpPr>
@@ -1023,7 +1720,7 @@
     </p:spTree>
     <p:extLst>
       <p:ext uri="{BB962C8B-B14F-4D97-AF65-F5344CB8AC3E}">
-        <p14:creationId xmlns:p14="http://schemas.microsoft.com/office/powerpoint/2010/main" val="1555367093"/>
+        <p14:creationId xmlns:p14="http://schemas.microsoft.com/office/powerpoint/2010/main" val="910142139"/>
       </p:ext>
     </p:extLst>
   </p:cSld>
@@ -1052,13 +1749,7 @@
       </p:grpSpPr>
       <p:sp>
         <p:nvSpPr>
-          <p:cNvPr id="2" name="タイトル 1">
-            <a:extLst>
-              <a:ext uri="{FF2B5EF4-FFF2-40B4-BE49-F238E27FC236}">
-                <a16:creationId xmlns:a16="http://schemas.microsoft.com/office/drawing/2014/main" id="{244864B0-695F-970F-792D-3E0EF7636BE8}"/>
-              </a:ext>
-            </a:extLst>
-          </p:cNvPr>
+          <p:cNvPr id="2" name="Title 1"/>
           <p:cNvSpPr>
             <a:spLocks noGrp="1"/>
           </p:cNvSpPr>
@@ -1068,34 +1759,29 @@
         </p:nvSpPr>
         <p:spPr>
           <a:xfrm>
-            <a:off x="831850" y="1709738"/>
-            <a:ext cx="10515600" cy="2852737"/>
+            <a:off x="223559" y="493529"/>
+            <a:ext cx="2826068" cy="823464"/>
           </a:xfrm>
         </p:spPr>
         <p:txBody>
           <a:bodyPr anchor="b"/>
           <a:lstStyle>
             <a:lvl1pPr>
-              <a:defRPr sz="6000"/>
+              <a:defRPr sz="1613"/>
             </a:lvl1pPr>
           </a:lstStyle>
           <a:p>
             <a:r>
-              <a:rPr kumimoji="1" lang="ja-JP" altLang="en-US"/>
+              <a:rPr lang="ja-JP" altLang="en-US"/>
               <a:t>マスター タイトルの書式設定</a:t>
             </a:r>
-          </a:p>
-        </p:txBody>
-      </p:sp>
-      <p:sp>
-        <p:nvSpPr>
-          <p:cNvPr id="3" name="テキスト プレースホルダー 2">
-            <a:extLst>
-              <a:ext uri="{FF2B5EF4-FFF2-40B4-BE49-F238E27FC236}">
-                <a16:creationId xmlns:a16="http://schemas.microsoft.com/office/drawing/2014/main" id="{C6103522-CC22-526F-C16C-AD794C06B7B0}"/>
-              </a:ext>
-            </a:extLst>
-          </p:cNvPr>
+            <a:endParaRPr lang="en-US" dirty="0"/>
+          </a:p>
+        </p:txBody>
+      </p:sp>
+      <p:sp>
+        <p:nvSpPr>
+          <p:cNvPr id="3" name="Text Placeholder 2"/>
           <p:cNvSpPr>
             <a:spLocks noGrp="1"/>
           </p:cNvSpPr>
@@ -1105,8 +1791,8 @@
         </p:nvSpPr>
         <p:spPr>
           <a:xfrm>
-            <a:off x="831850" y="4589463"/>
-            <a:ext cx="10515600" cy="1500187"/>
+            <a:off x="223559" y="1324783"/>
+            <a:ext cx="2826068" cy="433040"/>
           </a:xfrm>
         </p:spPr>
         <p:txBody>
@@ -1114,7 +1800,7 @@
           <a:lstStyle>
             <a:lvl1pPr marL="0" indent="0">
               <a:buNone/>
-              <a:defRPr sz="2400">
+              <a:defRPr sz="645">
                 <a:solidFill>
                   <a:schemeClr val="tx1">
                     <a:tint val="75000"/>
@@ -1122,9 +1808,9 @@
                 </a:solidFill>
               </a:defRPr>
             </a:lvl1pPr>
-            <a:lvl2pPr marL="457200" indent="0">
+            <a:lvl2pPr marL="122895" indent="0">
               <a:buNone/>
-              <a:defRPr sz="2000">
+              <a:defRPr sz="538">
                 <a:solidFill>
                   <a:schemeClr val="tx1">
                     <a:tint val="75000"/>
@@ -1132,9 +1818,9 @@
                 </a:solidFill>
               </a:defRPr>
             </a:lvl2pPr>
-            <a:lvl3pPr marL="914400" indent="0">
+            <a:lvl3pPr marL="245791" indent="0">
               <a:buNone/>
-              <a:defRPr sz="1800">
+              <a:defRPr sz="484">
                 <a:solidFill>
                   <a:schemeClr val="tx1">
                     <a:tint val="75000"/>
@@ -1142,9 +1828,9 @@
                 </a:solidFill>
               </a:defRPr>
             </a:lvl3pPr>
-            <a:lvl4pPr marL="1371600" indent="0">
+            <a:lvl4pPr marL="368686" indent="0">
               <a:buNone/>
-              <a:defRPr sz="1600">
+              <a:defRPr sz="430">
                 <a:solidFill>
                   <a:schemeClr val="tx1">
                     <a:tint val="75000"/>
@@ -1152,9 +1838,9 @@
                 </a:solidFill>
               </a:defRPr>
             </a:lvl4pPr>
-            <a:lvl5pPr marL="1828800" indent="0">
+            <a:lvl5pPr marL="491581" indent="0">
               <a:buNone/>
-              <a:defRPr sz="1600">
+              <a:defRPr sz="430">
                 <a:solidFill>
                   <a:schemeClr val="tx1">
                     <a:tint val="75000"/>
@@ -1162,9 +1848,9 @@
                 </a:solidFill>
               </a:defRPr>
             </a:lvl5pPr>
-            <a:lvl6pPr marL="2286000" indent="0">
+            <a:lvl6pPr marL="614477" indent="0">
               <a:buNone/>
-              <a:defRPr sz="1600">
+              <a:defRPr sz="430">
                 <a:solidFill>
                   <a:schemeClr val="tx1">
                     <a:tint val="75000"/>
@@ -1172,9 +1858,9 @@
                 </a:solidFill>
               </a:defRPr>
             </a:lvl6pPr>
-            <a:lvl7pPr marL="2743200" indent="0">
+            <a:lvl7pPr marL="737372" indent="0">
               <a:buNone/>
-              <a:defRPr sz="1600">
+              <a:defRPr sz="430">
                 <a:solidFill>
                   <a:schemeClr val="tx1">
                     <a:tint val="75000"/>
@@ -1182,9 +1868,9 @@
                 </a:solidFill>
               </a:defRPr>
             </a:lvl7pPr>
-            <a:lvl8pPr marL="3200400" indent="0">
+            <a:lvl8pPr marL="860268" indent="0">
               <a:buNone/>
-              <a:defRPr sz="1600">
+              <a:defRPr sz="430">
                 <a:solidFill>
                   <a:schemeClr val="tx1">
                     <a:tint val="75000"/>
@@ -1192,9 +1878,9 @@
                 </a:solidFill>
               </a:defRPr>
             </a:lvl8pPr>
-            <a:lvl9pPr marL="3657600" indent="0">
+            <a:lvl9pPr marL="983163" indent="0">
               <a:buNone/>
-              <a:defRPr sz="1600">
+              <a:defRPr sz="430">
                 <a:solidFill>
                   <a:schemeClr val="tx1">
                     <a:tint val="75000"/>
@@ -1206,7 +1892,7 @@
           <a:p>
             <a:pPr lvl="0"/>
             <a:r>
-              <a:rPr kumimoji="1" lang="ja-JP" altLang="en-US"/>
+              <a:rPr lang="ja-JP" altLang="en-US"/>
               <a:t>マスター テキストの書式設定</a:t>
             </a:r>
           </a:p>
@@ -1214,13 +1900,7 @@
       </p:sp>
       <p:sp>
         <p:nvSpPr>
-          <p:cNvPr id="4" name="日付プレースホルダー 3">
-            <a:extLst>
-              <a:ext uri="{FF2B5EF4-FFF2-40B4-BE49-F238E27FC236}">
-                <a16:creationId xmlns:a16="http://schemas.microsoft.com/office/drawing/2014/main" id="{4244B659-477E-EE22-D746-40836A7FB0E4}"/>
-              </a:ext>
-            </a:extLst>
-          </p:cNvPr>
+          <p:cNvPr id="4" name="Date Placeholder 3"/>
           <p:cNvSpPr>
             <a:spLocks noGrp="1"/>
           </p:cNvSpPr>
@@ -1235,7 +1915,7 @@
           <a:p>
             <a:fld id="{01C4FF30-CE35-4854-B89A-16CBC3B44980}" type="datetimeFigureOut">
               <a:rPr kumimoji="1" lang="ja-JP" altLang="en-US" smtClean="0"/>
-              <a:t>2023/4/3</a:t>
+              <a:t>2023/4/4</a:t>
             </a:fld>
             <a:endParaRPr kumimoji="1" lang="ja-JP" altLang="en-US"/>
           </a:p>
@@ -1243,13 +1923,7 @@
       </p:sp>
       <p:sp>
         <p:nvSpPr>
-          <p:cNvPr id="5" name="フッター プレースホルダー 4">
-            <a:extLst>
-              <a:ext uri="{FF2B5EF4-FFF2-40B4-BE49-F238E27FC236}">
-                <a16:creationId xmlns:a16="http://schemas.microsoft.com/office/drawing/2014/main" id="{EB730C43-E9DE-1921-A8E5-9C20E6690BDA}"/>
-              </a:ext>
-            </a:extLst>
-          </p:cNvPr>
+          <p:cNvPr id="5" name="Footer Placeholder 4"/>
           <p:cNvSpPr>
             <a:spLocks noGrp="1"/>
           </p:cNvSpPr>
@@ -1268,13 +1942,7 @@
       </p:sp>
       <p:sp>
         <p:nvSpPr>
-          <p:cNvPr id="6" name="スライド番号プレースホルダー 5">
-            <a:extLst>
-              <a:ext uri="{FF2B5EF4-FFF2-40B4-BE49-F238E27FC236}">
-                <a16:creationId xmlns:a16="http://schemas.microsoft.com/office/drawing/2014/main" id="{8FE8A420-29E0-5162-011C-6A8FDC2123BD}"/>
-              </a:ext>
-            </a:extLst>
-          </p:cNvPr>
+          <p:cNvPr id="6" name="Slide Number Placeholder 5"/>
           <p:cNvSpPr>
             <a:spLocks noGrp="1"/>
           </p:cNvSpPr>
@@ -1298,7 +1966,7 @@
     </p:spTree>
     <p:extLst>
       <p:ext uri="{BB962C8B-B14F-4D97-AF65-F5344CB8AC3E}">
-        <p14:creationId xmlns:p14="http://schemas.microsoft.com/office/powerpoint/2010/main" val="1355336739"/>
+        <p14:creationId xmlns:p14="http://schemas.microsoft.com/office/powerpoint/2010/main" val="928395315"/>
       </p:ext>
     </p:extLst>
   </p:cSld>
@@ -1327,13 +1995,7 @@
       </p:grpSpPr>
       <p:sp>
         <p:nvSpPr>
-          <p:cNvPr id="2" name="タイトル 1">
-            <a:extLst>
-              <a:ext uri="{FF2B5EF4-FFF2-40B4-BE49-F238E27FC236}">
-                <a16:creationId xmlns:a16="http://schemas.microsoft.com/office/drawing/2014/main" id="{E6F43234-AEE6-C1B8-497F-181A57C95BAD}"/>
-              </a:ext>
-            </a:extLst>
-          </p:cNvPr>
+          <p:cNvPr id="2" name="Title 1"/>
           <p:cNvSpPr>
             <a:spLocks noGrp="1"/>
           </p:cNvSpPr>
@@ -1347,21 +2009,16 @@
           <a:lstStyle/>
           <a:p>
             <a:r>
-              <a:rPr kumimoji="1" lang="ja-JP" altLang="en-US"/>
+              <a:rPr lang="ja-JP" altLang="en-US"/>
               <a:t>マスター タイトルの書式設定</a:t>
             </a:r>
-          </a:p>
-        </p:txBody>
-      </p:sp>
-      <p:sp>
-        <p:nvSpPr>
-          <p:cNvPr id="3" name="コンテンツ プレースホルダー 2">
-            <a:extLst>
-              <a:ext uri="{FF2B5EF4-FFF2-40B4-BE49-F238E27FC236}">
-                <a16:creationId xmlns:a16="http://schemas.microsoft.com/office/drawing/2014/main" id="{86605FA8-06CC-D0B2-E238-6DD6713E759B}"/>
-              </a:ext>
-            </a:extLst>
-          </p:cNvPr>
+            <a:endParaRPr lang="en-US" dirty="0"/>
+          </a:p>
+        </p:txBody>
+      </p:sp>
+      <p:sp>
+        <p:nvSpPr>
+          <p:cNvPr id="3" name="Content Placeholder 2"/>
           <p:cNvSpPr>
             <a:spLocks noGrp="1"/>
           </p:cNvSpPr>
@@ -1371,8 +2028,8 @@
         </p:nvSpPr>
         <p:spPr>
           <a:xfrm>
-            <a:off x="838200" y="1825625"/>
-            <a:ext cx="5181600" cy="4351338"/>
+            <a:off x="225266" y="526980"/>
+            <a:ext cx="1392555" cy="1256046"/>
           </a:xfrm>
         </p:spPr>
         <p:txBody>
@@ -1381,81 +2038,76 @@
           <a:p>
             <a:pPr lvl="0"/>
             <a:r>
-              <a:rPr kumimoji="1" lang="ja-JP" altLang="en-US"/>
+              <a:rPr lang="ja-JP" altLang="en-US"/>
               <a:t>マスター テキストの書式設定</a:t>
             </a:r>
           </a:p>
           <a:p>
             <a:pPr lvl="1"/>
             <a:r>
-              <a:rPr kumimoji="1" lang="ja-JP" altLang="en-US"/>
+              <a:rPr lang="ja-JP" altLang="en-US"/>
               <a:t>第 </a:t>
             </a:r>
             <a:r>
-              <a:rPr kumimoji="1" lang="en-US" altLang="ja-JP"/>
+              <a:rPr lang="en-US" altLang="ja-JP"/>
               <a:t>2 </a:t>
             </a:r>
             <a:r>
-              <a:rPr kumimoji="1" lang="ja-JP" altLang="en-US"/>
+              <a:rPr lang="ja-JP" altLang="en-US"/>
               <a:t>レベル</a:t>
             </a:r>
           </a:p>
           <a:p>
             <a:pPr lvl="2"/>
             <a:r>
-              <a:rPr kumimoji="1" lang="ja-JP" altLang="en-US"/>
+              <a:rPr lang="ja-JP" altLang="en-US"/>
               <a:t>第 </a:t>
             </a:r>
             <a:r>
-              <a:rPr kumimoji="1" lang="en-US" altLang="ja-JP"/>
+              <a:rPr lang="en-US" altLang="ja-JP"/>
               <a:t>3 </a:t>
             </a:r>
             <a:r>
-              <a:rPr kumimoji="1" lang="ja-JP" altLang="en-US"/>
+              <a:rPr lang="ja-JP" altLang="en-US"/>
               <a:t>レベル</a:t>
             </a:r>
           </a:p>
           <a:p>
             <a:pPr lvl="3"/>
             <a:r>
-              <a:rPr kumimoji="1" lang="ja-JP" altLang="en-US"/>
+              <a:rPr lang="ja-JP" altLang="en-US"/>
               <a:t>第 </a:t>
             </a:r>
             <a:r>
-              <a:rPr kumimoji="1" lang="en-US" altLang="ja-JP"/>
+              <a:rPr lang="en-US" altLang="ja-JP"/>
               <a:t>4 </a:t>
             </a:r>
             <a:r>
-              <a:rPr kumimoji="1" lang="ja-JP" altLang="en-US"/>
+              <a:rPr lang="ja-JP" altLang="en-US"/>
               <a:t>レベル</a:t>
             </a:r>
           </a:p>
           <a:p>
             <a:pPr lvl="4"/>
             <a:r>
-              <a:rPr kumimoji="1" lang="ja-JP" altLang="en-US"/>
+              <a:rPr lang="ja-JP" altLang="en-US"/>
               <a:t>第 </a:t>
             </a:r>
             <a:r>
-              <a:rPr kumimoji="1" lang="en-US" altLang="ja-JP"/>
+              <a:rPr lang="en-US" altLang="ja-JP"/>
               <a:t>5 </a:t>
             </a:r>
             <a:r>
-              <a:rPr kumimoji="1" lang="ja-JP" altLang="en-US"/>
+              <a:rPr lang="ja-JP" altLang="en-US"/>
               <a:t>レベル</a:t>
             </a:r>
-          </a:p>
-        </p:txBody>
-      </p:sp>
-      <p:sp>
-        <p:nvSpPr>
-          <p:cNvPr id="4" name="コンテンツ プレースホルダー 3">
-            <a:extLst>
-              <a:ext uri="{FF2B5EF4-FFF2-40B4-BE49-F238E27FC236}">
-                <a16:creationId xmlns:a16="http://schemas.microsoft.com/office/drawing/2014/main" id="{63C89AC7-CD5A-EFAD-C7FC-357953B8FC4F}"/>
-              </a:ext>
-            </a:extLst>
-          </p:cNvPr>
+            <a:endParaRPr lang="en-US" dirty="0"/>
+          </a:p>
+        </p:txBody>
+      </p:sp>
+      <p:sp>
+        <p:nvSpPr>
+          <p:cNvPr id="4" name="Content Placeholder 3"/>
           <p:cNvSpPr>
             <a:spLocks noGrp="1"/>
           </p:cNvSpPr>
@@ -1465,8 +2117,8 @@
         </p:nvSpPr>
         <p:spPr>
           <a:xfrm>
-            <a:off x="6172200" y="1825625"/>
-            <a:ext cx="5181600" cy="4351338"/>
+            <a:off x="1658779" y="526980"/>
+            <a:ext cx="1392555" cy="1256046"/>
           </a:xfrm>
         </p:spPr>
         <p:txBody>
@@ -1475,81 +2127,76 @@
           <a:p>
             <a:pPr lvl="0"/>
             <a:r>
-              <a:rPr kumimoji="1" lang="ja-JP" altLang="en-US"/>
+              <a:rPr lang="ja-JP" altLang="en-US"/>
               <a:t>マスター テキストの書式設定</a:t>
             </a:r>
           </a:p>
           <a:p>
             <a:pPr lvl="1"/>
             <a:r>
-              <a:rPr kumimoji="1" lang="ja-JP" altLang="en-US"/>
+              <a:rPr lang="ja-JP" altLang="en-US"/>
               <a:t>第 </a:t>
             </a:r>
             <a:r>
-              <a:rPr kumimoji="1" lang="en-US" altLang="ja-JP"/>
+              <a:rPr lang="en-US" altLang="ja-JP"/>
               <a:t>2 </a:t>
             </a:r>
             <a:r>
-              <a:rPr kumimoji="1" lang="ja-JP" altLang="en-US"/>
+              <a:rPr lang="ja-JP" altLang="en-US"/>
               <a:t>レベル</a:t>
             </a:r>
           </a:p>
           <a:p>
             <a:pPr lvl="2"/>
             <a:r>
-              <a:rPr kumimoji="1" lang="ja-JP" altLang="en-US"/>
+              <a:rPr lang="ja-JP" altLang="en-US"/>
               <a:t>第 </a:t>
             </a:r>
             <a:r>
-              <a:rPr kumimoji="1" lang="en-US" altLang="ja-JP"/>
+              <a:rPr lang="en-US" altLang="ja-JP"/>
               <a:t>3 </a:t>
             </a:r>
             <a:r>
-              <a:rPr kumimoji="1" lang="ja-JP" altLang="en-US"/>
+              <a:rPr lang="ja-JP" altLang="en-US"/>
               <a:t>レベル</a:t>
             </a:r>
           </a:p>
           <a:p>
             <a:pPr lvl="3"/>
             <a:r>
-              <a:rPr kumimoji="1" lang="ja-JP" altLang="en-US"/>
+              <a:rPr lang="ja-JP" altLang="en-US"/>
               <a:t>第 </a:t>
             </a:r>
             <a:r>
-              <a:rPr kumimoji="1" lang="en-US" altLang="ja-JP"/>
+              <a:rPr lang="en-US" altLang="ja-JP"/>
               <a:t>4 </a:t>
             </a:r>
             <a:r>
-              <a:rPr kumimoji="1" lang="ja-JP" altLang="en-US"/>
+              <a:rPr lang="ja-JP" altLang="en-US"/>
               <a:t>レベル</a:t>
             </a:r>
           </a:p>
           <a:p>
             <a:pPr lvl="4"/>
             <a:r>
-              <a:rPr kumimoji="1" lang="ja-JP" altLang="en-US"/>
+              <a:rPr lang="ja-JP" altLang="en-US"/>
               <a:t>第 </a:t>
             </a:r>
             <a:r>
-              <a:rPr kumimoji="1" lang="en-US" altLang="ja-JP"/>
+              <a:rPr lang="en-US" altLang="ja-JP"/>
               <a:t>5 </a:t>
             </a:r>
             <a:r>
-              <a:rPr kumimoji="1" lang="ja-JP" altLang="en-US"/>
+              <a:rPr lang="ja-JP" altLang="en-US"/>
               <a:t>レベル</a:t>
             </a:r>
-          </a:p>
-        </p:txBody>
-      </p:sp>
-      <p:sp>
-        <p:nvSpPr>
-          <p:cNvPr id="5" name="日付プレースホルダー 4">
-            <a:extLst>
-              <a:ext uri="{FF2B5EF4-FFF2-40B4-BE49-F238E27FC236}">
-                <a16:creationId xmlns:a16="http://schemas.microsoft.com/office/drawing/2014/main" id="{BCE09B9A-2267-48EF-B7F2-169798DB83DF}"/>
-              </a:ext>
-            </a:extLst>
-          </p:cNvPr>
+            <a:endParaRPr lang="en-US" dirty="0"/>
+          </a:p>
+        </p:txBody>
+      </p:sp>
+      <p:sp>
+        <p:nvSpPr>
+          <p:cNvPr id="5" name="Date Placeholder 4"/>
           <p:cNvSpPr>
             <a:spLocks noGrp="1"/>
           </p:cNvSpPr>
@@ -1564,7 +2211,7 @@
           <a:p>
             <a:fld id="{01C4FF30-CE35-4854-B89A-16CBC3B44980}" type="datetimeFigureOut">
               <a:rPr kumimoji="1" lang="ja-JP" altLang="en-US" smtClean="0"/>
-              <a:t>2023/4/3</a:t>
+              <a:t>2023/4/4</a:t>
             </a:fld>
             <a:endParaRPr kumimoji="1" lang="ja-JP" altLang="en-US"/>
           </a:p>
@@ -1572,13 +2219,7 @@
       </p:sp>
       <p:sp>
         <p:nvSpPr>
-          <p:cNvPr id="6" name="フッター プレースホルダー 5">
-            <a:extLst>
-              <a:ext uri="{FF2B5EF4-FFF2-40B4-BE49-F238E27FC236}">
-                <a16:creationId xmlns:a16="http://schemas.microsoft.com/office/drawing/2014/main" id="{A2860457-DC6C-47A1-C62C-D92D3B8DDF5C}"/>
-              </a:ext>
-            </a:extLst>
-          </p:cNvPr>
+          <p:cNvPr id="6" name="Footer Placeholder 5"/>
           <p:cNvSpPr>
             <a:spLocks noGrp="1"/>
           </p:cNvSpPr>
@@ -1597,13 +2238,7 @@
       </p:sp>
       <p:sp>
         <p:nvSpPr>
-          <p:cNvPr id="7" name="スライド番号プレースホルダー 6">
-            <a:extLst>
-              <a:ext uri="{FF2B5EF4-FFF2-40B4-BE49-F238E27FC236}">
-                <a16:creationId xmlns:a16="http://schemas.microsoft.com/office/drawing/2014/main" id="{7E8914D6-6324-373E-FDDC-58ED9E784CD5}"/>
-              </a:ext>
-            </a:extLst>
-          </p:cNvPr>
+          <p:cNvPr id="7" name="Slide Number Placeholder 6"/>
           <p:cNvSpPr>
             <a:spLocks noGrp="1"/>
           </p:cNvSpPr>
@@ -1627,7 +2262,7 @@
     </p:spTree>
     <p:extLst>
       <p:ext uri="{BB962C8B-B14F-4D97-AF65-F5344CB8AC3E}">
-        <p14:creationId xmlns:p14="http://schemas.microsoft.com/office/powerpoint/2010/main" val="472038819"/>
+        <p14:creationId xmlns:p14="http://schemas.microsoft.com/office/powerpoint/2010/main" val="2259135786"/>
       </p:ext>
     </p:extLst>
   </p:cSld>
@@ -1656,13 +2291,7 @@
       </p:grpSpPr>
       <p:sp>
         <p:nvSpPr>
-          <p:cNvPr id="2" name="タイトル 1">
-            <a:extLst>
-              <a:ext uri="{FF2B5EF4-FFF2-40B4-BE49-F238E27FC236}">
-                <a16:creationId xmlns:a16="http://schemas.microsoft.com/office/drawing/2014/main" id="{7B428825-7627-962B-F989-7F51CC47FCA7}"/>
-              </a:ext>
-            </a:extLst>
-          </p:cNvPr>
+          <p:cNvPr id="2" name="Title 1"/>
           <p:cNvSpPr>
             <a:spLocks noGrp="1"/>
           </p:cNvSpPr>
@@ -1672,8 +2301,8 @@
         </p:nvSpPr>
         <p:spPr>
           <a:xfrm>
-            <a:off x="839788" y="365125"/>
-            <a:ext cx="10515600" cy="1325563"/>
+            <a:off x="225693" y="105396"/>
+            <a:ext cx="2826068" cy="382634"/>
           </a:xfrm>
         </p:spPr>
         <p:txBody>
@@ -1681,21 +2310,16 @@
           <a:lstStyle/>
           <a:p>
             <a:r>
-              <a:rPr kumimoji="1" lang="ja-JP" altLang="en-US"/>
+              <a:rPr lang="ja-JP" altLang="en-US"/>
               <a:t>マスター タイトルの書式設定</a:t>
             </a:r>
-          </a:p>
-        </p:txBody>
-      </p:sp>
-      <p:sp>
-        <p:nvSpPr>
-          <p:cNvPr id="3" name="テキスト プレースホルダー 2">
-            <a:extLst>
-              <a:ext uri="{FF2B5EF4-FFF2-40B4-BE49-F238E27FC236}">
-                <a16:creationId xmlns:a16="http://schemas.microsoft.com/office/drawing/2014/main" id="{7DD098DE-F17E-218F-D1CA-AAC9536A03D6}"/>
-              </a:ext>
-            </a:extLst>
-          </p:cNvPr>
+            <a:endParaRPr lang="en-US" dirty="0"/>
+          </a:p>
+        </p:txBody>
+      </p:sp>
+      <p:sp>
+        <p:nvSpPr>
+          <p:cNvPr id="3" name="Text Placeholder 2"/>
           <p:cNvSpPr>
             <a:spLocks noGrp="1"/>
           </p:cNvSpPr>
@@ -1705,8 +2329,8 @@
         </p:nvSpPr>
         <p:spPr>
           <a:xfrm>
-            <a:off x="839788" y="1681163"/>
-            <a:ext cx="5157787" cy="823912"/>
+            <a:off x="225693" y="485280"/>
+            <a:ext cx="1386155" cy="237828"/>
           </a:xfrm>
         </p:spPr>
         <p:txBody>
@@ -1714,45 +2338,45 @@
           <a:lstStyle>
             <a:lvl1pPr marL="0" indent="0">
               <a:buNone/>
-              <a:defRPr sz="2400" b="1"/>
+              <a:defRPr sz="645" b="1"/>
             </a:lvl1pPr>
-            <a:lvl2pPr marL="457200" indent="0">
+            <a:lvl2pPr marL="122895" indent="0">
               <a:buNone/>
-              <a:defRPr sz="2000" b="1"/>
+              <a:defRPr sz="538" b="1"/>
             </a:lvl2pPr>
-            <a:lvl3pPr marL="914400" indent="0">
+            <a:lvl3pPr marL="245791" indent="0">
               <a:buNone/>
-              <a:defRPr sz="1800" b="1"/>
+              <a:defRPr sz="484" b="1"/>
             </a:lvl3pPr>
-            <a:lvl4pPr marL="1371600" indent="0">
+            <a:lvl4pPr marL="368686" indent="0">
               <a:buNone/>
-              <a:defRPr sz="1600" b="1"/>
+              <a:defRPr sz="430" b="1"/>
             </a:lvl4pPr>
-            <a:lvl5pPr marL="1828800" indent="0">
+            <a:lvl5pPr marL="491581" indent="0">
               <a:buNone/>
-              <a:defRPr sz="1600" b="1"/>
+              <a:defRPr sz="430" b="1"/>
             </a:lvl5pPr>
-            <a:lvl6pPr marL="2286000" indent="0">
+            <a:lvl6pPr marL="614477" indent="0">
               <a:buNone/>
-              <a:defRPr sz="1600" b="1"/>
+              <a:defRPr sz="430" b="1"/>
             </a:lvl6pPr>
-            <a:lvl7pPr marL="2743200" indent="0">
+            <a:lvl7pPr marL="737372" indent="0">
               <a:buNone/>
-              <a:defRPr sz="1600" b="1"/>
+              <a:defRPr sz="430" b="1"/>
             </a:lvl7pPr>
-            <a:lvl8pPr marL="3200400" indent="0">
+            <a:lvl8pPr marL="860268" indent="0">
               <a:buNone/>
-              <a:defRPr sz="1600" b="1"/>
+              <a:defRPr sz="430" b="1"/>
             </a:lvl8pPr>
-            <a:lvl9pPr marL="3657600" indent="0">
+            <a:lvl9pPr marL="983163" indent="0">
               <a:buNone/>
-              <a:defRPr sz="1600" b="1"/>
+              <a:defRPr sz="430" b="1"/>
             </a:lvl9pPr>
           </a:lstStyle>
           <a:p>
             <a:pPr lvl="0"/>
             <a:r>
-              <a:rPr kumimoji="1" lang="ja-JP" altLang="en-US"/>
+              <a:rPr lang="ja-JP" altLang="en-US"/>
               <a:t>マスター テキストの書式設定</a:t>
             </a:r>
           </a:p>
@@ -1760,13 +2384,7 @@
       </p:sp>
       <p:sp>
         <p:nvSpPr>
-          <p:cNvPr id="4" name="コンテンツ プレースホルダー 3">
-            <a:extLst>
-              <a:ext uri="{FF2B5EF4-FFF2-40B4-BE49-F238E27FC236}">
-                <a16:creationId xmlns:a16="http://schemas.microsoft.com/office/drawing/2014/main" id="{58FF6470-3B1D-D605-9512-D347FDC61079}"/>
-              </a:ext>
-            </a:extLst>
-          </p:cNvPr>
+          <p:cNvPr id="4" name="Content Placeholder 3"/>
           <p:cNvSpPr>
             <a:spLocks noGrp="1"/>
           </p:cNvSpPr>
@@ -1776,8 +2394,8 @@
         </p:nvSpPr>
         <p:spPr>
           <a:xfrm>
-            <a:off x="839788" y="2505075"/>
-            <a:ext cx="5157787" cy="3684588"/>
+            <a:off x="225693" y="723109"/>
+            <a:ext cx="1386155" cy="1063584"/>
           </a:xfrm>
         </p:spPr>
         <p:txBody>
@@ -1786,81 +2404,76 @@
           <a:p>
             <a:pPr lvl="0"/>
             <a:r>
-              <a:rPr kumimoji="1" lang="ja-JP" altLang="en-US"/>
+              <a:rPr lang="ja-JP" altLang="en-US"/>
               <a:t>マスター テキストの書式設定</a:t>
             </a:r>
           </a:p>
           <a:p>
             <a:pPr lvl="1"/>
             <a:r>
-              <a:rPr kumimoji="1" lang="ja-JP" altLang="en-US"/>
+              <a:rPr lang="ja-JP" altLang="en-US"/>
               <a:t>第 </a:t>
             </a:r>
             <a:r>
-              <a:rPr kumimoji="1" lang="en-US" altLang="ja-JP"/>
+              <a:rPr lang="en-US" altLang="ja-JP"/>
               <a:t>2 </a:t>
             </a:r>
             <a:r>
-              <a:rPr kumimoji="1" lang="ja-JP" altLang="en-US"/>
+              <a:rPr lang="ja-JP" altLang="en-US"/>
               <a:t>レベル</a:t>
             </a:r>
           </a:p>
           <a:p>
             <a:pPr lvl="2"/>
             <a:r>
-              <a:rPr kumimoji="1" lang="ja-JP" altLang="en-US"/>
+              <a:rPr lang="ja-JP" altLang="en-US"/>
               <a:t>第 </a:t>
             </a:r>
             <a:r>
-              <a:rPr kumimoji="1" lang="en-US" altLang="ja-JP"/>
+              <a:rPr lang="en-US" altLang="ja-JP"/>
               <a:t>3 </a:t>
             </a:r>
             <a:r>
-              <a:rPr kumimoji="1" lang="ja-JP" altLang="en-US"/>
+              <a:rPr lang="ja-JP" altLang="en-US"/>
               <a:t>レベル</a:t>
             </a:r>
           </a:p>
           <a:p>
             <a:pPr lvl="3"/>
             <a:r>
-              <a:rPr kumimoji="1" lang="ja-JP" altLang="en-US"/>
+              <a:rPr lang="ja-JP" altLang="en-US"/>
               <a:t>第 </a:t>
             </a:r>
             <a:r>
-              <a:rPr kumimoji="1" lang="en-US" altLang="ja-JP"/>
+              <a:rPr lang="en-US" altLang="ja-JP"/>
               <a:t>4 </a:t>
             </a:r>
             <a:r>
-              <a:rPr kumimoji="1" lang="ja-JP" altLang="en-US"/>
+              <a:rPr lang="ja-JP" altLang="en-US"/>
               <a:t>レベル</a:t>
             </a:r>
           </a:p>
           <a:p>
             <a:pPr lvl="4"/>
             <a:r>
-              <a:rPr kumimoji="1" lang="ja-JP" altLang="en-US"/>
+              <a:rPr lang="ja-JP" altLang="en-US"/>
               <a:t>第 </a:t>
             </a:r>
             <a:r>
-              <a:rPr kumimoji="1" lang="en-US" altLang="ja-JP"/>
+              <a:rPr lang="en-US" altLang="ja-JP"/>
               <a:t>5 </a:t>
             </a:r>
             <a:r>
-              <a:rPr kumimoji="1" lang="ja-JP" altLang="en-US"/>
+              <a:rPr lang="ja-JP" altLang="en-US"/>
               <a:t>レベル</a:t>
             </a:r>
-          </a:p>
-        </p:txBody>
-      </p:sp>
-      <p:sp>
-        <p:nvSpPr>
-          <p:cNvPr id="5" name="テキスト プレースホルダー 4">
-            <a:extLst>
-              <a:ext uri="{FF2B5EF4-FFF2-40B4-BE49-F238E27FC236}">
-                <a16:creationId xmlns:a16="http://schemas.microsoft.com/office/drawing/2014/main" id="{7D2C53CD-CD1B-72D0-2D39-2D3F9800EA3E}"/>
-              </a:ext>
-            </a:extLst>
-          </p:cNvPr>
+            <a:endParaRPr lang="en-US" dirty="0"/>
+          </a:p>
+        </p:txBody>
+      </p:sp>
+      <p:sp>
+        <p:nvSpPr>
+          <p:cNvPr id="5" name="Text Placeholder 4"/>
           <p:cNvSpPr>
             <a:spLocks noGrp="1"/>
           </p:cNvSpPr>
@@ -1870,8 +2483,8 @@
         </p:nvSpPr>
         <p:spPr>
           <a:xfrm>
-            <a:off x="6172200" y="1681163"/>
-            <a:ext cx="5183188" cy="823912"/>
+            <a:off x="1658779" y="485280"/>
+            <a:ext cx="1392982" cy="237828"/>
           </a:xfrm>
         </p:spPr>
         <p:txBody>
@@ -1879,45 +2492,45 @@
           <a:lstStyle>
             <a:lvl1pPr marL="0" indent="0">
               <a:buNone/>
-              <a:defRPr sz="2400" b="1"/>
+              <a:defRPr sz="645" b="1"/>
             </a:lvl1pPr>
-            <a:lvl2pPr marL="457200" indent="0">
+            <a:lvl2pPr marL="122895" indent="0">
               <a:buNone/>
-              <a:defRPr sz="2000" b="1"/>
+              <a:defRPr sz="538" b="1"/>
             </a:lvl2pPr>
-            <a:lvl3pPr marL="914400" indent="0">
+            <a:lvl3pPr marL="245791" indent="0">
               <a:buNone/>
-              <a:defRPr sz="1800" b="1"/>
+              <a:defRPr sz="484" b="1"/>
             </a:lvl3pPr>
-            <a:lvl4pPr marL="1371600" indent="0">
+            <a:lvl4pPr marL="368686" indent="0">
               <a:buNone/>
-              <a:defRPr sz="1600" b="1"/>
+              <a:defRPr sz="430" b="1"/>
             </a:lvl4pPr>
-            <a:lvl5pPr marL="1828800" indent="0">
+            <a:lvl5pPr marL="491581" indent="0">
               <a:buNone/>
-              <a:defRPr sz="1600" b="1"/>
+              <a:defRPr sz="430" b="1"/>
             </a:lvl5pPr>
-            <a:lvl6pPr marL="2286000" indent="0">
+            <a:lvl6pPr marL="614477" indent="0">
               <a:buNone/>
-              <a:defRPr sz="1600" b="1"/>
+              <a:defRPr sz="430" b="1"/>
             </a:lvl6pPr>
-            <a:lvl7pPr marL="2743200" indent="0">
+            <a:lvl7pPr marL="737372" indent="0">
               <a:buNone/>
-              <a:defRPr sz="1600" b="1"/>
+              <a:defRPr sz="430" b="1"/>
             </a:lvl7pPr>
-            <a:lvl8pPr marL="3200400" indent="0">
+            <a:lvl8pPr marL="860268" indent="0">
               <a:buNone/>
-              <a:defRPr sz="1600" b="1"/>
+              <a:defRPr sz="430" b="1"/>
             </a:lvl8pPr>
-            <a:lvl9pPr marL="3657600" indent="0">
+            <a:lvl9pPr marL="983163" indent="0">
               <a:buNone/>
-              <a:defRPr sz="1600" b="1"/>
+              <a:defRPr sz="430" b="1"/>
             </a:lvl9pPr>
           </a:lstStyle>
           <a:p>
             <a:pPr lvl="0"/>
             <a:r>
-              <a:rPr kumimoji="1" lang="ja-JP" altLang="en-US"/>
+              <a:rPr lang="ja-JP" altLang="en-US"/>
               <a:t>マスター テキストの書式設定</a:t>
             </a:r>
           </a:p>
@@ -1925,13 +2538,7 @@
       </p:sp>
       <p:sp>
         <p:nvSpPr>
-          <p:cNvPr id="6" name="コンテンツ プレースホルダー 5">
-            <a:extLst>
-              <a:ext uri="{FF2B5EF4-FFF2-40B4-BE49-F238E27FC236}">
-                <a16:creationId xmlns:a16="http://schemas.microsoft.com/office/drawing/2014/main" id="{AD13C468-A15A-DC9C-0650-FA8BB6F7384E}"/>
-              </a:ext>
-            </a:extLst>
-          </p:cNvPr>
+          <p:cNvPr id="6" name="Content Placeholder 5"/>
           <p:cNvSpPr>
             <a:spLocks noGrp="1"/>
           </p:cNvSpPr>
@@ -1941,8 +2548,8 @@
         </p:nvSpPr>
         <p:spPr>
           <a:xfrm>
-            <a:off x="6172200" y="2505075"/>
-            <a:ext cx="5183188" cy="3684588"/>
+            <a:off x="1658779" y="723109"/>
+            <a:ext cx="1392982" cy="1063584"/>
           </a:xfrm>
         </p:spPr>
         <p:txBody>
@@ -1951,81 +2558,76 @@
           <a:p>
             <a:pPr lvl="0"/>
             <a:r>
-              <a:rPr kumimoji="1" lang="ja-JP" altLang="en-US"/>
+              <a:rPr lang="ja-JP" altLang="en-US"/>
               <a:t>マスター テキストの書式設定</a:t>
             </a:r>
           </a:p>
           <a:p>
             <a:pPr lvl="1"/>
             <a:r>
-              <a:rPr kumimoji="1" lang="ja-JP" altLang="en-US"/>
+              <a:rPr lang="ja-JP" altLang="en-US"/>
               <a:t>第 </a:t>
             </a:r>
             <a:r>
-              <a:rPr kumimoji="1" lang="en-US" altLang="ja-JP"/>
+              <a:rPr lang="en-US" altLang="ja-JP"/>
               <a:t>2 </a:t>
             </a:r>
             <a:r>
-              <a:rPr kumimoji="1" lang="ja-JP" altLang="en-US"/>
+              <a:rPr lang="ja-JP" altLang="en-US"/>
               <a:t>レベル</a:t>
             </a:r>
           </a:p>
           <a:p>
             <a:pPr lvl="2"/>
             <a:r>
-              <a:rPr kumimoji="1" lang="ja-JP" altLang="en-US"/>
+              <a:rPr lang="ja-JP" altLang="en-US"/>
               <a:t>第 </a:t>
             </a:r>
             <a:r>
-              <a:rPr kumimoji="1" lang="en-US" altLang="ja-JP"/>
+              <a:rPr lang="en-US" altLang="ja-JP"/>
               <a:t>3 </a:t>
             </a:r>
             <a:r>
-              <a:rPr kumimoji="1" lang="ja-JP" altLang="en-US"/>
+              <a:rPr lang="ja-JP" altLang="en-US"/>
               <a:t>レベル</a:t>
             </a:r>
           </a:p>
           <a:p>
             <a:pPr lvl="3"/>
             <a:r>
-              <a:rPr kumimoji="1" lang="ja-JP" altLang="en-US"/>
+              <a:rPr lang="ja-JP" altLang="en-US"/>
               <a:t>第 </a:t>
             </a:r>
             <a:r>
-              <a:rPr kumimoji="1" lang="en-US" altLang="ja-JP"/>
+              <a:rPr lang="en-US" altLang="ja-JP"/>
               <a:t>4 </a:t>
             </a:r>
             <a:r>
-              <a:rPr kumimoji="1" lang="ja-JP" altLang="en-US"/>
+              <a:rPr lang="ja-JP" altLang="en-US"/>
               <a:t>レベル</a:t>
             </a:r>
           </a:p>
           <a:p>
             <a:pPr lvl="4"/>
             <a:r>
-              <a:rPr kumimoji="1" lang="ja-JP" altLang="en-US"/>
+              <a:rPr lang="ja-JP" altLang="en-US"/>
               <a:t>第 </a:t>
             </a:r>
             <a:r>
-              <a:rPr kumimoji="1" lang="en-US" altLang="ja-JP"/>
+              <a:rPr lang="en-US" altLang="ja-JP"/>
               <a:t>5 </a:t>
             </a:r>
             <a:r>
-              <a:rPr kumimoji="1" lang="ja-JP" altLang="en-US"/>
+              <a:rPr lang="ja-JP" altLang="en-US"/>
               <a:t>レベル</a:t>
             </a:r>
-          </a:p>
-        </p:txBody>
-      </p:sp>
-      <p:sp>
-        <p:nvSpPr>
-          <p:cNvPr id="7" name="日付プレースホルダー 6">
-            <a:extLst>
-              <a:ext uri="{FF2B5EF4-FFF2-40B4-BE49-F238E27FC236}">
-                <a16:creationId xmlns:a16="http://schemas.microsoft.com/office/drawing/2014/main" id="{B314428E-495A-87B2-FA13-BF401072A87D}"/>
-              </a:ext>
-            </a:extLst>
-          </p:cNvPr>
+            <a:endParaRPr lang="en-US" dirty="0"/>
+          </a:p>
+        </p:txBody>
+      </p:sp>
+      <p:sp>
+        <p:nvSpPr>
+          <p:cNvPr id="7" name="Date Placeholder 6"/>
           <p:cNvSpPr>
             <a:spLocks noGrp="1"/>
           </p:cNvSpPr>
@@ -2040,7 +2642,7 @@
           <a:p>
             <a:fld id="{01C4FF30-CE35-4854-B89A-16CBC3B44980}" type="datetimeFigureOut">
               <a:rPr kumimoji="1" lang="ja-JP" altLang="en-US" smtClean="0"/>
-              <a:t>2023/4/3</a:t>
+              <a:t>2023/4/4</a:t>
             </a:fld>
             <a:endParaRPr kumimoji="1" lang="ja-JP" altLang="en-US"/>
           </a:p>
@@ -2048,13 +2650,7 @@
       </p:sp>
       <p:sp>
         <p:nvSpPr>
-          <p:cNvPr id="8" name="フッター プレースホルダー 7">
-            <a:extLst>
-              <a:ext uri="{FF2B5EF4-FFF2-40B4-BE49-F238E27FC236}">
-                <a16:creationId xmlns:a16="http://schemas.microsoft.com/office/drawing/2014/main" id="{092193F5-8C31-100A-B0E2-D33A5A6748F3}"/>
-              </a:ext>
-            </a:extLst>
-          </p:cNvPr>
+          <p:cNvPr id="8" name="Footer Placeholder 7"/>
           <p:cNvSpPr>
             <a:spLocks noGrp="1"/>
           </p:cNvSpPr>
@@ -2073,13 +2669,7 @@
       </p:sp>
       <p:sp>
         <p:nvSpPr>
-          <p:cNvPr id="9" name="スライド番号プレースホルダー 8">
-            <a:extLst>
-              <a:ext uri="{FF2B5EF4-FFF2-40B4-BE49-F238E27FC236}">
-                <a16:creationId xmlns:a16="http://schemas.microsoft.com/office/drawing/2014/main" id="{396BA9F4-B1CF-844E-8B18-DE45A8B34E75}"/>
-              </a:ext>
-            </a:extLst>
-          </p:cNvPr>
+          <p:cNvPr id="9" name="Slide Number Placeholder 8"/>
           <p:cNvSpPr>
             <a:spLocks noGrp="1"/>
           </p:cNvSpPr>
@@ -2103,7 +2693,7 @@
     </p:spTree>
     <p:extLst>
       <p:ext uri="{BB962C8B-B14F-4D97-AF65-F5344CB8AC3E}">
-        <p14:creationId xmlns:p14="http://schemas.microsoft.com/office/powerpoint/2010/main" val="1476982359"/>
+        <p14:creationId xmlns:p14="http://schemas.microsoft.com/office/powerpoint/2010/main" val="64119238"/>
       </p:ext>
     </p:extLst>
   </p:cSld>
@@ -2132,13 +2722,7 @@
       </p:grpSpPr>
       <p:sp>
         <p:nvSpPr>
-          <p:cNvPr id="2" name="タイトル 1">
-            <a:extLst>
-              <a:ext uri="{FF2B5EF4-FFF2-40B4-BE49-F238E27FC236}">
-                <a16:creationId xmlns:a16="http://schemas.microsoft.com/office/drawing/2014/main" id="{4169B2B4-0E03-0537-E348-3E48A5064BCB}"/>
-              </a:ext>
-            </a:extLst>
-          </p:cNvPr>
+          <p:cNvPr id="2" name="Title 1"/>
           <p:cNvSpPr>
             <a:spLocks noGrp="1"/>
           </p:cNvSpPr>
@@ -2152,21 +2736,16 @@
           <a:lstStyle/>
           <a:p>
             <a:r>
-              <a:rPr kumimoji="1" lang="ja-JP" altLang="en-US"/>
+              <a:rPr lang="ja-JP" altLang="en-US"/>
               <a:t>マスター タイトルの書式設定</a:t>
             </a:r>
-          </a:p>
-        </p:txBody>
-      </p:sp>
-      <p:sp>
-        <p:nvSpPr>
-          <p:cNvPr id="3" name="日付プレースホルダー 2">
-            <a:extLst>
-              <a:ext uri="{FF2B5EF4-FFF2-40B4-BE49-F238E27FC236}">
-                <a16:creationId xmlns:a16="http://schemas.microsoft.com/office/drawing/2014/main" id="{E2602847-4078-B39F-B5BD-8616B63FD02D}"/>
-              </a:ext>
-            </a:extLst>
-          </p:cNvPr>
+            <a:endParaRPr lang="en-US" dirty="0"/>
+          </a:p>
+        </p:txBody>
+      </p:sp>
+      <p:sp>
+        <p:nvSpPr>
+          <p:cNvPr id="3" name="Date Placeholder 2"/>
           <p:cNvSpPr>
             <a:spLocks noGrp="1"/>
           </p:cNvSpPr>
@@ -2181,7 +2760,7 @@
           <a:p>
             <a:fld id="{01C4FF30-CE35-4854-B89A-16CBC3B44980}" type="datetimeFigureOut">
               <a:rPr kumimoji="1" lang="ja-JP" altLang="en-US" smtClean="0"/>
-              <a:t>2023/4/3</a:t>
+              <a:t>2023/4/4</a:t>
             </a:fld>
             <a:endParaRPr kumimoji="1" lang="ja-JP" altLang="en-US"/>
           </a:p>
@@ -2189,13 +2768,7 @@
       </p:sp>
       <p:sp>
         <p:nvSpPr>
-          <p:cNvPr id="4" name="フッター プレースホルダー 3">
-            <a:extLst>
-              <a:ext uri="{FF2B5EF4-FFF2-40B4-BE49-F238E27FC236}">
-                <a16:creationId xmlns:a16="http://schemas.microsoft.com/office/drawing/2014/main" id="{9259E373-295F-123F-6B58-0A0E2B343D7D}"/>
-              </a:ext>
-            </a:extLst>
-          </p:cNvPr>
+          <p:cNvPr id="4" name="Footer Placeholder 3"/>
           <p:cNvSpPr>
             <a:spLocks noGrp="1"/>
           </p:cNvSpPr>
@@ -2214,13 +2787,7 @@
       </p:sp>
       <p:sp>
         <p:nvSpPr>
-          <p:cNvPr id="5" name="スライド番号プレースホルダー 4">
-            <a:extLst>
-              <a:ext uri="{FF2B5EF4-FFF2-40B4-BE49-F238E27FC236}">
-                <a16:creationId xmlns:a16="http://schemas.microsoft.com/office/drawing/2014/main" id="{7652696C-FE8C-A2FA-942D-03252145DD66}"/>
-              </a:ext>
-            </a:extLst>
-          </p:cNvPr>
+          <p:cNvPr id="5" name="Slide Number Placeholder 4"/>
           <p:cNvSpPr>
             <a:spLocks noGrp="1"/>
           </p:cNvSpPr>
@@ -2244,7 +2811,7 @@
     </p:spTree>
     <p:extLst>
       <p:ext uri="{BB962C8B-B14F-4D97-AF65-F5344CB8AC3E}">
-        <p14:creationId xmlns:p14="http://schemas.microsoft.com/office/powerpoint/2010/main" val="3256629814"/>
+        <p14:creationId xmlns:p14="http://schemas.microsoft.com/office/powerpoint/2010/main" val="255288056"/>
       </p:ext>
     </p:extLst>
   </p:cSld>
@@ -2273,13 +2840,7 @@
       </p:grpSpPr>
       <p:sp>
         <p:nvSpPr>
-          <p:cNvPr id="2" name="日付プレースホルダー 1">
-            <a:extLst>
-              <a:ext uri="{FF2B5EF4-FFF2-40B4-BE49-F238E27FC236}">
-                <a16:creationId xmlns:a16="http://schemas.microsoft.com/office/drawing/2014/main" id="{EFBF4B3A-D253-0D1A-2F61-698C05B72F4D}"/>
-              </a:ext>
-            </a:extLst>
-          </p:cNvPr>
+          <p:cNvPr id="2" name="Date Placeholder 1"/>
           <p:cNvSpPr>
             <a:spLocks noGrp="1"/>
           </p:cNvSpPr>
@@ -2294,7 +2855,7 @@
           <a:p>
             <a:fld id="{01C4FF30-CE35-4854-B89A-16CBC3B44980}" type="datetimeFigureOut">
               <a:rPr kumimoji="1" lang="ja-JP" altLang="en-US" smtClean="0"/>
-              <a:t>2023/4/3</a:t>
+              <a:t>2023/4/4</a:t>
             </a:fld>
             <a:endParaRPr kumimoji="1" lang="ja-JP" altLang="en-US"/>
           </a:p>
@@ -2302,13 +2863,7 @@
       </p:sp>
       <p:sp>
         <p:nvSpPr>
-          <p:cNvPr id="3" name="フッター プレースホルダー 2">
-            <a:extLst>
-              <a:ext uri="{FF2B5EF4-FFF2-40B4-BE49-F238E27FC236}">
-                <a16:creationId xmlns:a16="http://schemas.microsoft.com/office/drawing/2014/main" id="{51C7CA8B-6FD6-CD16-B9F9-E1C98F1B8EC7}"/>
-              </a:ext>
-            </a:extLst>
-          </p:cNvPr>
+          <p:cNvPr id="3" name="Footer Placeholder 2"/>
           <p:cNvSpPr>
             <a:spLocks noGrp="1"/>
           </p:cNvSpPr>
@@ -2327,13 +2882,7 @@
       </p:sp>
       <p:sp>
         <p:nvSpPr>
-          <p:cNvPr id="4" name="スライド番号プレースホルダー 3">
-            <a:extLst>
-              <a:ext uri="{FF2B5EF4-FFF2-40B4-BE49-F238E27FC236}">
-                <a16:creationId xmlns:a16="http://schemas.microsoft.com/office/drawing/2014/main" id="{DACE89EF-C536-897D-4072-69EC7BD01B3C}"/>
-              </a:ext>
-            </a:extLst>
-          </p:cNvPr>
+          <p:cNvPr id="4" name="Slide Number Placeholder 3"/>
           <p:cNvSpPr>
             <a:spLocks noGrp="1"/>
           </p:cNvSpPr>
@@ -2357,7 +2906,7 @@
     </p:spTree>
     <p:extLst>
       <p:ext uri="{BB962C8B-B14F-4D97-AF65-F5344CB8AC3E}">
-        <p14:creationId xmlns:p14="http://schemas.microsoft.com/office/powerpoint/2010/main" val="1442981473"/>
+        <p14:creationId xmlns:p14="http://schemas.microsoft.com/office/powerpoint/2010/main" val="7965350"/>
       </p:ext>
     </p:extLst>
   </p:cSld>
@@ -2386,13 +2935,7 @@
       </p:grpSpPr>
       <p:sp>
         <p:nvSpPr>
-          <p:cNvPr id="2" name="タイトル 1">
-            <a:extLst>
-              <a:ext uri="{FF2B5EF4-FFF2-40B4-BE49-F238E27FC236}">
-                <a16:creationId xmlns:a16="http://schemas.microsoft.com/office/drawing/2014/main" id="{EA8F80AF-4314-F203-991A-9DDAE21F4A6F}"/>
-              </a:ext>
-            </a:extLst>
-          </p:cNvPr>
+          <p:cNvPr id="2" name="Title 1"/>
           <p:cNvSpPr>
             <a:spLocks noGrp="1"/>
           </p:cNvSpPr>
@@ -2402,34 +2945,29 @@
         </p:nvSpPr>
         <p:spPr>
           <a:xfrm>
-            <a:off x="839788" y="457200"/>
-            <a:ext cx="3932237" cy="1600200"/>
+            <a:off x="225693" y="131974"/>
+            <a:ext cx="1056789" cy="461910"/>
           </a:xfrm>
         </p:spPr>
         <p:txBody>
           <a:bodyPr anchor="b"/>
           <a:lstStyle>
             <a:lvl1pPr>
-              <a:defRPr sz="3200"/>
+              <a:defRPr sz="860"/>
             </a:lvl1pPr>
           </a:lstStyle>
           <a:p>
             <a:r>
-              <a:rPr kumimoji="1" lang="ja-JP" altLang="en-US"/>
+              <a:rPr lang="ja-JP" altLang="en-US"/>
               <a:t>マスター タイトルの書式設定</a:t>
             </a:r>
-          </a:p>
-        </p:txBody>
-      </p:sp>
-      <p:sp>
-        <p:nvSpPr>
-          <p:cNvPr id="3" name="コンテンツ プレースホルダー 2">
-            <a:extLst>
-              <a:ext uri="{FF2B5EF4-FFF2-40B4-BE49-F238E27FC236}">
-                <a16:creationId xmlns:a16="http://schemas.microsoft.com/office/drawing/2014/main" id="{B5B348CD-E831-DBEF-3A93-6BFED5432B76}"/>
-              </a:ext>
-            </a:extLst>
-          </p:cNvPr>
+            <a:endParaRPr lang="en-US" dirty="0"/>
+          </a:p>
+        </p:txBody>
+      </p:sp>
+      <p:sp>
+        <p:nvSpPr>
+          <p:cNvPr id="3" name="Content Placeholder 2"/>
           <p:cNvSpPr>
             <a:spLocks noGrp="1"/>
           </p:cNvSpPr>
@@ -2439,119 +2977,114 @@
         </p:nvSpPr>
         <p:spPr>
           <a:xfrm>
-            <a:off x="5183188" y="987425"/>
-            <a:ext cx="6172200" cy="4873625"/>
+            <a:off x="1392982" y="285028"/>
+            <a:ext cx="1658779" cy="1406808"/>
           </a:xfrm>
         </p:spPr>
         <p:txBody>
           <a:bodyPr/>
           <a:lstStyle>
             <a:lvl1pPr>
-              <a:defRPr sz="3200"/>
+              <a:defRPr sz="860"/>
             </a:lvl1pPr>
             <a:lvl2pPr>
-              <a:defRPr sz="2800"/>
+              <a:defRPr sz="753"/>
             </a:lvl2pPr>
             <a:lvl3pPr>
-              <a:defRPr sz="2400"/>
+              <a:defRPr sz="645"/>
             </a:lvl3pPr>
             <a:lvl4pPr>
-              <a:defRPr sz="2000"/>
+              <a:defRPr sz="538"/>
             </a:lvl4pPr>
             <a:lvl5pPr>
-              <a:defRPr sz="2000"/>
+              <a:defRPr sz="538"/>
             </a:lvl5pPr>
             <a:lvl6pPr>
-              <a:defRPr sz="2000"/>
+              <a:defRPr sz="538"/>
             </a:lvl6pPr>
             <a:lvl7pPr>
-              <a:defRPr sz="2000"/>
+              <a:defRPr sz="538"/>
             </a:lvl7pPr>
             <a:lvl8pPr>
-              <a:defRPr sz="2000"/>
+              <a:defRPr sz="538"/>
             </a:lvl8pPr>
             <a:lvl9pPr>
-              <a:defRPr sz="2000"/>
+              <a:defRPr sz="538"/>
             </a:lvl9pPr>
           </a:lstStyle>
           <a:p>
             <a:pPr lvl="0"/>
             <a:r>
-              <a:rPr kumimoji="1" lang="ja-JP" altLang="en-US"/>
+              <a:rPr lang="ja-JP" altLang="en-US"/>
               <a:t>マスター テキストの書式設定</a:t>
             </a:r>
           </a:p>
           <a:p>
             <a:pPr lvl="1"/>
             <a:r>
-              <a:rPr kumimoji="1" lang="ja-JP" altLang="en-US"/>
+              <a:rPr lang="ja-JP" altLang="en-US"/>
               <a:t>第 </a:t>
             </a:r>
             <a:r>
-              <a:rPr kumimoji="1" lang="en-US" altLang="ja-JP"/>
+              <a:rPr lang="en-US" altLang="ja-JP"/>
               <a:t>2 </a:t>
             </a:r>
             <a:r>
-              <a:rPr kumimoji="1" lang="ja-JP" altLang="en-US"/>
+              <a:rPr lang="ja-JP" altLang="en-US"/>
               <a:t>レベル</a:t>
             </a:r>
           </a:p>
           <a:p>
             <a:pPr lvl="2"/>
             <a:r>
-              <a:rPr kumimoji="1" lang="ja-JP" altLang="en-US"/>
+              <a:rPr lang="ja-JP" altLang="en-US"/>
               <a:t>第 </a:t>
             </a:r>
             <a:r>
-              <a:rPr kumimoji="1" lang="en-US" altLang="ja-JP"/>
+              <a:rPr lang="en-US" altLang="ja-JP"/>
               <a:t>3 </a:t>
             </a:r>
             <a:r>
-              <a:rPr kumimoji="1" lang="ja-JP" altLang="en-US"/>
+              <a:rPr lang="ja-JP" altLang="en-US"/>
               <a:t>レベル</a:t>
             </a:r>
           </a:p>
           <a:p>
             <a:pPr lvl="3"/>
             <a:r>
-              <a:rPr kumimoji="1" lang="ja-JP" altLang="en-US"/>
+              <a:rPr lang="ja-JP" altLang="en-US"/>
               <a:t>第 </a:t>
             </a:r>
             <a:r>
-              <a:rPr kumimoji="1" lang="en-US" altLang="ja-JP"/>
+              <a:rPr lang="en-US" altLang="ja-JP"/>
               <a:t>4 </a:t>
             </a:r>
             <a:r>
-              <a:rPr kumimoji="1" lang="ja-JP" altLang="en-US"/>
+              <a:rPr lang="ja-JP" altLang="en-US"/>
               <a:t>レベル</a:t>
             </a:r>
           </a:p>
           <a:p>
             <a:pPr lvl="4"/>
             <a:r>
-              <a:rPr kumimoji="1" lang="ja-JP" altLang="en-US"/>
+              <a:rPr lang="ja-JP" altLang="en-US"/>
               <a:t>第 </a:t>
             </a:r>
             <a:r>
-              <a:rPr kumimoji="1" lang="en-US" altLang="ja-JP"/>
+              <a:rPr lang="en-US" altLang="ja-JP"/>
               <a:t>5 </a:t>
             </a:r>
             <a:r>
-              <a:rPr kumimoji="1" lang="ja-JP" altLang="en-US"/>
+              <a:rPr lang="ja-JP" altLang="en-US"/>
               <a:t>レベル</a:t>
             </a:r>
-          </a:p>
-        </p:txBody>
-      </p:sp>
-      <p:sp>
-        <p:nvSpPr>
-          <p:cNvPr id="4" name="テキスト プレースホルダー 3">
-            <a:extLst>
-              <a:ext uri="{FF2B5EF4-FFF2-40B4-BE49-F238E27FC236}">
-                <a16:creationId xmlns:a16="http://schemas.microsoft.com/office/drawing/2014/main" id="{F776075E-3738-C4CE-40E0-A856083FC6E1}"/>
-              </a:ext>
-            </a:extLst>
-          </p:cNvPr>
+            <a:endParaRPr lang="en-US" dirty="0"/>
+          </a:p>
+        </p:txBody>
+      </p:sp>
+      <p:sp>
+        <p:nvSpPr>
+          <p:cNvPr id="4" name="Text Placeholder 3"/>
           <p:cNvSpPr>
             <a:spLocks noGrp="1"/>
           </p:cNvSpPr>
@@ -2561,8 +3094,8 @@
         </p:nvSpPr>
         <p:spPr>
           <a:xfrm>
-            <a:off x="839788" y="2057400"/>
-            <a:ext cx="3932237" cy="3811588"/>
+            <a:off x="225693" y="593884"/>
+            <a:ext cx="1056789" cy="1100243"/>
           </a:xfrm>
         </p:spPr>
         <p:txBody>
@@ -2570,45 +3103,45 @@
           <a:lstStyle>
             <a:lvl1pPr marL="0" indent="0">
               <a:buNone/>
-              <a:defRPr sz="1600"/>
+              <a:defRPr sz="430"/>
             </a:lvl1pPr>
-            <a:lvl2pPr marL="457200" indent="0">
+            <a:lvl2pPr marL="122895" indent="0">
               <a:buNone/>
-              <a:defRPr sz="1400"/>
+              <a:defRPr sz="376"/>
             </a:lvl2pPr>
-            <a:lvl3pPr marL="914400" indent="0">
+            <a:lvl3pPr marL="245791" indent="0">
               <a:buNone/>
-              <a:defRPr sz="1200"/>
+              <a:defRPr sz="323"/>
             </a:lvl3pPr>
-            <a:lvl4pPr marL="1371600" indent="0">
+            <a:lvl4pPr marL="368686" indent="0">
               <a:buNone/>
-              <a:defRPr sz="1000"/>
+              <a:defRPr sz="269"/>
             </a:lvl4pPr>
-            <a:lvl5pPr marL="1828800" indent="0">
+            <a:lvl5pPr marL="491581" indent="0">
               <a:buNone/>
-              <a:defRPr sz="1000"/>
+              <a:defRPr sz="269"/>
             </a:lvl5pPr>
-            <a:lvl6pPr marL="2286000" indent="0">
+            <a:lvl6pPr marL="614477" indent="0">
               <a:buNone/>
-              <a:defRPr sz="1000"/>
+              <a:defRPr sz="269"/>
             </a:lvl6pPr>
-            <a:lvl7pPr marL="2743200" indent="0">
+            <a:lvl7pPr marL="737372" indent="0">
               <a:buNone/>
-              <a:defRPr sz="1000"/>
+              <a:defRPr sz="269"/>
             </a:lvl7pPr>
-            <a:lvl8pPr marL="3200400" indent="0">
+            <a:lvl8pPr marL="860268" indent="0">
               <a:buNone/>
-              <a:defRPr sz="1000"/>
+              <a:defRPr sz="269"/>
             </a:lvl8pPr>
-            <a:lvl9pPr marL="3657600" indent="0">
+            <a:lvl9pPr marL="983163" indent="0">
               <a:buNone/>
-              <a:defRPr sz="1000"/>
+              <a:defRPr sz="269"/>
             </a:lvl9pPr>
           </a:lstStyle>
           <a:p>
             <a:pPr lvl="0"/>
             <a:r>
-              <a:rPr kumimoji="1" lang="ja-JP" altLang="en-US"/>
+              <a:rPr lang="ja-JP" altLang="en-US"/>
               <a:t>マスター テキストの書式設定</a:t>
             </a:r>
           </a:p>
@@ -2616,13 +3149,7 @@
       </p:sp>
       <p:sp>
         <p:nvSpPr>
-          <p:cNvPr id="5" name="日付プレースホルダー 4">
-            <a:extLst>
-              <a:ext uri="{FF2B5EF4-FFF2-40B4-BE49-F238E27FC236}">
-                <a16:creationId xmlns:a16="http://schemas.microsoft.com/office/drawing/2014/main" id="{6000108E-7C95-F430-E73B-238CC3CE63CB}"/>
-              </a:ext>
-            </a:extLst>
-          </p:cNvPr>
+          <p:cNvPr id="5" name="Date Placeholder 4"/>
           <p:cNvSpPr>
             <a:spLocks noGrp="1"/>
           </p:cNvSpPr>
@@ -2637,7 +3164,7 @@
           <a:p>
             <a:fld id="{01C4FF30-CE35-4854-B89A-16CBC3B44980}" type="datetimeFigureOut">
               <a:rPr kumimoji="1" lang="ja-JP" altLang="en-US" smtClean="0"/>
-              <a:t>2023/4/3</a:t>
+              <a:t>2023/4/4</a:t>
             </a:fld>
             <a:endParaRPr kumimoji="1" lang="ja-JP" altLang="en-US"/>
           </a:p>
@@ -2645,13 +3172,7 @@
       </p:sp>
       <p:sp>
         <p:nvSpPr>
-          <p:cNvPr id="6" name="フッター プレースホルダー 5">
-            <a:extLst>
-              <a:ext uri="{FF2B5EF4-FFF2-40B4-BE49-F238E27FC236}">
-                <a16:creationId xmlns:a16="http://schemas.microsoft.com/office/drawing/2014/main" id="{8BB4ABE5-3FD3-882C-3F60-09745DA1B6C1}"/>
-              </a:ext>
-            </a:extLst>
-          </p:cNvPr>
+          <p:cNvPr id="6" name="Footer Placeholder 5"/>
           <p:cNvSpPr>
             <a:spLocks noGrp="1"/>
           </p:cNvSpPr>
@@ -2670,13 +3191,7 @@
       </p:sp>
       <p:sp>
         <p:nvSpPr>
-          <p:cNvPr id="7" name="スライド番号プレースホルダー 6">
-            <a:extLst>
-              <a:ext uri="{FF2B5EF4-FFF2-40B4-BE49-F238E27FC236}">
-                <a16:creationId xmlns:a16="http://schemas.microsoft.com/office/drawing/2014/main" id="{6B61ADAF-6AB9-DF92-A462-B84F760FD690}"/>
-              </a:ext>
-            </a:extLst>
-          </p:cNvPr>
+          <p:cNvPr id="7" name="Slide Number Placeholder 6"/>
           <p:cNvSpPr>
             <a:spLocks noGrp="1"/>
           </p:cNvSpPr>
@@ -2700,7 +3215,7 @@
     </p:spTree>
     <p:extLst>
       <p:ext uri="{BB962C8B-B14F-4D97-AF65-F5344CB8AC3E}">
-        <p14:creationId xmlns:p14="http://schemas.microsoft.com/office/powerpoint/2010/main" val="1802086156"/>
+        <p14:creationId xmlns:p14="http://schemas.microsoft.com/office/powerpoint/2010/main" val="1804309009"/>
       </p:ext>
     </p:extLst>
   </p:cSld>
@@ -2729,13 +3244,7 @@
       </p:grpSpPr>
       <p:sp>
         <p:nvSpPr>
-          <p:cNvPr id="2" name="タイトル 1">
-            <a:extLst>
-              <a:ext uri="{FF2B5EF4-FFF2-40B4-BE49-F238E27FC236}">
-                <a16:creationId xmlns:a16="http://schemas.microsoft.com/office/drawing/2014/main" id="{DC9C4DF3-AE85-E763-5FB5-7D925C7A1091}"/>
-              </a:ext>
-            </a:extLst>
-          </p:cNvPr>
+          <p:cNvPr id="2" name="Title 1"/>
           <p:cNvSpPr>
             <a:spLocks noGrp="1"/>
           </p:cNvSpPr>
@@ -2745,36 +3254,31 @@
         </p:nvSpPr>
         <p:spPr>
           <a:xfrm>
-            <a:off x="839788" y="457200"/>
-            <a:ext cx="3932237" cy="1600200"/>
+            <a:off x="225693" y="131974"/>
+            <a:ext cx="1056789" cy="461910"/>
           </a:xfrm>
         </p:spPr>
         <p:txBody>
           <a:bodyPr anchor="b"/>
           <a:lstStyle>
             <a:lvl1pPr>
-              <a:defRPr sz="3200"/>
+              <a:defRPr sz="860"/>
             </a:lvl1pPr>
           </a:lstStyle>
           <a:p>
             <a:r>
-              <a:rPr kumimoji="1" lang="ja-JP" altLang="en-US"/>
+              <a:rPr lang="ja-JP" altLang="en-US"/>
               <a:t>マスター タイトルの書式設定</a:t>
             </a:r>
-          </a:p>
-        </p:txBody>
-      </p:sp>
-      <p:sp>
-        <p:nvSpPr>
-          <p:cNvPr id="3" name="図プレースホルダー 2">
-            <a:extLst>
-              <a:ext uri="{FF2B5EF4-FFF2-40B4-BE49-F238E27FC236}">
-                <a16:creationId xmlns:a16="http://schemas.microsoft.com/office/drawing/2014/main" id="{B979D155-F97D-1BCB-8048-7A7E5F7543D3}"/>
-              </a:ext>
-            </a:extLst>
-          </p:cNvPr>
-          <p:cNvSpPr>
-            <a:spLocks noGrp="1"/>
+            <a:endParaRPr lang="en-US" dirty="0"/>
+          </a:p>
+        </p:txBody>
+      </p:sp>
+      <p:sp>
+        <p:nvSpPr>
+          <p:cNvPr id="3" name="Picture Placeholder 2"/>
+          <p:cNvSpPr>
+            <a:spLocks noGrp="1" noChangeAspect="1"/>
           </p:cNvSpPr>
           <p:nvPr>
             <p:ph type="pic" idx="1"/>
@@ -2782,8 +3286,73 @@
         </p:nvSpPr>
         <p:spPr>
           <a:xfrm>
-            <a:off x="5183188" y="987425"/>
-            <a:ext cx="6172200" cy="4873625"/>
+            <a:off x="1392982" y="285028"/>
+            <a:ext cx="1658779" cy="1406808"/>
+          </a:xfrm>
+        </p:spPr>
+        <p:txBody>
+          <a:bodyPr anchor="t"/>
+          <a:lstStyle>
+            <a:lvl1pPr marL="0" indent="0">
+              <a:buNone/>
+              <a:defRPr sz="860"/>
+            </a:lvl1pPr>
+            <a:lvl2pPr marL="122895" indent="0">
+              <a:buNone/>
+              <a:defRPr sz="753"/>
+            </a:lvl2pPr>
+            <a:lvl3pPr marL="245791" indent="0">
+              <a:buNone/>
+              <a:defRPr sz="645"/>
+            </a:lvl3pPr>
+            <a:lvl4pPr marL="368686" indent="0">
+              <a:buNone/>
+              <a:defRPr sz="538"/>
+            </a:lvl4pPr>
+            <a:lvl5pPr marL="491581" indent="0">
+              <a:buNone/>
+              <a:defRPr sz="538"/>
+            </a:lvl5pPr>
+            <a:lvl6pPr marL="614477" indent="0">
+              <a:buNone/>
+              <a:defRPr sz="538"/>
+            </a:lvl6pPr>
+            <a:lvl7pPr marL="737372" indent="0">
+              <a:buNone/>
+              <a:defRPr sz="538"/>
+            </a:lvl7pPr>
+            <a:lvl8pPr marL="860268" indent="0">
+              <a:buNone/>
+              <a:defRPr sz="538"/>
+            </a:lvl8pPr>
+            <a:lvl9pPr marL="983163" indent="0">
+              <a:buNone/>
+              <a:defRPr sz="538"/>
+            </a:lvl9pPr>
+          </a:lstStyle>
+          <a:p>
+            <a:r>
+              <a:rPr lang="ja-JP" altLang="en-US"/>
+              <a:t>アイコンをクリックして図を追加</a:t>
+            </a:r>
+            <a:endParaRPr lang="en-US" dirty="0"/>
+          </a:p>
+        </p:txBody>
+      </p:sp>
+      <p:sp>
+        <p:nvSpPr>
+          <p:cNvPr id="4" name="Text Placeholder 3"/>
+          <p:cNvSpPr>
+            <a:spLocks noGrp="1"/>
+          </p:cNvSpPr>
+          <p:nvPr>
+            <p:ph type="body" sz="half" idx="2"/>
+          </p:nvPr>
+        </p:nvSpPr>
+        <p:spPr>
+          <a:xfrm>
+            <a:off x="225693" y="593884"/>
+            <a:ext cx="1056789" cy="1100243"/>
           </a:xfrm>
         </p:spPr>
         <p:txBody>
@@ -2791,112 +3360,45 @@
           <a:lstStyle>
             <a:lvl1pPr marL="0" indent="0">
               <a:buNone/>
-              <a:defRPr sz="3200"/>
+              <a:defRPr sz="430"/>
             </a:lvl1pPr>
-            <a:lvl2pPr marL="457200" indent="0">
+            <a:lvl2pPr marL="122895" indent="0">
               <a:buNone/>
-              <a:defRPr sz="2800"/>
+              <a:defRPr sz="376"/>
             </a:lvl2pPr>
-            <a:lvl3pPr marL="914400" indent="0">
+            <a:lvl3pPr marL="245791" indent="0">
               <a:buNone/>
-              <a:defRPr sz="2400"/>
+              <a:defRPr sz="323"/>
             </a:lvl3pPr>
-            <a:lvl4pPr marL="1371600" indent="0">
+            <a:lvl4pPr marL="368686" indent="0">
               <a:buNone/>
-              <a:defRPr sz="2000"/>
+              <a:defRPr sz="269"/>
             </a:lvl4pPr>
-            <a:lvl5pPr marL="1828800" indent="0">
+            <a:lvl5pPr marL="491581" indent="0">
               <a:buNone/>
-              <a:defRPr sz="2000"/>
+              <a:defRPr sz="269"/>
             </a:lvl5pPr>
-            <a:lvl6pPr marL="2286000" indent="0">
+            <a:lvl6pPr marL="614477" indent="0">
               <a:buNone/>
-              <a:defRPr sz="2000"/>
+              <a:defRPr sz="269"/>
             </a:lvl6pPr>
-            <a:lvl7pPr marL="2743200" indent="0">
+            <a:lvl7pPr marL="737372" indent="0">
               <a:buNone/>
-              <a:defRPr sz="2000"/>
+              <a:defRPr sz="269"/>
             </a:lvl7pPr>
-            <a:lvl8pPr marL="3200400" indent="0">
+            <a:lvl8pPr marL="860268" indent="0">
               <a:buNone/>
-              <a:defRPr sz="2000"/>
+              <a:defRPr sz="269"/>
             </a:lvl8pPr>
-            <a:lvl9pPr marL="3657600" indent="0">
+            <a:lvl9pPr marL="983163" indent="0">
               <a:buNone/>
-              <a:defRPr sz="2000"/>
+              <a:defRPr sz="269"/>
             </a:lvl9pPr>
           </a:lstStyle>
           <a:p>
-            <a:endParaRPr kumimoji="1" lang="ja-JP" altLang="en-US"/>
-          </a:p>
-        </p:txBody>
-      </p:sp>
-      <p:sp>
-        <p:nvSpPr>
-          <p:cNvPr id="4" name="テキスト プレースホルダー 3">
-            <a:extLst>
-              <a:ext uri="{FF2B5EF4-FFF2-40B4-BE49-F238E27FC236}">
-                <a16:creationId xmlns:a16="http://schemas.microsoft.com/office/drawing/2014/main" id="{E14E74F4-3D3C-25C1-8F0B-BCB03BAF01C2}"/>
-              </a:ext>
-            </a:extLst>
-          </p:cNvPr>
-          <p:cNvSpPr>
-            <a:spLocks noGrp="1"/>
-          </p:cNvSpPr>
-          <p:nvPr>
-            <p:ph type="body" sz="half" idx="2"/>
-          </p:nvPr>
-        </p:nvSpPr>
-        <p:spPr>
-          <a:xfrm>
-            <a:off x="839788" y="2057400"/>
-            <a:ext cx="3932237" cy="3811588"/>
-          </a:xfrm>
-        </p:spPr>
-        <p:txBody>
-          <a:bodyPr/>
-          <a:lstStyle>
-            <a:lvl1pPr marL="0" indent="0">
-              <a:buNone/>
-              <a:defRPr sz="1600"/>
-            </a:lvl1pPr>
-            <a:lvl2pPr marL="457200" indent="0">
-              <a:buNone/>
-              <a:defRPr sz="1400"/>
-            </a:lvl2pPr>
-            <a:lvl3pPr marL="914400" indent="0">
-              <a:buNone/>
-              <a:defRPr sz="1200"/>
-            </a:lvl3pPr>
-            <a:lvl4pPr marL="1371600" indent="0">
-              <a:buNone/>
-              <a:defRPr sz="1000"/>
-            </a:lvl4pPr>
-            <a:lvl5pPr marL="1828800" indent="0">
-              <a:buNone/>
-              <a:defRPr sz="1000"/>
-            </a:lvl5pPr>
-            <a:lvl6pPr marL="2286000" indent="0">
-              <a:buNone/>
-              <a:defRPr sz="1000"/>
-            </a:lvl6pPr>
-            <a:lvl7pPr marL="2743200" indent="0">
-              <a:buNone/>
-              <a:defRPr sz="1000"/>
-            </a:lvl7pPr>
-            <a:lvl8pPr marL="3200400" indent="0">
-              <a:buNone/>
-              <a:defRPr sz="1000"/>
-            </a:lvl8pPr>
-            <a:lvl9pPr marL="3657600" indent="0">
-              <a:buNone/>
-              <a:defRPr sz="1000"/>
-            </a:lvl9pPr>
-          </a:lstStyle>
-          <a:p>
             <a:pPr lvl="0"/>
             <a:r>
-              <a:rPr kumimoji="1" lang="ja-JP" altLang="en-US"/>
+              <a:rPr lang="ja-JP" altLang="en-US"/>
               <a:t>マスター テキストの書式設定</a:t>
             </a:r>
           </a:p>
@@ -2904,13 +3406,7 @@
       </p:sp>
       <p:sp>
         <p:nvSpPr>
-          <p:cNvPr id="5" name="日付プレースホルダー 4">
-            <a:extLst>
-              <a:ext uri="{FF2B5EF4-FFF2-40B4-BE49-F238E27FC236}">
-                <a16:creationId xmlns:a16="http://schemas.microsoft.com/office/drawing/2014/main" id="{B9B278D3-DD7C-B975-8331-91DC275926E5}"/>
-              </a:ext>
-            </a:extLst>
-          </p:cNvPr>
+          <p:cNvPr id="5" name="Date Placeholder 4"/>
           <p:cNvSpPr>
             <a:spLocks noGrp="1"/>
           </p:cNvSpPr>
@@ -2925,7 +3421,7 @@
           <a:p>
             <a:fld id="{01C4FF30-CE35-4854-B89A-16CBC3B44980}" type="datetimeFigureOut">
               <a:rPr kumimoji="1" lang="ja-JP" altLang="en-US" smtClean="0"/>
-              <a:t>2023/4/3</a:t>
+              <a:t>2023/4/4</a:t>
             </a:fld>
             <a:endParaRPr kumimoji="1" lang="ja-JP" altLang="en-US"/>
           </a:p>
@@ -2933,13 +3429,7 @@
       </p:sp>
       <p:sp>
         <p:nvSpPr>
-          <p:cNvPr id="6" name="フッター プレースホルダー 5">
-            <a:extLst>
-              <a:ext uri="{FF2B5EF4-FFF2-40B4-BE49-F238E27FC236}">
-                <a16:creationId xmlns:a16="http://schemas.microsoft.com/office/drawing/2014/main" id="{C9926997-3DE5-26AC-ABCF-50D8820CB7D5}"/>
-              </a:ext>
-            </a:extLst>
-          </p:cNvPr>
+          <p:cNvPr id="6" name="Footer Placeholder 5"/>
           <p:cNvSpPr>
             <a:spLocks noGrp="1"/>
           </p:cNvSpPr>
@@ -2958,13 +3448,7 @@
       </p:sp>
       <p:sp>
         <p:nvSpPr>
-          <p:cNvPr id="7" name="スライド番号プレースホルダー 6">
-            <a:extLst>
-              <a:ext uri="{FF2B5EF4-FFF2-40B4-BE49-F238E27FC236}">
-                <a16:creationId xmlns:a16="http://schemas.microsoft.com/office/drawing/2014/main" id="{EDC25EF2-0BB1-1B85-D280-C953BD57E337}"/>
-              </a:ext>
-            </a:extLst>
-          </p:cNvPr>
+          <p:cNvPr id="7" name="Slide Number Placeholder 6"/>
           <p:cNvSpPr>
             <a:spLocks noGrp="1"/>
           </p:cNvSpPr>
@@ -2988,7 +3472,7 @@
     </p:spTree>
     <p:extLst>
       <p:ext uri="{BB962C8B-B14F-4D97-AF65-F5344CB8AC3E}">
-        <p14:creationId xmlns:p14="http://schemas.microsoft.com/office/powerpoint/2010/main" val="547350089"/>
+        <p14:creationId xmlns:p14="http://schemas.microsoft.com/office/powerpoint/2010/main" val="778598611"/>
       </p:ext>
     </p:extLst>
   </p:cSld>
@@ -3022,13 +3506,7 @@
       </p:grpSpPr>
       <p:sp>
         <p:nvSpPr>
-          <p:cNvPr id="2" name="タイトル プレースホルダー 1">
-            <a:extLst>
-              <a:ext uri="{FF2B5EF4-FFF2-40B4-BE49-F238E27FC236}">
-                <a16:creationId xmlns:a16="http://schemas.microsoft.com/office/drawing/2014/main" id="{8F96F100-C4EF-D58C-454D-7C8CF3037DAB}"/>
-              </a:ext>
-            </a:extLst>
-          </p:cNvPr>
+          <p:cNvPr id="2" name="Title Placeholder 1"/>
           <p:cNvSpPr>
             <a:spLocks noGrp="1"/>
           </p:cNvSpPr>
@@ -3038,8 +3516,8 @@
         </p:nvSpPr>
         <p:spPr>
           <a:xfrm>
-            <a:off x="838200" y="365125"/>
-            <a:ext cx="10515600" cy="1325563"/>
+            <a:off x="225266" y="105396"/>
+            <a:ext cx="2826068" cy="382634"/>
           </a:xfrm>
           <a:prstGeom prst="rect">
             <a:avLst/>
@@ -3052,21 +3530,16 @@
           <a:lstStyle/>
           <a:p>
             <a:r>
-              <a:rPr kumimoji="1" lang="ja-JP" altLang="en-US"/>
+              <a:rPr lang="ja-JP" altLang="en-US"/>
               <a:t>マスター タイトルの書式設定</a:t>
             </a:r>
-          </a:p>
-        </p:txBody>
-      </p:sp>
-      <p:sp>
-        <p:nvSpPr>
-          <p:cNvPr id="3" name="テキスト プレースホルダー 2">
-            <a:extLst>
-              <a:ext uri="{FF2B5EF4-FFF2-40B4-BE49-F238E27FC236}">
-                <a16:creationId xmlns:a16="http://schemas.microsoft.com/office/drawing/2014/main" id="{B98F9E9F-F6E8-B7AE-9A56-DFFAAD98A332}"/>
-              </a:ext>
-            </a:extLst>
-          </p:cNvPr>
+            <a:endParaRPr lang="en-US" dirty="0"/>
+          </a:p>
+        </p:txBody>
+      </p:sp>
+      <p:sp>
+        <p:nvSpPr>
+          <p:cNvPr id="3" name="Text Placeholder 2"/>
           <p:cNvSpPr>
             <a:spLocks noGrp="1"/>
           </p:cNvSpPr>
@@ -3076,8 +3549,8 @@
         </p:nvSpPr>
         <p:spPr>
           <a:xfrm>
-            <a:off x="838200" y="1825625"/>
-            <a:ext cx="10515600" cy="4351338"/>
+            <a:off x="225266" y="526980"/>
+            <a:ext cx="2826068" cy="1256046"/>
           </a:xfrm>
           <a:prstGeom prst="rect">
             <a:avLst/>
@@ -3091,81 +3564,76 @@
           <a:p>
             <a:pPr lvl="0"/>
             <a:r>
-              <a:rPr kumimoji="1" lang="ja-JP" altLang="en-US"/>
+              <a:rPr lang="ja-JP" altLang="en-US"/>
               <a:t>マスター テキストの書式設定</a:t>
             </a:r>
           </a:p>
           <a:p>
             <a:pPr lvl="1"/>
             <a:r>
-              <a:rPr kumimoji="1" lang="ja-JP" altLang="en-US"/>
+              <a:rPr lang="ja-JP" altLang="en-US"/>
               <a:t>第 </a:t>
             </a:r>
             <a:r>
-              <a:rPr kumimoji="1" lang="en-US" altLang="ja-JP"/>
+              <a:rPr lang="en-US" altLang="ja-JP"/>
               <a:t>2 </a:t>
             </a:r>
             <a:r>
-              <a:rPr kumimoji="1" lang="ja-JP" altLang="en-US"/>
+              <a:rPr lang="ja-JP" altLang="en-US"/>
               <a:t>レベル</a:t>
             </a:r>
           </a:p>
           <a:p>
             <a:pPr lvl="2"/>
             <a:r>
-              <a:rPr kumimoji="1" lang="ja-JP" altLang="en-US"/>
+              <a:rPr lang="ja-JP" altLang="en-US"/>
               <a:t>第 </a:t>
             </a:r>
             <a:r>
-              <a:rPr kumimoji="1" lang="en-US" altLang="ja-JP"/>
+              <a:rPr lang="en-US" altLang="ja-JP"/>
               <a:t>3 </a:t>
             </a:r>
             <a:r>
-              <a:rPr kumimoji="1" lang="ja-JP" altLang="en-US"/>
+              <a:rPr lang="ja-JP" altLang="en-US"/>
               <a:t>レベル</a:t>
             </a:r>
           </a:p>
           <a:p>
             <a:pPr lvl="3"/>
             <a:r>
-              <a:rPr kumimoji="1" lang="ja-JP" altLang="en-US"/>
+              <a:rPr lang="ja-JP" altLang="en-US"/>
               <a:t>第 </a:t>
             </a:r>
             <a:r>
-              <a:rPr kumimoji="1" lang="en-US" altLang="ja-JP"/>
+              <a:rPr lang="en-US" altLang="ja-JP"/>
               <a:t>4 </a:t>
             </a:r>
             <a:r>
-              <a:rPr kumimoji="1" lang="ja-JP" altLang="en-US"/>
+              <a:rPr lang="ja-JP" altLang="en-US"/>
               <a:t>レベル</a:t>
             </a:r>
           </a:p>
           <a:p>
             <a:pPr lvl="4"/>
             <a:r>
-              <a:rPr kumimoji="1" lang="ja-JP" altLang="en-US"/>
+              <a:rPr lang="ja-JP" altLang="en-US"/>
               <a:t>第 </a:t>
             </a:r>
             <a:r>
-              <a:rPr kumimoji="1" lang="en-US" altLang="ja-JP"/>
+              <a:rPr lang="en-US" altLang="ja-JP"/>
               <a:t>5 </a:t>
             </a:r>
             <a:r>
-              <a:rPr kumimoji="1" lang="ja-JP" altLang="en-US"/>
+              <a:rPr lang="ja-JP" altLang="en-US"/>
               <a:t>レベル</a:t>
             </a:r>
-          </a:p>
-        </p:txBody>
-      </p:sp>
-      <p:sp>
-        <p:nvSpPr>
-          <p:cNvPr id="4" name="日付プレースホルダー 3">
-            <a:extLst>
-              <a:ext uri="{FF2B5EF4-FFF2-40B4-BE49-F238E27FC236}">
-                <a16:creationId xmlns:a16="http://schemas.microsoft.com/office/drawing/2014/main" id="{406E273C-57EA-B87A-7D3E-547EFF578479}"/>
-              </a:ext>
-            </a:extLst>
-          </p:cNvPr>
+            <a:endParaRPr lang="en-US" dirty="0"/>
+          </a:p>
+        </p:txBody>
+      </p:sp>
+      <p:sp>
+        <p:nvSpPr>
+          <p:cNvPr id="4" name="Date Placeholder 3"/>
           <p:cNvSpPr>
             <a:spLocks noGrp="1"/>
           </p:cNvSpPr>
@@ -3175,8 +3643,8 @@
         </p:nvSpPr>
         <p:spPr>
           <a:xfrm>
-            <a:off x="838200" y="6356350"/>
-            <a:ext cx="2743200" cy="365125"/>
+            <a:off x="225266" y="1834808"/>
+            <a:ext cx="737235" cy="105396"/>
           </a:xfrm>
           <a:prstGeom prst="rect">
             <a:avLst/>
@@ -3186,7 +3654,7 @@
           <a:bodyPr vert="horz" lIns="91440" tIns="45720" rIns="91440" bIns="45720" rtlCol="0" anchor="ctr"/>
           <a:lstStyle>
             <a:lvl1pPr algn="l">
-              <a:defRPr sz="1200">
+              <a:defRPr sz="323">
                 <a:solidFill>
                   <a:schemeClr val="tx1">
                     <a:tint val="75000"/>
@@ -3198,7 +3666,7 @@
           <a:p>
             <a:fld id="{01C4FF30-CE35-4854-B89A-16CBC3B44980}" type="datetimeFigureOut">
               <a:rPr kumimoji="1" lang="ja-JP" altLang="en-US" smtClean="0"/>
-              <a:t>2023/4/3</a:t>
+              <a:t>2023/4/4</a:t>
             </a:fld>
             <a:endParaRPr kumimoji="1" lang="ja-JP" altLang="en-US"/>
           </a:p>
@@ -3206,13 +3674,7 @@
       </p:sp>
       <p:sp>
         <p:nvSpPr>
-          <p:cNvPr id="5" name="フッター プレースホルダー 4">
-            <a:extLst>
-              <a:ext uri="{FF2B5EF4-FFF2-40B4-BE49-F238E27FC236}">
-                <a16:creationId xmlns:a16="http://schemas.microsoft.com/office/drawing/2014/main" id="{8E923E21-9872-A7DB-80F8-4B07CD4E7BF2}"/>
-              </a:ext>
-            </a:extLst>
-          </p:cNvPr>
+          <p:cNvPr id="5" name="Footer Placeholder 4"/>
           <p:cNvSpPr>
             <a:spLocks noGrp="1"/>
           </p:cNvSpPr>
@@ -3222,8 +3684,8 @@
         </p:nvSpPr>
         <p:spPr>
           <a:xfrm>
-            <a:off x="4038600" y="6356350"/>
-            <a:ext cx="4114800" cy="365125"/>
+            <a:off x="1085374" y="1834808"/>
+            <a:ext cx="1105853" cy="105396"/>
           </a:xfrm>
           <a:prstGeom prst="rect">
             <a:avLst/>
@@ -3233,7 +3695,7 @@
           <a:bodyPr vert="horz" lIns="91440" tIns="45720" rIns="91440" bIns="45720" rtlCol="0" anchor="ctr"/>
           <a:lstStyle>
             <a:lvl1pPr algn="ctr">
-              <a:defRPr sz="1200">
+              <a:defRPr sz="323">
                 <a:solidFill>
                   <a:schemeClr val="tx1">
                     <a:tint val="75000"/>
@@ -3249,13 +3711,7 @@
       </p:sp>
       <p:sp>
         <p:nvSpPr>
-          <p:cNvPr id="6" name="スライド番号プレースホルダー 5">
-            <a:extLst>
-              <a:ext uri="{FF2B5EF4-FFF2-40B4-BE49-F238E27FC236}">
-                <a16:creationId xmlns:a16="http://schemas.microsoft.com/office/drawing/2014/main" id="{DA6CB9F4-D855-F2CD-49E4-73CA76E37300}"/>
-              </a:ext>
-            </a:extLst>
-          </p:cNvPr>
+          <p:cNvPr id="6" name="Slide Number Placeholder 5"/>
           <p:cNvSpPr>
             <a:spLocks noGrp="1"/>
           </p:cNvSpPr>
@@ -3265,8 +3721,8 @@
         </p:nvSpPr>
         <p:spPr>
           <a:xfrm>
-            <a:off x="8610600" y="6356350"/>
-            <a:ext cx="2743200" cy="365125"/>
+            <a:off x="2314099" y="1834808"/>
+            <a:ext cx="737235" cy="105396"/>
           </a:xfrm>
           <a:prstGeom prst="rect">
             <a:avLst/>
@@ -3276,7 +3732,7 @@
           <a:bodyPr vert="horz" lIns="91440" tIns="45720" rIns="91440" bIns="45720" rtlCol="0" anchor="ctr"/>
           <a:lstStyle>
             <a:lvl1pPr algn="r">
-              <a:defRPr sz="1200">
+              <a:defRPr sz="323">
                 <a:solidFill>
                   <a:schemeClr val="tx1">
                     <a:tint val="75000"/>
@@ -3297,27 +3753,27 @@
     </p:spTree>
     <p:extLst>
       <p:ext uri="{BB962C8B-B14F-4D97-AF65-F5344CB8AC3E}">
-        <p14:creationId xmlns:p14="http://schemas.microsoft.com/office/powerpoint/2010/main" val="1097117844"/>
+        <p14:creationId xmlns:p14="http://schemas.microsoft.com/office/powerpoint/2010/main" val="855599306"/>
       </p:ext>
     </p:extLst>
   </p:cSld>
   <p:clrMap bg1="lt1" tx1="dk1" bg2="lt2" tx2="dk2" accent1="accent1" accent2="accent2" accent3="accent3" accent4="accent4" accent5="accent5" accent6="accent6" hlink="hlink" folHlink="folHlink"/>
   <p:sldLayoutIdLst>
-    <p:sldLayoutId id="2147483649" r:id="rId1"/>
-    <p:sldLayoutId id="2147483650" r:id="rId2"/>
-    <p:sldLayoutId id="2147483651" r:id="rId3"/>
-    <p:sldLayoutId id="2147483652" r:id="rId4"/>
-    <p:sldLayoutId id="2147483653" r:id="rId5"/>
-    <p:sldLayoutId id="2147483654" r:id="rId6"/>
-    <p:sldLayoutId id="2147483655" r:id="rId7"/>
-    <p:sldLayoutId id="2147483656" r:id="rId8"/>
-    <p:sldLayoutId id="2147483657" r:id="rId9"/>
-    <p:sldLayoutId id="2147483658" r:id="rId10"/>
-    <p:sldLayoutId id="2147483659" r:id="rId11"/>
+    <p:sldLayoutId id="2147483661" r:id="rId1"/>
+    <p:sldLayoutId id="2147483662" r:id="rId2"/>
+    <p:sldLayoutId id="2147483663" r:id="rId3"/>
+    <p:sldLayoutId id="2147483664" r:id="rId4"/>
+    <p:sldLayoutId id="2147483665" r:id="rId5"/>
+    <p:sldLayoutId id="2147483666" r:id="rId6"/>
+    <p:sldLayoutId id="2147483667" r:id="rId7"/>
+    <p:sldLayoutId id="2147483668" r:id="rId8"/>
+    <p:sldLayoutId id="2147483669" r:id="rId9"/>
+    <p:sldLayoutId id="2147483670" r:id="rId10"/>
+    <p:sldLayoutId id="2147483671" r:id="rId11"/>
   </p:sldLayoutIdLst>
   <p:txStyles>
     <p:titleStyle>
-      <a:lvl1pPr algn="l" defTabSz="914400" rtl="0" eaLnBrk="1" latinLnBrk="0" hangingPunct="1">
+      <a:lvl1pPr algn="l" defTabSz="245791" rtl="0" eaLnBrk="1" latinLnBrk="0" hangingPunct="1">
         <a:lnSpc>
           <a:spcPct val="90000"/>
         </a:lnSpc>
@@ -3325,7 +3781,7 @@
           <a:spcPct val="0"/>
         </a:spcBef>
         <a:buNone/>
-        <a:defRPr kumimoji="1" sz="4400" kern="1200">
+        <a:defRPr kumimoji="1" sz="1183" kern="1200">
           <a:solidFill>
             <a:schemeClr val="tx1"/>
           </a:solidFill>
@@ -3336,16 +3792,16 @@
       </a:lvl1pPr>
     </p:titleStyle>
     <p:bodyStyle>
-      <a:lvl1pPr marL="228600" indent="-228600" algn="l" defTabSz="914400" rtl="0" eaLnBrk="1" latinLnBrk="0" hangingPunct="1">
+      <a:lvl1pPr marL="61448" indent="-61448" algn="l" defTabSz="245791" rtl="0" eaLnBrk="1" latinLnBrk="0" hangingPunct="1">
         <a:lnSpc>
           <a:spcPct val="90000"/>
         </a:lnSpc>
         <a:spcBef>
-          <a:spcPts val="1000"/>
+          <a:spcPts val="269"/>
         </a:spcBef>
         <a:buFont typeface="Arial" panose="020B0604020202020204" pitchFamily="34" charset="0"/>
         <a:buChar char="•"/>
-        <a:defRPr kumimoji="1" sz="2800" kern="1200">
+        <a:defRPr kumimoji="1" sz="753" kern="1200">
           <a:solidFill>
             <a:schemeClr val="tx1"/>
           </a:solidFill>
@@ -3354,16 +3810,16 @@
           <a:cs typeface="+mn-cs"/>
         </a:defRPr>
       </a:lvl1pPr>
-      <a:lvl2pPr marL="685800" indent="-228600" algn="l" defTabSz="914400" rtl="0" eaLnBrk="1" latinLnBrk="0" hangingPunct="1">
+      <a:lvl2pPr marL="184343" indent="-61448" algn="l" defTabSz="245791" rtl="0" eaLnBrk="1" latinLnBrk="0" hangingPunct="1">
         <a:lnSpc>
           <a:spcPct val="90000"/>
         </a:lnSpc>
         <a:spcBef>
-          <a:spcPts val="500"/>
+          <a:spcPts val="134"/>
         </a:spcBef>
         <a:buFont typeface="Arial" panose="020B0604020202020204" pitchFamily="34" charset="0"/>
         <a:buChar char="•"/>
-        <a:defRPr kumimoji="1" sz="2400" kern="1200">
+        <a:defRPr kumimoji="1" sz="645" kern="1200">
           <a:solidFill>
             <a:schemeClr val="tx1"/>
           </a:solidFill>
@@ -3372,16 +3828,16 @@
           <a:cs typeface="+mn-cs"/>
         </a:defRPr>
       </a:lvl2pPr>
-      <a:lvl3pPr marL="1143000" indent="-228600" algn="l" defTabSz="914400" rtl="0" eaLnBrk="1" latinLnBrk="0" hangingPunct="1">
+      <a:lvl3pPr marL="307238" indent="-61448" algn="l" defTabSz="245791" rtl="0" eaLnBrk="1" latinLnBrk="0" hangingPunct="1">
         <a:lnSpc>
           <a:spcPct val="90000"/>
         </a:lnSpc>
         <a:spcBef>
-          <a:spcPts val="500"/>
+          <a:spcPts val="134"/>
         </a:spcBef>
         <a:buFont typeface="Arial" panose="020B0604020202020204" pitchFamily="34" charset="0"/>
         <a:buChar char="•"/>
-        <a:defRPr kumimoji="1" sz="2000" kern="1200">
+        <a:defRPr kumimoji="1" sz="538" kern="1200">
           <a:solidFill>
             <a:schemeClr val="tx1"/>
           </a:solidFill>
@@ -3390,16 +3846,16 @@
           <a:cs typeface="+mn-cs"/>
         </a:defRPr>
       </a:lvl3pPr>
-      <a:lvl4pPr marL="1600200" indent="-228600" algn="l" defTabSz="914400" rtl="0" eaLnBrk="1" latinLnBrk="0" hangingPunct="1">
+      <a:lvl4pPr marL="430134" indent="-61448" algn="l" defTabSz="245791" rtl="0" eaLnBrk="1" latinLnBrk="0" hangingPunct="1">
         <a:lnSpc>
           <a:spcPct val="90000"/>
         </a:lnSpc>
         <a:spcBef>
-          <a:spcPts val="500"/>
+          <a:spcPts val="134"/>
         </a:spcBef>
         <a:buFont typeface="Arial" panose="020B0604020202020204" pitchFamily="34" charset="0"/>
         <a:buChar char="•"/>
-        <a:defRPr kumimoji="1" sz="1800" kern="1200">
+        <a:defRPr kumimoji="1" sz="484" kern="1200">
           <a:solidFill>
             <a:schemeClr val="tx1"/>
           </a:solidFill>
@@ -3408,16 +3864,16 @@
           <a:cs typeface="+mn-cs"/>
         </a:defRPr>
       </a:lvl4pPr>
-      <a:lvl5pPr marL="2057400" indent="-228600" algn="l" defTabSz="914400" rtl="0" eaLnBrk="1" latinLnBrk="0" hangingPunct="1">
+      <a:lvl5pPr marL="553029" indent="-61448" algn="l" defTabSz="245791" rtl="0" eaLnBrk="1" latinLnBrk="0" hangingPunct="1">
         <a:lnSpc>
           <a:spcPct val="90000"/>
         </a:lnSpc>
         <a:spcBef>
-          <a:spcPts val="500"/>
+          <a:spcPts val="134"/>
         </a:spcBef>
         <a:buFont typeface="Arial" panose="020B0604020202020204" pitchFamily="34" charset="0"/>
         <a:buChar char="•"/>
-        <a:defRPr kumimoji="1" sz="1800" kern="1200">
+        <a:defRPr kumimoji="1" sz="484" kern="1200">
           <a:solidFill>
             <a:schemeClr val="tx1"/>
           </a:solidFill>
@@ -3426,16 +3882,16 @@
           <a:cs typeface="+mn-cs"/>
         </a:defRPr>
       </a:lvl5pPr>
-      <a:lvl6pPr marL="2514600" indent="-228600" algn="l" defTabSz="914400" rtl="0" eaLnBrk="1" latinLnBrk="0" hangingPunct="1">
+      <a:lvl6pPr marL="675924" indent="-61448" algn="l" defTabSz="245791" rtl="0" eaLnBrk="1" latinLnBrk="0" hangingPunct="1">
         <a:lnSpc>
           <a:spcPct val="90000"/>
         </a:lnSpc>
         <a:spcBef>
-          <a:spcPts val="500"/>
+          <a:spcPts val="134"/>
         </a:spcBef>
         <a:buFont typeface="Arial" panose="020B0604020202020204" pitchFamily="34" charset="0"/>
         <a:buChar char="•"/>
-        <a:defRPr kumimoji="1" sz="1800" kern="1200">
+        <a:defRPr kumimoji="1" sz="484" kern="1200">
           <a:solidFill>
             <a:schemeClr val="tx1"/>
           </a:solidFill>
@@ -3444,16 +3900,16 @@
           <a:cs typeface="+mn-cs"/>
         </a:defRPr>
       </a:lvl6pPr>
-      <a:lvl7pPr marL="2971800" indent="-228600" algn="l" defTabSz="914400" rtl="0" eaLnBrk="1" latinLnBrk="0" hangingPunct="1">
+      <a:lvl7pPr marL="798820" indent="-61448" algn="l" defTabSz="245791" rtl="0" eaLnBrk="1" latinLnBrk="0" hangingPunct="1">
         <a:lnSpc>
           <a:spcPct val="90000"/>
         </a:lnSpc>
         <a:spcBef>
-          <a:spcPts val="500"/>
+          <a:spcPts val="134"/>
         </a:spcBef>
         <a:buFont typeface="Arial" panose="020B0604020202020204" pitchFamily="34" charset="0"/>
         <a:buChar char="•"/>
-        <a:defRPr kumimoji="1" sz="1800" kern="1200">
+        <a:defRPr kumimoji="1" sz="484" kern="1200">
           <a:solidFill>
             <a:schemeClr val="tx1"/>
           </a:solidFill>
@@ -3462,16 +3918,16 @@
           <a:cs typeface="+mn-cs"/>
         </a:defRPr>
       </a:lvl7pPr>
-      <a:lvl8pPr marL="3429000" indent="-228600" algn="l" defTabSz="914400" rtl="0" eaLnBrk="1" latinLnBrk="0" hangingPunct="1">
+      <a:lvl8pPr marL="921715" indent="-61448" algn="l" defTabSz="245791" rtl="0" eaLnBrk="1" latinLnBrk="0" hangingPunct="1">
         <a:lnSpc>
           <a:spcPct val="90000"/>
         </a:lnSpc>
         <a:spcBef>
-          <a:spcPts val="500"/>
+          <a:spcPts val="134"/>
         </a:spcBef>
         <a:buFont typeface="Arial" panose="020B0604020202020204" pitchFamily="34" charset="0"/>
         <a:buChar char="•"/>
-        <a:defRPr kumimoji="1" sz="1800" kern="1200">
+        <a:defRPr kumimoji="1" sz="484" kern="1200">
           <a:solidFill>
             <a:schemeClr val="tx1"/>
           </a:solidFill>
@@ -3480,16 +3936,16 @@
           <a:cs typeface="+mn-cs"/>
         </a:defRPr>
       </a:lvl8pPr>
-      <a:lvl9pPr marL="3886200" indent="-228600" algn="l" defTabSz="914400" rtl="0" eaLnBrk="1" latinLnBrk="0" hangingPunct="1">
+      <a:lvl9pPr marL="1044611" indent="-61448" algn="l" defTabSz="245791" rtl="0" eaLnBrk="1" latinLnBrk="0" hangingPunct="1">
         <a:lnSpc>
           <a:spcPct val="90000"/>
         </a:lnSpc>
         <a:spcBef>
-          <a:spcPts val="500"/>
+          <a:spcPts val="134"/>
         </a:spcBef>
         <a:buFont typeface="Arial" panose="020B0604020202020204" pitchFamily="34" charset="0"/>
         <a:buChar char="•"/>
-        <a:defRPr kumimoji="1" sz="1800" kern="1200">
+        <a:defRPr kumimoji="1" sz="484" kern="1200">
           <a:solidFill>
             <a:schemeClr val="tx1"/>
           </a:solidFill>
@@ -3501,10 +3957,10 @@
     </p:bodyStyle>
     <p:otherStyle>
       <a:defPPr>
-        <a:defRPr lang="ja-JP"/>
+        <a:defRPr lang="en-US"/>
       </a:defPPr>
-      <a:lvl1pPr marL="0" algn="l" defTabSz="914400" rtl="0" eaLnBrk="1" latinLnBrk="0" hangingPunct="1">
-        <a:defRPr kumimoji="1" sz="1800" kern="1200">
+      <a:lvl1pPr marL="0" algn="l" defTabSz="245791" rtl="0" eaLnBrk="1" latinLnBrk="0" hangingPunct="1">
+        <a:defRPr kumimoji="1" sz="484" kern="1200">
           <a:solidFill>
             <a:schemeClr val="tx1"/>
           </a:solidFill>
@@ -3513,8 +3969,8 @@
           <a:cs typeface="+mn-cs"/>
         </a:defRPr>
       </a:lvl1pPr>
-      <a:lvl2pPr marL="457200" algn="l" defTabSz="914400" rtl="0" eaLnBrk="1" latinLnBrk="0" hangingPunct="1">
-        <a:defRPr kumimoji="1" sz="1800" kern="1200">
+      <a:lvl2pPr marL="122895" algn="l" defTabSz="245791" rtl="0" eaLnBrk="1" latinLnBrk="0" hangingPunct="1">
+        <a:defRPr kumimoji="1" sz="484" kern="1200">
           <a:solidFill>
             <a:schemeClr val="tx1"/>
           </a:solidFill>
@@ -3523,8 +3979,8 @@
           <a:cs typeface="+mn-cs"/>
         </a:defRPr>
       </a:lvl2pPr>
-      <a:lvl3pPr marL="914400" algn="l" defTabSz="914400" rtl="0" eaLnBrk="1" latinLnBrk="0" hangingPunct="1">
-        <a:defRPr kumimoji="1" sz="1800" kern="1200">
+      <a:lvl3pPr marL="245791" algn="l" defTabSz="245791" rtl="0" eaLnBrk="1" latinLnBrk="0" hangingPunct="1">
+        <a:defRPr kumimoji="1" sz="484" kern="1200">
           <a:solidFill>
             <a:schemeClr val="tx1"/>
           </a:solidFill>
@@ -3533,8 +3989,8 @@
           <a:cs typeface="+mn-cs"/>
         </a:defRPr>
       </a:lvl3pPr>
-      <a:lvl4pPr marL="1371600" algn="l" defTabSz="914400" rtl="0" eaLnBrk="1" latinLnBrk="0" hangingPunct="1">
-        <a:defRPr kumimoji="1" sz="1800" kern="1200">
+      <a:lvl4pPr marL="368686" algn="l" defTabSz="245791" rtl="0" eaLnBrk="1" latinLnBrk="0" hangingPunct="1">
+        <a:defRPr kumimoji="1" sz="484" kern="1200">
           <a:solidFill>
             <a:schemeClr val="tx1"/>
           </a:solidFill>
@@ -3543,8 +3999,8 @@
           <a:cs typeface="+mn-cs"/>
         </a:defRPr>
       </a:lvl4pPr>
-      <a:lvl5pPr marL="1828800" algn="l" defTabSz="914400" rtl="0" eaLnBrk="1" latinLnBrk="0" hangingPunct="1">
-        <a:defRPr kumimoji="1" sz="1800" kern="1200">
+      <a:lvl5pPr marL="491581" algn="l" defTabSz="245791" rtl="0" eaLnBrk="1" latinLnBrk="0" hangingPunct="1">
+        <a:defRPr kumimoji="1" sz="484" kern="1200">
           <a:solidFill>
             <a:schemeClr val="tx1"/>
           </a:solidFill>
@@ -3553,8 +4009,8 @@
           <a:cs typeface="+mn-cs"/>
         </a:defRPr>
       </a:lvl5pPr>
-      <a:lvl6pPr marL="2286000" algn="l" defTabSz="914400" rtl="0" eaLnBrk="1" latinLnBrk="0" hangingPunct="1">
-        <a:defRPr kumimoji="1" sz="1800" kern="1200">
+      <a:lvl6pPr marL="614477" algn="l" defTabSz="245791" rtl="0" eaLnBrk="1" latinLnBrk="0" hangingPunct="1">
+        <a:defRPr kumimoji="1" sz="484" kern="1200">
           <a:solidFill>
             <a:schemeClr val="tx1"/>
           </a:solidFill>
@@ -3563,8 +4019,8 @@
           <a:cs typeface="+mn-cs"/>
         </a:defRPr>
       </a:lvl6pPr>
-      <a:lvl7pPr marL="2743200" algn="l" defTabSz="914400" rtl="0" eaLnBrk="1" latinLnBrk="0" hangingPunct="1">
-        <a:defRPr kumimoji="1" sz="1800" kern="1200">
+      <a:lvl7pPr marL="737372" algn="l" defTabSz="245791" rtl="0" eaLnBrk="1" latinLnBrk="0" hangingPunct="1">
+        <a:defRPr kumimoji="1" sz="484" kern="1200">
           <a:solidFill>
             <a:schemeClr val="tx1"/>
           </a:solidFill>
@@ -3573,8 +4029,8 @@
           <a:cs typeface="+mn-cs"/>
         </a:defRPr>
       </a:lvl7pPr>
-      <a:lvl8pPr marL="3200400" algn="l" defTabSz="914400" rtl="0" eaLnBrk="1" latinLnBrk="0" hangingPunct="1">
-        <a:defRPr kumimoji="1" sz="1800" kern="1200">
+      <a:lvl8pPr marL="860268" algn="l" defTabSz="245791" rtl="0" eaLnBrk="1" latinLnBrk="0" hangingPunct="1">
+        <a:defRPr kumimoji="1" sz="484" kern="1200">
           <a:solidFill>
             <a:schemeClr val="tx1"/>
           </a:solidFill>
@@ -3583,8 +4039,8 @@
           <a:cs typeface="+mn-cs"/>
         </a:defRPr>
       </a:lvl8pPr>
-      <a:lvl9pPr marL="3657600" algn="l" defTabSz="914400" rtl="0" eaLnBrk="1" latinLnBrk="0" hangingPunct="1">
-        <a:defRPr kumimoji="1" sz="1800" kern="1200">
+      <a:lvl9pPr marL="983163" algn="l" defTabSz="245791" rtl="0" eaLnBrk="1" latinLnBrk="0" hangingPunct="1">
+        <a:defRPr kumimoji="1" sz="484" kern="1200">
           <a:solidFill>
             <a:schemeClr val="tx1"/>
           </a:solidFill>
@@ -3627,10 +4083,10 @@
       </p:grpSpPr>
       <p:sp>
         <p:nvSpPr>
-          <p:cNvPr id="5" name="正方形/長方形 4">
+          <p:cNvPr id="11" name="四角形: 角を丸くする 10">
             <a:extLst>
               <a:ext uri="{FF2B5EF4-FFF2-40B4-BE49-F238E27FC236}">
-                <a16:creationId xmlns:a16="http://schemas.microsoft.com/office/drawing/2014/main" id="{DC9331E9-F11B-002F-347F-49C21F2FF09C}"/>
+                <a16:creationId xmlns:a16="http://schemas.microsoft.com/office/drawing/2014/main" id="{C5E10432-AFE1-776C-9839-C1FD19E65867}"/>
               </a:ext>
             </a:extLst>
           </p:cNvPr>
@@ -3639,14 +4095,14 @@
         </p:nvSpPr>
         <p:spPr>
           <a:xfrm>
-            <a:off x="0" y="0"/>
-            <a:ext cx="12192000" cy="1704513"/>
-          </a:xfrm>
-          <a:prstGeom prst="rect">
+            <a:off x="1229510" y="82088"/>
+            <a:ext cx="1919386" cy="382915"/>
+          </a:xfrm>
+          <a:prstGeom prst="roundRect">
             <a:avLst/>
           </a:prstGeom>
           <a:solidFill>
-            <a:srgbClr val="005F9A"/>
+            <a:srgbClr val="175E98"/>
           </a:solidFill>
           <a:ln>
             <a:noFill/>
@@ -3673,7 +4129,7 @@
           <a:lstStyle/>
           <a:p>
             <a:pPr algn="ctr"/>
-            <a:endParaRPr kumimoji="1" lang="ja-JP" altLang="en-US"/>
+            <a:endParaRPr kumimoji="1" lang="ja-JP" altLang="en-US" dirty="0"/>
           </a:p>
         </p:txBody>
       </p:sp>
@@ -3691,8 +4147,8 @@
         </p:nvSpPr>
         <p:spPr>
           <a:xfrm>
-            <a:off x="532660" y="2644170"/>
-            <a:ext cx="6638278" cy="1569660"/>
+            <a:off x="1229510" y="719797"/>
+            <a:ext cx="2039816" cy="523220"/>
           </a:xfrm>
           <a:prstGeom prst="rect">
             <a:avLst/>
@@ -3706,14 +4162,11 @@
           <a:lstStyle/>
           <a:p>
             <a:r>
-              <a:rPr kumimoji="1" lang="ja-JP" altLang="en-US" sz="9600" dirty="0">
+              <a:rPr lang="ja-JP" altLang="en-US" sz="2800" dirty="0">
                 <a:ea typeface="游ゴシック Medium" panose="020B0500000000000000" pitchFamily="50" charset="-128"/>
               </a:rPr>
               <a:t>野戸　彰大</a:t>
             </a:r>
-            <a:endParaRPr lang="ja-JP" altLang="en-US" sz="9600" dirty="0">
-              <a:ea typeface="游ゴシック Medium" panose="020B0500000000000000" pitchFamily="50" charset="-128"/>
-            </a:endParaRPr>
           </a:p>
         </p:txBody>
       </p:sp>
@@ -3731,8 +4184,8 @@
         </p:nvSpPr>
         <p:spPr>
           <a:xfrm>
-            <a:off x="6633659" y="436757"/>
-            <a:ext cx="5109091" cy="830997"/>
+            <a:off x="1663054" y="144108"/>
+            <a:ext cx="1505541" cy="290849"/>
           </a:xfrm>
           <a:prstGeom prst="rect">
             <a:avLst/>
@@ -3740,14 +4193,14 @@
           <a:noFill/>
         </p:spPr>
         <p:txBody>
-          <a:bodyPr wrap="none" rtlCol="0">
+          <a:bodyPr wrap="square" rtlCol="0">
             <a:spAutoFit/>
           </a:bodyPr>
           <a:lstStyle/>
           <a:p>
             <a:pPr algn="r"/>
             <a:r>
-              <a:rPr lang="ja-JP" altLang="en-US" sz="4800" dirty="0">
+              <a:rPr lang="ja-JP" altLang="en-US" sz="1290" dirty="0">
                 <a:solidFill>
                   <a:schemeClr val="bg1">
                     <a:lumMod val="95000"/>
@@ -3758,7 +4211,7 @@
               </a:rPr>
               <a:t>和歌山大学大学院</a:t>
             </a:r>
-            <a:endParaRPr lang="en-US" altLang="ja-JP" sz="4800" dirty="0">
+            <a:endParaRPr lang="en-US" altLang="ja-JP" sz="1290" dirty="0">
               <a:solidFill>
                 <a:schemeClr val="bg1">
                   <a:lumMod val="95000"/>
@@ -3798,8 +4251,8 @@
         </p:blipFill>
         <p:spPr>
           <a:xfrm>
-            <a:off x="532660" y="5063976"/>
-            <a:ext cx="1512168" cy="1512168"/>
+            <a:off x="112082" y="1051146"/>
+            <a:ext cx="846379" cy="846379"/>
           </a:xfrm>
           <a:prstGeom prst="rect">
             <a:avLst/>
@@ -3820,8 +4273,8 @@
         </p:nvSpPr>
         <p:spPr>
           <a:xfrm>
-            <a:off x="601443" y="4028727"/>
-            <a:ext cx="1224136" cy="584775"/>
+            <a:off x="1678388" y="1115636"/>
+            <a:ext cx="436961" cy="224677"/>
           </a:xfrm>
           <a:prstGeom prst="rect">
             <a:avLst/>
@@ -3834,14 +4287,15 @@
           </a:bodyPr>
           <a:lstStyle/>
           <a:p>
-            <a:r>
-              <a:rPr kumimoji="1" lang="en-US" altLang="ja-JP" sz="3200" dirty="0">
+            <a:pPr algn="r"/>
+            <a:r>
+              <a:rPr lang="en-US" altLang="ja-JP" sz="860" dirty="0">
                 <a:latin typeface="メイリオ" panose="020B0604030504040204" pitchFamily="50" charset="-128"/>
                 <a:ea typeface="メイリオ" panose="020B0604030504040204" pitchFamily="50" charset="-128"/>
               </a:rPr>
               <a:t>Noto</a:t>
             </a:r>
-            <a:endParaRPr kumimoji="1" lang="ja-JP" altLang="en-US" sz="3200" dirty="0">
+            <a:endParaRPr lang="ja-JP" altLang="en-US" sz="860" dirty="0">
               <a:latin typeface="メイリオ" panose="020B0604030504040204" pitchFamily="50" charset="-128"/>
               <a:ea typeface="メイリオ" panose="020B0604030504040204" pitchFamily="50" charset="-128"/>
             </a:endParaRPr>
@@ -3862,8 +4316,8 @@
         </p:nvSpPr>
         <p:spPr>
           <a:xfrm>
-            <a:off x="4333036" y="4025841"/>
-            <a:ext cx="1762963" cy="584775"/>
+            <a:off x="2512175" y="1111081"/>
+            <a:ext cx="675313" cy="224677"/>
           </a:xfrm>
           <a:prstGeom prst="rect">
             <a:avLst/>
@@ -3876,26 +4330,2386 @@
           </a:bodyPr>
           <a:lstStyle/>
           <a:p>
-            <a:r>
-              <a:rPr kumimoji="1" lang="en-US" altLang="ja-JP" sz="3200" dirty="0">
+            <a:pPr algn="r"/>
+            <a:r>
+              <a:rPr lang="en-US" altLang="ja-JP" sz="860" dirty="0">
                 <a:latin typeface="メイリオ" panose="020B0604030504040204" pitchFamily="50" charset="-128"/>
                 <a:ea typeface="メイリオ" panose="020B0604030504040204" pitchFamily="50" charset="-128"/>
               </a:rPr>
               <a:t>Akihiro</a:t>
             </a:r>
-            <a:endParaRPr kumimoji="1" lang="ja-JP" altLang="en-US" sz="3200" dirty="0">
+            <a:endParaRPr lang="ja-JP" altLang="en-US" sz="860" dirty="0">
               <a:latin typeface="メイリオ" panose="020B0604030504040204" pitchFamily="50" charset="-128"/>
               <a:ea typeface="メイリオ" panose="020B0604030504040204" pitchFamily="50" charset="-128"/>
             </a:endParaRPr>
           </a:p>
         </p:txBody>
       </p:sp>
-      <p:sp>
-        <p:nvSpPr>
-          <p:cNvPr id="14" name="字幕 2">
+      <p:pic>
+        <p:nvPicPr>
+          <p:cNvPr id="8" name="図 7" descr="アイコン&#10;&#10;自動的に生成された説明">
             <a:extLst>
               <a:ext uri="{FF2B5EF4-FFF2-40B4-BE49-F238E27FC236}">
-                <a16:creationId xmlns:a16="http://schemas.microsoft.com/office/drawing/2014/main" id="{914F9DEB-EF11-F9B7-771C-305914BC9270}"/>
+                <a16:creationId xmlns:a16="http://schemas.microsoft.com/office/drawing/2014/main" id="{F33225BE-B4EE-4B27-027C-D32C5CF1CD2D}"/>
+              </a:ext>
+            </a:extLst>
+          </p:cNvPr>
+          <p:cNvPicPr>
+            <a:picLocks noChangeAspect="1"/>
+          </p:cNvPicPr>
+          <p:nvPr/>
+        </p:nvPicPr>
+        <p:blipFill>
+          <a:blip r:embed="rId3">
+            <a:extLst>
+              <a:ext uri="{28A0092B-C50C-407E-A947-70E740481C1C}">
+                <a14:useLocalDpi xmlns:a14="http://schemas.microsoft.com/office/drawing/2010/main" val="0"/>
+              </a:ext>
+            </a:extLst>
+          </a:blip>
+          <a:stretch>
+            <a:fillRect/>
+          </a:stretch>
+        </p:blipFill>
+        <p:spPr>
+          <a:xfrm>
+            <a:off x="123339" y="82088"/>
+            <a:ext cx="846380" cy="846380"/>
+          </a:xfrm>
+          <a:prstGeom prst="rect">
+            <a:avLst/>
+          </a:prstGeom>
+        </p:spPr>
+      </p:pic>
+      <p:sp>
+        <p:nvSpPr>
+          <p:cNvPr id="2" name="正方形/長方形 1">
+            <a:extLst>
+              <a:ext uri="{FF2B5EF4-FFF2-40B4-BE49-F238E27FC236}">
+                <a16:creationId xmlns:a16="http://schemas.microsoft.com/office/drawing/2014/main" id="{E8F3C68C-1DBF-A85D-AA29-CFAC02A7402B}"/>
+              </a:ext>
+            </a:extLst>
+          </p:cNvPr>
+          <p:cNvSpPr/>
+          <p:nvPr/>
+        </p:nvSpPr>
+        <p:spPr>
+          <a:xfrm>
+            <a:off x="112082" y="1051145"/>
+            <a:ext cx="846380" cy="846381"/>
+          </a:xfrm>
+          <a:prstGeom prst="rect">
+            <a:avLst/>
+          </a:prstGeom>
+          <a:solidFill>
+            <a:schemeClr val="tx1">
+              <a:lumMod val="50000"/>
+              <a:lumOff val="50000"/>
+              <a:alpha val="10196"/>
+            </a:schemeClr>
+          </a:solidFill>
+          <a:ln>
+            <a:noFill/>
+          </a:ln>
+        </p:spPr>
+        <p:style>
+          <a:lnRef idx="2">
+            <a:schemeClr val="accent1">
+              <a:shade val="50000"/>
+            </a:schemeClr>
+          </a:lnRef>
+          <a:fillRef idx="1">
+            <a:schemeClr val="accent1"/>
+          </a:fillRef>
+          <a:effectRef idx="0">
+            <a:schemeClr val="accent1"/>
+          </a:effectRef>
+          <a:fontRef idx="minor">
+            <a:schemeClr val="lt1"/>
+          </a:fontRef>
+        </p:style>
+        <p:txBody>
+          <a:bodyPr rtlCol="0" anchor="ctr"/>
+          <a:lstStyle/>
+          <a:p>
+            <a:pPr algn="ctr"/>
+            <a:endParaRPr lang="ja-JP" altLang="en-US" sz="134"/>
+          </a:p>
+        </p:txBody>
+      </p:sp>
+      <p:sp>
+        <p:nvSpPr>
+          <p:cNvPr id="4" name="テキスト ボックス 3">
+            <a:extLst>
+              <a:ext uri="{FF2B5EF4-FFF2-40B4-BE49-F238E27FC236}">
+                <a16:creationId xmlns:a16="http://schemas.microsoft.com/office/drawing/2014/main" id="{D38A0303-7635-C955-FFB5-213ECABE0792}"/>
+              </a:ext>
+            </a:extLst>
+          </p:cNvPr>
+          <p:cNvSpPr txBox="1"/>
+          <p:nvPr/>
+        </p:nvSpPr>
+        <p:spPr>
+          <a:xfrm>
+            <a:off x="1536192" y="1472153"/>
+            <a:ext cx="1667867" cy="446276"/>
+          </a:xfrm>
+          <a:prstGeom prst="rect">
+            <a:avLst/>
+          </a:prstGeom>
+          <a:noFill/>
+        </p:spPr>
+        <p:txBody>
+          <a:bodyPr wrap="square" rtlCol="0">
+            <a:spAutoFit/>
+          </a:bodyPr>
+          <a:lstStyle/>
+          <a:p>
+            <a:pPr algn="r">
+              <a:spcAft>
+                <a:spcPts val="300"/>
+              </a:spcAft>
+            </a:pPr>
+            <a:r>
+              <a:rPr kumimoji="1" lang="ja-JP" altLang="en-US" sz="600" dirty="0">
+                <a:latin typeface="メイリオ" panose="020B0604030504040204" pitchFamily="50" charset="-128"/>
+                <a:ea typeface="メイリオ" panose="020B0604030504040204" pitchFamily="50" charset="-128"/>
+              </a:rPr>
+              <a:t>システム工学研究科　視覚メディア研究室</a:t>
+            </a:r>
+            <a:endParaRPr kumimoji="1" lang="en-US" altLang="ja-JP" sz="100" dirty="0">
+              <a:latin typeface="メイリオ" panose="020B0604030504040204" pitchFamily="50" charset="-128"/>
+              <a:ea typeface="メイリオ" panose="020B0604030504040204" pitchFamily="50" charset="-128"/>
+            </a:endParaRPr>
+          </a:p>
+          <a:p>
+            <a:pPr algn="r">
+              <a:spcAft>
+                <a:spcPts val="300"/>
+              </a:spcAft>
+            </a:pPr>
+            <a:r>
+              <a:rPr lang="en-US" altLang="ja-JP" sz="600" dirty="0">
+                <a:latin typeface="メイリオ" panose="020B0604030504040204" pitchFamily="50" charset="-128"/>
+                <a:ea typeface="メイリオ" panose="020B0604030504040204" pitchFamily="50" charset="-128"/>
+                <a:hlinkClick r:id="rId4"/>
+              </a:rPr>
+              <a:t>001016261vista@gmail.com</a:t>
+            </a:r>
+            <a:endParaRPr lang="en-US" altLang="ja-JP" sz="100" dirty="0">
+              <a:latin typeface="メイリオ" panose="020B0604030504040204" pitchFamily="50" charset="-128"/>
+              <a:ea typeface="メイリオ" panose="020B0604030504040204" pitchFamily="50" charset="-128"/>
+            </a:endParaRPr>
+          </a:p>
+          <a:p>
+            <a:pPr algn="r">
+              <a:spcAft>
+                <a:spcPts val="300"/>
+              </a:spcAft>
+            </a:pPr>
+            <a:r>
+              <a:rPr lang="en-US" altLang="ja-JP" sz="600" dirty="0">
+                <a:latin typeface="メイリオ" panose="020B0604030504040204" pitchFamily="50" charset="-128"/>
+                <a:ea typeface="メイリオ" panose="020B0604030504040204" pitchFamily="50" charset="-128"/>
+              </a:rPr>
+              <a:t>080-8342-4385</a:t>
+            </a:r>
+          </a:p>
+        </p:txBody>
+      </p:sp>
+    </p:spTree>
+    <p:extLst>
+      <p:ext uri="{BB962C8B-B14F-4D97-AF65-F5344CB8AC3E}">
+        <p14:creationId xmlns:p14="http://schemas.microsoft.com/office/powerpoint/2010/main" val="1967288638"/>
+      </p:ext>
+    </p:extLst>
+  </p:cSld>
+  <p:clrMapOvr>
+    <a:masterClrMapping/>
+  </p:clrMapOvr>
+</p:sld>
+</file>
+
+<file path=ppt/slides/slide2.xml><?xml version="1.0" encoding="utf-8"?>
+<p:sld xmlns:a="http://schemas.openxmlformats.org/drawingml/2006/main" xmlns:r="http://schemas.openxmlformats.org/officeDocument/2006/relationships" xmlns:p="http://schemas.openxmlformats.org/presentationml/2006/main">
+  <p:cSld>
+    <p:bg>
+      <p:bgPr>
+        <a:solidFill>
+          <a:schemeClr val="bg1">
+            <a:lumMod val="95000"/>
+          </a:schemeClr>
+        </a:solidFill>
+        <a:effectLst/>
+      </p:bgPr>
+    </p:bg>
+    <p:spTree>
+      <p:nvGrpSpPr>
+        <p:cNvPr id="1" name=""/>
+        <p:cNvGrpSpPr/>
+        <p:nvPr/>
+      </p:nvGrpSpPr>
+      <p:grpSpPr>
+        <a:xfrm>
+          <a:off x="0" y="0"/>
+          <a:ext cx="0" cy="0"/>
+          <a:chOff x="0" y="0"/>
+          <a:chExt cx="0" cy="0"/>
+        </a:xfrm>
+      </p:grpSpPr>
+      <p:sp>
+        <p:nvSpPr>
+          <p:cNvPr id="7" name="テキスト ボックス 6">
+            <a:extLst>
+              <a:ext uri="{FF2B5EF4-FFF2-40B4-BE49-F238E27FC236}">
+                <a16:creationId xmlns:a16="http://schemas.microsoft.com/office/drawing/2014/main" id="{5F44C5E4-799B-185C-A91A-AA0E96E2591F}"/>
+              </a:ext>
+            </a:extLst>
+          </p:cNvPr>
+          <p:cNvSpPr txBox="1"/>
+          <p:nvPr/>
+        </p:nvSpPr>
+        <p:spPr>
+          <a:xfrm>
+            <a:off x="1229510" y="584035"/>
+            <a:ext cx="2039816" cy="523220"/>
+          </a:xfrm>
+          <a:prstGeom prst="rect">
+            <a:avLst/>
+          </a:prstGeom>
+          <a:noFill/>
+        </p:spPr>
+        <p:txBody>
+          <a:bodyPr wrap="square">
+            <a:spAutoFit/>
+          </a:bodyPr>
+          <a:lstStyle/>
+          <a:p>
+            <a:r>
+              <a:rPr lang="ja-JP" altLang="en-US" sz="2800" dirty="0">
+                <a:ea typeface="游ゴシック Medium" panose="020B0500000000000000" pitchFamily="50" charset="-128"/>
+              </a:rPr>
+              <a:t>野戸　彰大</a:t>
+            </a:r>
+          </a:p>
+        </p:txBody>
+      </p:sp>
+      <p:sp>
+        <p:nvSpPr>
+          <p:cNvPr id="9" name="テキスト ボックス 8">
+            <a:extLst>
+              <a:ext uri="{FF2B5EF4-FFF2-40B4-BE49-F238E27FC236}">
+                <a16:creationId xmlns:a16="http://schemas.microsoft.com/office/drawing/2014/main" id="{0D83257E-EE62-45BD-5299-40630CBBC3D2}"/>
+              </a:ext>
+            </a:extLst>
+          </p:cNvPr>
+          <p:cNvSpPr txBox="1"/>
+          <p:nvPr/>
+        </p:nvSpPr>
+        <p:spPr>
+          <a:xfrm>
+            <a:off x="1663054" y="130338"/>
+            <a:ext cx="1505541" cy="290849"/>
+          </a:xfrm>
+          <a:prstGeom prst="rect">
+            <a:avLst/>
+          </a:prstGeom>
+          <a:noFill/>
+        </p:spPr>
+        <p:txBody>
+          <a:bodyPr wrap="square" rtlCol="0">
+            <a:spAutoFit/>
+          </a:bodyPr>
+          <a:lstStyle/>
+          <a:p>
+            <a:pPr algn="r"/>
+            <a:r>
+              <a:rPr lang="ja-JP" altLang="en-US" sz="1290" dirty="0">
+                <a:solidFill>
+                  <a:schemeClr val="tx1">
+                    <a:lumMod val="95000"/>
+                    <a:lumOff val="5000"/>
+                  </a:schemeClr>
+                </a:solidFill>
+                <a:latin typeface="メイリオ" panose="020B0604030504040204" pitchFamily="50" charset="-128"/>
+                <a:ea typeface="メイリオ" panose="020B0604030504040204" pitchFamily="50" charset="-128"/>
+              </a:rPr>
+              <a:t>和歌山大学大学院</a:t>
+            </a:r>
+            <a:endParaRPr lang="en-US" altLang="ja-JP" sz="1290" dirty="0">
+              <a:solidFill>
+                <a:schemeClr val="tx1">
+                  <a:lumMod val="95000"/>
+                  <a:lumOff val="5000"/>
+                </a:schemeClr>
+              </a:solidFill>
+              <a:latin typeface="メイリオ" panose="020B0604030504040204" pitchFamily="50" charset="-128"/>
+              <a:ea typeface="メイリオ" panose="020B0604030504040204" pitchFamily="50" charset="-128"/>
+            </a:endParaRPr>
+          </a:p>
+        </p:txBody>
+      </p:sp>
+      <p:pic>
+        <p:nvPicPr>
+          <p:cNvPr id="10" name="図 9" descr="ロゴ, 会社名&#10;&#10;自動的に生成された説明">
+            <a:extLst>
+              <a:ext uri="{FF2B5EF4-FFF2-40B4-BE49-F238E27FC236}">
+                <a16:creationId xmlns:a16="http://schemas.microsoft.com/office/drawing/2014/main" id="{B7A36405-D184-A485-EAC3-339C13BD912E}"/>
+              </a:ext>
+            </a:extLst>
+          </p:cNvPr>
+          <p:cNvPicPr>
+            <a:picLocks noChangeAspect="1"/>
+          </p:cNvPicPr>
+          <p:nvPr/>
+        </p:nvPicPr>
+        <p:blipFill>
+          <a:blip r:embed="rId3">
+            <a:extLst>
+              <a:ext uri="{28A0092B-C50C-407E-A947-70E740481C1C}">
+                <a14:useLocalDpi xmlns:a14="http://schemas.microsoft.com/office/drawing/2010/main" val="0"/>
+              </a:ext>
+            </a:extLst>
+          </a:blip>
+          <a:stretch>
+            <a:fillRect/>
+          </a:stretch>
+        </p:blipFill>
+        <p:spPr>
+          <a:xfrm>
+            <a:off x="112082" y="1051146"/>
+            <a:ext cx="846379" cy="846379"/>
+          </a:xfrm>
+          <a:prstGeom prst="rect">
+            <a:avLst/>
+          </a:prstGeom>
+        </p:spPr>
+      </p:pic>
+      <p:sp>
+        <p:nvSpPr>
+          <p:cNvPr id="12" name="テキスト ボックス 11">
+            <a:extLst>
+              <a:ext uri="{FF2B5EF4-FFF2-40B4-BE49-F238E27FC236}">
+                <a16:creationId xmlns:a16="http://schemas.microsoft.com/office/drawing/2014/main" id="{40AB2E2B-D9BF-316F-E396-452547BDA6B9}"/>
+              </a:ext>
+            </a:extLst>
+          </p:cNvPr>
+          <p:cNvSpPr txBox="1"/>
+          <p:nvPr/>
+        </p:nvSpPr>
+        <p:spPr>
+          <a:xfrm>
+            <a:off x="1678388" y="979874"/>
+            <a:ext cx="436961" cy="224677"/>
+          </a:xfrm>
+          <a:prstGeom prst="rect">
+            <a:avLst/>
+          </a:prstGeom>
+          <a:noFill/>
+        </p:spPr>
+        <p:txBody>
+          <a:bodyPr wrap="square" rtlCol="0">
+            <a:spAutoFit/>
+          </a:bodyPr>
+          <a:lstStyle/>
+          <a:p>
+            <a:pPr algn="r"/>
+            <a:r>
+              <a:rPr lang="en-US" altLang="ja-JP" sz="860" dirty="0">
+                <a:latin typeface="メイリオ" panose="020B0604030504040204" pitchFamily="50" charset="-128"/>
+                <a:ea typeface="メイリオ" panose="020B0604030504040204" pitchFamily="50" charset="-128"/>
+              </a:rPr>
+              <a:t>Noto</a:t>
+            </a:r>
+            <a:endParaRPr lang="ja-JP" altLang="en-US" sz="860" dirty="0">
+              <a:latin typeface="メイリオ" panose="020B0604030504040204" pitchFamily="50" charset="-128"/>
+              <a:ea typeface="メイリオ" panose="020B0604030504040204" pitchFamily="50" charset="-128"/>
+            </a:endParaRPr>
+          </a:p>
+        </p:txBody>
+      </p:sp>
+      <p:sp>
+        <p:nvSpPr>
+          <p:cNvPr id="13" name="テキスト ボックス 12">
+            <a:extLst>
+              <a:ext uri="{FF2B5EF4-FFF2-40B4-BE49-F238E27FC236}">
+                <a16:creationId xmlns:a16="http://schemas.microsoft.com/office/drawing/2014/main" id="{D0B5A9C9-8A0D-D6CC-31D0-EE2418FE6277}"/>
+              </a:ext>
+            </a:extLst>
+          </p:cNvPr>
+          <p:cNvSpPr txBox="1"/>
+          <p:nvPr/>
+        </p:nvSpPr>
+        <p:spPr>
+          <a:xfrm>
+            <a:off x="2512175" y="975319"/>
+            <a:ext cx="675313" cy="224677"/>
+          </a:xfrm>
+          <a:prstGeom prst="rect">
+            <a:avLst/>
+          </a:prstGeom>
+          <a:noFill/>
+        </p:spPr>
+        <p:txBody>
+          <a:bodyPr wrap="square" rtlCol="0">
+            <a:spAutoFit/>
+          </a:bodyPr>
+          <a:lstStyle/>
+          <a:p>
+            <a:pPr algn="r"/>
+            <a:r>
+              <a:rPr lang="en-US" altLang="ja-JP" sz="860" dirty="0">
+                <a:latin typeface="メイリオ" panose="020B0604030504040204" pitchFamily="50" charset="-128"/>
+                <a:ea typeface="メイリオ" panose="020B0604030504040204" pitchFamily="50" charset="-128"/>
+              </a:rPr>
+              <a:t>Akihiro</a:t>
+            </a:r>
+            <a:endParaRPr lang="ja-JP" altLang="en-US" sz="860" dirty="0">
+              <a:latin typeface="メイリオ" panose="020B0604030504040204" pitchFamily="50" charset="-128"/>
+              <a:ea typeface="メイリオ" panose="020B0604030504040204" pitchFamily="50" charset="-128"/>
+            </a:endParaRPr>
+          </a:p>
+        </p:txBody>
+      </p:sp>
+      <p:pic>
+        <p:nvPicPr>
+          <p:cNvPr id="8" name="図 7" descr="アイコン&#10;&#10;自動的に生成された説明">
+            <a:extLst>
+              <a:ext uri="{FF2B5EF4-FFF2-40B4-BE49-F238E27FC236}">
+                <a16:creationId xmlns:a16="http://schemas.microsoft.com/office/drawing/2014/main" id="{F33225BE-B4EE-4B27-027C-D32C5CF1CD2D}"/>
+              </a:ext>
+            </a:extLst>
+          </p:cNvPr>
+          <p:cNvPicPr>
+            <a:picLocks noChangeAspect="1"/>
+          </p:cNvPicPr>
+          <p:nvPr/>
+        </p:nvPicPr>
+        <p:blipFill>
+          <a:blip r:embed="rId4">
+            <a:extLst>
+              <a:ext uri="{28A0092B-C50C-407E-A947-70E740481C1C}">
+                <a14:useLocalDpi xmlns:a14="http://schemas.microsoft.com/office/drawing/2010/main" val="0"/>
+              </a:ext>
+            </a:extLst>
+          </a:blip>
+          <a:stretch>
+            <a:fillRect/>
+          </a:stretch>
+        </p:blipFill>
+        <p:spPr>
+          <a:xfrm>
+            <a:off x="172912" y="167467"/>
+            <a:ext cx="686340" cy="686340"/>
+          </a:xfrm>
+          <a:prstGeom prst="rect">
+            <a:avLst/>
+          </a:prstGeom>
+        </p:spPr>
+      </p:pic>
+      <p:sp>
+        <p:nvSpPr>
+          <p:cNvPr id="2" name="正方形/長方形 1">
+            <a:extLst>
+              <a:ext uri="{FF2B5EF4-FFF2-40B4-BE49-F238E27FC236}">
+                <a16:creationId xmlns:a16="http://schemas.microsoft.com/office/drawing/2014/main" id="{E8F3C68C-1DBF-A85D-AA29-CFAC02A7402B}"/>
+              </a:ext>
+            </a:extLst>
+          </p:cNvPr>
+          <p:cNvSpPr/>
+          <p:nvPr/>
+        </p:nvSpPr>
+        <p:spPr>
+          <a:xfrm>
+            <a:off x="112082" y="1051146"/>
+            <a:ext cx="846380" cy="846380"/>
+          </a:xfrm>
+          <a:prstGeom prst="rect">
+            <a:avLst/>
+          </a:prstGeom>
+          <a:solidFill>
+            <a:schemeClr val="tx1">
+              <a:lumMod val="50000"/>
+              <a:lumOff val="50000"/>
+              <a:alpha val="10196"/>
+            </a:schemeClr>
+          </a:solidFill>
+          <a:ln>
+            <a:noFill/>
+          </a:ln>
+        </p:spPr>
+        <p:style>
+          <a:lnRef idx="2">
+            <a:schemeClr val="accent1">
+              <a:shade val="50000"/>
+            </a:schemeClr>
+          </a:lnRef>
+          <a:fillRef idx="1">
+            <a:schemeClr val="accent1"/>
+          </a:fillRef>
+          <a:effectRef idx="0">
+            <a:schemeClr val="accent1"/>
+          </a:effectRef>
+          <a:fontRef idx="minor">
+            <a:schemeClr val="lt1"/>
+          </a:fontRef>
+        </p:style>
+        <p:txBody>
+          <a:bodyPr rtlCol="0" anchor="ctr"/>
+          <a:lstStyle/>
+          <a:p>
+            <a:pPr algn="ctr"/>
+            <a:endParaRPr lang="ja-JP" altLang="en-US" sz="134"/>
+          </a:p>
+        </p:txBody>
+      </p:sp>
+      <p:sp>
+        <p:nvSpPr>
+          <p:cNvPr id="4" name="テキスト ボックス 3">
+            <a:extLst>
+              <a:ext uri="{FF2B5EF4-FFF2-40B4-BE49-F238E27FC236}">
+                <a16:creationId xmlns:a16="http://schemas.microsoft.com/office/drawing/2014/main" id="{D38A0303-7635-C955-FFB5-213ECABE0792}"/>
+              </a:ext>
+            </a:extLst>
+          </p:cNvPr>
+          <p:cNvSpPr txBox="1"/>
+          <p:nvPr/>
+        </p:nvSpPr>
+        <p:spPr>
+          <a:xfrm>
+            <a:off x="1526667" y="1449928"/>
+            <a:ext cx="1667867" cy="446276"/>
+          </a:xfrm>
+          <a:prstGeom prst="rect">
+            <a:avLst/>
+          </a:prstGeom>
+          <a:noFill/>
+        </p:spPr>
+        <p:txBody>
+          <a:bodyPr wrap="square" rtlCol="0">
+            <a:spAutoFit/>
+          </a:bodyPr>
+          <a:lstStyle/>
+          <a:p>
+            <a:pPr algn="r">
+              <a:spcAft>
+                <a:spcPts val="300"/>
+              </a:spcAft>
+            </a:pPr>
+            <a:r>
+              <a:rPr kumimoji="1" lang="ja-JP" altLang="en-US" sz="600" dirty="0">
+                <a:latin typeface="メイリオ" panose="020B0604030504040204" pitchFamily="50" charset="-128"/>
+                <a:ea typeface="メイリオ" panose="020B0604030504040204" pitchFamily="50" charset="-128"/>
+              </a:rPr>
+              <a:t>システム工学研究科　視覚メディア研究室</a:t>
+            </a:r>
+            <a:endParaRPr kumimoji="1" lang="en-US" altLang="ja-JP" sz="100" dirty="0">
+              <a:latin typeface="メイリオ" panose="020B0604030504040204" pitchFamily="50" charset="-128"/>
+              <a:ea typeface="メイリオ" panose="020B0604030504040204" pitchFamily="50" charset="-128"/>
+            </a:endParaRPr>
+          </a:p>
+          <a:p>
+            <a:pPr algn="r">
+              <a:spcAft>
+                <a:spcPts val="300"/>
+              </a:spcAft>
+            </a:pPr>
+            <a:r>
+              <a:rPr lang="en-US" altLang="ja-JP" sz="600" dirty="0">
+                <a:latin typeface="メイリオ" panose="020B0604030504040204" pitchFamily="50" charset="-128"/>
+                <a:ea typeface="メイリオ" panose="020B0604030504040204" pitchFamily="50" charset="-128"/>
+                <a:hlinkClick r:id="rId5"/>
+              </a:rPr>
+              <a:t>001016261vista@gmail.com</a:t>
+            </a:r>
+            <a:endParaRPr lang="en-US" altLang="ja-JP" sz="100" dirty="0">
+              <a:latin typeface="メイリオ" panose="020B0604030504040204" pitchFamily="50" charset="-128"/>
+              <a:ea typeface="メイリオ" panose="020B0604030504040204" pitchFamily="50" charset="-128"/>
+            </a:endParaRPr>
+          </a:p>
+          <a:p>
+            <a:pPr algn="r">
+              <a:spcAft>
+                <a:spcPts val="300"/>
+              </a:spcAft>
+            </a:pPr>
+            <a:r>
+              <a:rPr lang="en-US" altLang="ja-JP" sz="600" dirty="0">
+                <a:latin typeface="メイリオ" panose="020B0604030504040204" pitchFamily="50" charset="-128"/>
+                <a:ea typeface="メイリオ" panose="020B0604030504040204" pitchFamily="50" charset="-128"/>
+              </a:rPr>
+              <a:t>080-8342-4385</a:t>
+            </a:r>
+          </a:p>
+        </p:txBody>
+      </p:sp>
+    </p:spTree>
+    <p:extLst>
+      <p:ext uri="{BB962C8B-B14F-4D97-AF65-F5344CB8AC3E}">
+        <p14:creationId xmlns:p14="http://schemas.microsoft.com/office/powerpoint/2010/main" val="4121336354"/>
+      </p:ext>
+    </p:extLst>
+  </p:cSld>
+  <p:clrMapOvr>
+    <a:masterClrMapping/>
+  </p:clrMapOvr>
+</p:sld>
+</file>
+
+<file path=ppt/slides/slide3.xml><?xml version="1.0" encoding="utf-8"?>
+<p:sld xmlns:a="http://schemas.openxmlformats.org/drawingml/2006/main" xmlns:r="http://schemas.openxmlformats.org/officeDocument/2006/relationships" xmlns:p="http://schemas.openxmlformats.org/presentationml/2006/main">
+  <p:cSld>
+    <p:bg>
+      <p:bgPr>
+        <a:solidFill>
+          <a:schemeClr val="bg1">
+            <a:lumMod val="95000"/>
+          </a:schemeClr>
+        </a:solidFill>
+        <a:effectLst/>
+      </p:bgPr>
+    </p:bg>
+    <p:spTree>
+      <p:nvGrpSpPr>
+        <p:cNvPr id="1" name=""/>
+        <p:cNvGrpSpPr/>
+        <p:nvPr/>
+      </p:nvGrpSpPr>
+      <p:grpSpPr>
+        <a:xfrm>
+          <a:off x="0" y="0"/>
+          <a:ext cx="0" cy="0"/>
+          <a:chOff x="0" y="0"/>
+          <a:chExt cx="0" cy="0"/>
+        </a:xfrm>
+      </p:grpSpPr>
+      <p:sp>
+        <p:nvSpPr>
+          <p:cNvPr id="7" name="テキスト ボックス 6">
+            <a:extLst>
+              <a:ext uri="{FF2B5EF4-FFF2-40B4-BE49-F238E27FC236}">
+                <a16:creationId xmlns:a16="http://schemas.microsoft.com/office/drawing/2014/main" id="{5F44C5E4-799B-185C-A91A-AA0E96E2591F}"/>
+              </a:ext>
+            </a:extLst>
+          </p:cNvPr>
+          <p:cNvSpPr txBox="1"/>
+          <p:nvPr/>
+        </p:nvSpPr>
+        <p:spPr>
+          <a:xfrm>
+            <a:off x="1229510" y="584035"/>
+            <a:ext cx="2039816" cy="523220"/>
+          </a:xfrm>
+          <a:prstGeom prst="rect">
+            <a:avLst/>
+          </a:prstGeom>
+          <a:noFill/>
+        </p:spPr>
+        <p:txBody>
+          <a:bodyPr wrap="square">
+            <a:spAutoFit/>
+          </a:bodyPr>
+          <a:lstStyle/>
+          <a:p>
+            <a:r>
+              <a:rPr lang="ja-JP" altLang="en-US" sz="2800" dirty="0">
+                <a:ea typeface="游ゴシック Medium" panose="020B0500000000000000" pitchFamily="50" charset="-128"/>
+              </a:rPr>
+              <a:t>野戸　彰大</a:t>
+            </a:r>
+          </a:p>
+        </p:txBody>
+      </p:sp>
+      <p:sp>
+        <p:nvSpPr>
+          <p:cNvPr id="9" name="テキスト ボックス 8">
+            <a:extLst>
+              <a:ext uri="{FF2B5EF4-FFF2-40B4-BE49-F238E27FC236}">
+                <a16:creationId xmlns:a16="http://schemas.microsoft.com/office/drawing/2014/main" id="{0D83257E-EE62-45BD-5299-40630CBBC3D2}"/>
+              </a:ext>
+            </a:extLst>
+          </p:cNvPr>
+          <p:cNvSpPr txBox="1"/>
+          <p:nvPr/>
+        </p:nvSpPr>
+        <p:spPr>
+          <a:xfrm>
+            <a:off x="1663054" y="130338"/>
+            <a:ext cx="1505541" cy="290849"/>
+          </a:xfrm>
+          <a:prstGeom prst="rect">
+            <a:avLst/>
+          </a:prstGeom>
+          <a:noFill/>
+        </p:spPr>
+        <p:txBody>
+          <a:bodyPr wrap="square" rtlCol="0">
+            <a:spAutoFit/>
+          </a:bodyPr>
+          <a:lstStyle/>
+          <a:p>
+            <a:pPr algn="r"/>
+            <a:r>
+              <a:rPr lang="ja-JP" altLang="en-US" sz="1290" dirty="0">
+                <a:solidFill>
+                  <a:schemeClr val="tx1">
+                    <a:lumMod val="95000"/>
+                    <a:lumOff val="5000"/>
+                  </a:schemeClr>
+                </a:solidFill>
+                <a:latin typeface="メイリオ" panose="020B0604030504040204" pitchFamily="50" charset="-128"/>
+                <a:ea typeface="メイリオ" panose="020B0604030504040204" pitchFamily="50" charset="-128"/>
+              </a:rPr>
+              <a:t>和歌山大学大学院</a:t>
+            </a:r>
+            <a:endParaRPr lang="en-US" altLang="ja-JP" sz="1290" dirty="0">
+              <a:solidFill>
+                <a:schemeClr val="tx1">
+                  <a:lumMod val="95000"/>
+                  <a:lumOff val="5000"/>
+                </a:schemeClr>
+              </a:solidFill>
+              <a:latin typeface="メイリオ" panose="020B0604030504040204" pitchFamily="50" charset="-128"/>
+              <a:ea typeface="メイリオ" panose="020B0604030504040204" pitchFamily="50" charset="-128"/>
+            </a:endParaRPr>
+          </a:p>
+        </p:txBody>
+      </p:sp>
+      <p:pic>
+        <p:nvPicPr>
+          <p:cNvPr id="10" name="図 9" descr="ロゴ, 会社名&#10;&#10;自動的に生成された説明">
+            <a:extLst>
+              <a:ext uri="{FF2B5EF4-FFF2-40B4-BE49-F238E27FC236}">
+                <a16:creationId xmlns:a16="http://schemas.microsoft.com/office/drawing/2014/main" id="{B7A36405-D184-A485-EAC3-339C13BD912E}"/>
+              </a:ext>
+            </a:extLst>
+          </p:cNvPr>
+          <p:cNvPicPr>
+            <a:picLocks noChangeAspect="1"/>
+          </p:cNvPicPr>
+          <p:nvPr/>
+        </p:nvPicPr>
+        <p:blipFill>
+          <a:blip r:embed="rId3">
+            <a:extLst>
+              <a:ext uri="{28A0092B-C50C-407E-A947-70E740481C1C}">
+                <a14:useLocalDpi xmlns:a14="http://schemas.microsoft.com/office/drawing/2010/main" val="0"/>
+              </a:ext>
+            </a:extLst>
+          </a:blip>
+          <a:stretch>
+            <a:fillRect/>
+          </a:stretch>
+        </p:blipFill>
+        <p:spPr>
+          <a:xfrm>
+            <a:off x="112082" y="1051146"/>
+            <a:ext cx="846379" cy="846379"/>
+          </a:xfrm>
+          <a:prstGeom prst="rect">
+            <a:avLst/>
+          </a:prstGeom>
+        </p:spPr>
+      </p:pic>
+      <p:sp>
+        <p:nvSpPr>
+          <p:cNvPr id="12" name="テキスト ボックス 11">
+            <a:extLst>
+              <a:ext uri="{FF2B5EF4-FFF2-40B4-BE49-F238E27FC236}">
+                <a16:creationId xmlns:a16="http://schemas.microsoft.com/office/drawing/2014/main" id="{40AB2E2B-D9BF-316F-E396-452547BDA6B9}"/>
+              </a:ext>
+            </a:extLst>
+          </p:cNvPr>
+          <p:cNvSpPr txBox="1"/>
+          <p:nvPr/>
+        </p:nvSpPr>
+        <p:spPr>
+          <a:xfrm>
+            <a:off x="2227386" y="972059"/>
+            <a:ext cx="521428" cy="230832"/>
+          </a:xfrm>
+          <a:prstGeom prst="rect">
+            <a:avLst/>
+          </a:prstGeom>
+          <a:noFill/>
+        </p:spPr>
+        <p:txBody>
+          <a:bodyPr wrap="square" rtlCol="0">
+            <a:spAutoFit/>
+          </a:bodyPr>
+          <a:lstStyle/>
+          <a:p>
+            <a:pPr algn="r"/>
+            <a:r>
+              <a:rPr lang="en-US" altLang="ja-JP" sz="900" dirty="0">
+                <a:latin typeface="メイリオ" panose="020B0604030504040204" pitchFamily="50" charset="-128"/>
+                <a:ea typeface="メイリオ" panose="020B0604030504040204" pitchFamily="50" charset="-128"/>
+              </a:rPr>
+              <a:t>Noto</a:t>
+            </a:r>
+            <a:endParaRPr lang="ja-JP" altLang="en-US" sz="900" dirty="0">
+              <a:latin typeface="メイリオ" panose="020B0604030504040204" pitchFamily="50" charset="-128"/>
+              <a:ea typeface="メイリオ" panose="020B0604030504040204" pitchFamily="50" charset="-128"/>
+            </a:endParaRPr>
+          </a:p>
+        </p:txBody>
+      </p:sp>
+      <p:sp>
+        <p:nvSpPr>
+          <p:cNvPr id="13" name="テキスト ボックス 12">
+            <a:extLst>
+              <a:ext uri="{FF2B5EF4-FFF2-40B4-BE49-F238E27FC236}">
+                <a16:creationId xmlns:a16="http://schemas.microsoft.com/office/drawing/2014/main" id="{D0B5A9C9-8A0D-D6CC-31D0-EE2418FE6277}"/>
+              </a:ext>
+            </a:extLst>
+          </p:cNvPr>
+          <p:cNvSpPr txBox="1"/>
+          <p:nvPr/>
+        </p:nvSpPr>
+        <p:spPr>
+          <a:xfrm>
+            <a:off x="2597227" y="975319"/>
+            <a:ext cx="590261" cy="230832"/>
+          </a:xfrm>
+          <a:prstGeom prst="rect">
+            <a:avLst/>
+          </a:prstGeom>
+          <a:noFill/>
+        </p:spPr>
+        <p:txBody>
+          <a:bodyPr wrap="square" rtlCol="0">
+            <a:spAutoFit/>
+          </a:bodyPr>
+          <a:lstStyle/>
+          <a:p>
+            <a:pPr algn="r"/>
+            <a:r>
+              <a:rPr lang="en-US" altLang="ja-JP" sz="900" dirty="0">
+                <a:latin typeface="メイリオ" panose="020B0604030504040204" pitchFamily="50" charset="-128"/>
+                <a:ea typeface="メイリオ" panose="020B0604030504040204" pitchFamily="50" charset="-128"/>
+              </a:rPr>
+              <a:t>Akihiro</a:t>
+            </a:r>
+            <a:endParaRPr lang="ja-JP" altLang="en-US" sz="900" dirty="0">
+              <a:latin typeface="メイリオ" panose="020B0604030504040204" pitchFamily="50" charset="-128"/>
+              <a:ea typeface="メイリオ" panose="020B0604030504040204" pitchFamily="50" charset="-128"/>
+            </a:endParaRPr>
+          </a:p>
+        </p:txBody>
+      </p:sp>
+      <p:pic>
+        <p:nvPicPr>
+          <p:cNvPr id="8" name="図 7" descr="アイコン&#10;&#10;自動的に生成された説明">
+            <a:extLst>
+              <a:ext uri="{FF2B5EF4-FFF2-40B4-BE49-F238E27FC236}">
+                <a16:creationId xmlns:a16="http://schemas.microsoft.com/office/drawing/2014/main" id="{F33225BE-B4EE-4B27-027C-D32C5CF1CD2D}"/>
+              </a:ext>
+            </a:extLst>
+          </p:cNvPr>
+          <p:cNvPicPr>
+            <a:picLocks noChangeAspect="1"/>
+          </p:cNvPicPr>
+          <p:nvPr/>
+        </p:nvPicPr>
+        <p:blipFill>
+          <a:blip r:embed="rId4">
+            <a:extLst>
+              <a:ext uri="{28A0092B-C50C-407E-A947-70E740481C1C}">
+                <a14:useLocalDpi xmlns:a14="http://schemas.microsoft.com/office/drawing/2010/main" val="0"/>
+              </a:ext>
+            </a:extLst>
+          </a:blip>
+          <a:stretch>
+            <a:fillRect/>
+          </a:stretch>
+        </p:blipFill>
+        <p:spPr>
+          <a:xfrm>
+            <a:off x="172912" y="167467"/>
+            <a:ext cx="686340" cy="686340"/>
+          </a:xfrm>
+          <a:prstGeom prst="rect">
+            <a:avLst/>
+          </a:prstGeom>
+        </p:spPr>
+      </p:pic>
+      <p:sp>
+        <p:nvSpPr>
+          <p:cNvPr id="2" name="正方形/長方形 1">
+            <a:extLst>
+              <a:ext uri="{FF2B5EF4-FFF2-40B4-BE49-F238E27FC236}">
+                <a16:creationId xmlns:a16="http://schemas.microsoft.com/office/drawing/2014/main" id="{E8F3C68C-1DBF-A85D-AA29-CFAC02A7402B}"/>
+              </a:ext>
+            </a:extLst>
+          </p:cNvPr>
+          <p:cNvSpPr/>
+          <p:nvPr/>
+        </p:nvSpPr>
+        <p:spPr>
+          <a:xfrm>
+            <a:off x="112082" y="1051146"/>
+            <a:ext cx="846380" cy="846380"/>
+          </a:xfrm>
+          <a:prstGeom prst="rect">
+            <a:avLst/>
+          </a:prstGeom>
+          <a:solidFill>
+            <a:schemeClr val="tx1">
+              <a:lumMod val="50000"/>
+              <a:lumOff val="50000"/>
+              <a:alpha val="10196"/>
+            </a:schemeClr>
+          </a:solidFill>
+          <a:ln>
+            <a:noFill/>
+          </a:ln>
+        </p:spPr>
+        <p:style>
+          <a:lnRef idx="2">
+            <a:schemeClr val="accent1">
+              <a:shade val="50000"/>
+            </a:schemeClr>
+          </a:lnRef>
+          <a:fillRef idx="1">
+            <a:schemeClr val="accent1"/>
+          </a:fillRef>
+          <a:effectRef idx="0">
+            <a:schemeClr val="accent1"/>
+          </a:effectRef>
+          <a:fontRef idx="minor">
+            <a:schemeClr val="lt1"/>
+          </a:fontRef>
+        </p:style>
+        <p:txBody>
+          <a:bodyPr rtlCol="0" anchor="ctr"/>
+          <a:lstStyle/>
+          <a:p>
+            <a:pPr algn="ctr"/>
+            <a:endParaRPr lang="ja-JP" altLang="en-US" sz="134"/>
+          </a:p>
+        </p:txBody>
+      </p:sp>
+      <p:sp>
+        <p:nvSpPr>
+          <p:cNvPr id="4" name="テキスト ボックス 3">
+            <a:extLst>
+              <a:ext uri="{FF2B5EF4-FFF2-40B4-BE49-F238E27FC236}">
+                <a16:creationId xmlns:a16="http://schemas.microsoft.com/office/drawing/2014/main" id="{D38A0303-7635-C955-FFB5-213ECABE0792}"/>
+              </a:ext>
+            </a:extLst>
+          </p:cNvPr>
+          <p:cNvSpPr txBox="1"/>
+          <p:nvPr/>
+        </p:nvSpPr>
+        <p:spPr>
+          <a:xfrm>
+            <a:off x="1055076" y="1358916"/>
+            <a:ext cx="2170720" cy="538609"/>
+          </a:xfrm>
+          <a:prstGeom prst="rect">
+            <a:avLst/>
+          </a:prstGeom>
+          <a:noFill/>
+        </p:spPr>
+        <p:txBody>
+          <a:bodyPr wrap="square" rtlCol="0">
+            <a:spAutoFit/>
+          </a:bodyPr>
+          <a:lstStyle/>
+          <a:p>
+            <a:pPr algn="r">
+              <a:spcAft>
+                <a:spcPts val="300"/>
+              </a:spcAft>
+            </a:pPr>
+            <a:r>
+              <a:rPr kumimoji="1" lang="ja-JP" altLang="en-US" sz="800" dirty="0">
+                <a:latin typeface="メイリオ" panose="020B0604030504040204" pitchFamily="50" charset="-128"/>
+                <a:ea typeface="メイリオ" panose="020B0604030504040204" pitchFamily="50" charset="-128"/>
+              </a:rPr>
+              <a:t>システム工学研究科　視覚メディア研究室</a:t>
+            </a:r>
+            <a:endParaRPr kumimoji="1" lang="en-US" altLang="ja-JP" sz="800" dirty="0">
+              <a:latin typeface="メイリオ" panose="020B0604030504040204" pitchFamily="50" charset="-128"/>
+              <a:ea typeface="メイリオ" panose="020B0604030504040204" pitchFamily="50" charset="-128"/>
+            </a:endParaRPr>
+          </a:p>
+          <a:p>
+            <a:pPr algn="r">
+              <a:spcAft>
+                <a:spcPts val="300"/>
+              </a:spcAft>
+            </a:pPr>
+            <a:r>
+              <a:rPr lang="en-US" altLang="ja-JP" sz="800" dirty="0">
+                <a:latin typeface="メイリオ" panose="020B0604030504040204" pitchFamily="50" charset="-128"/>
+                <a:ea typeface="メイリオ" panose="020B0604030504040204" pitchFamily="50" charset="-128"/>
+                <a:hlinkClick r:id="rId5"/>
+              </a:rPr>
+              <a:t>001016261vista@gmail.com</a:t>
+            </a:r>
+            <a:endParaRPr lang="en-US" altLang="ja-JP" sz="800" dirty="0">
+              <a:latin typeface="メイリオ" panose="020B0604030504040204" pitchFamily="50" charset="-128"/>
+              <a:ea typeface="メイリオ" panose="020B0604030504040204" pitchFamily="50" charset="-128"/>
+            </a:endParaRPr>
+          </a:p>
+          <a:p>
+            <a:pPr algn="r">
+              <a:spcAft>
+                <a:spcPts val="300"/>
+              </a:spcAft>
+            </a:pPr>
+            <a:r>
+              <a:rPr lang="en-US" altLang="ja-JP" sz="800" dirty="0">
+                <a:latin typeface="メイリオ" panose="020B0604030504040204" pitchFamily="50" charset="-128"/>
+                <a:ea typeface="メイリオ" panose="020B0604030504040204" pitchFamily="50" charset="-128"/>
+              </a:rPr>
+              <a:t>080-8342-4385</a:t>
+            </a:r>
+          </a:p>
+        </p:txBody>
+      </p:sp>
+    </p:spTree>
+    <p:extLst>
+      <p:ext uri="{BB962C8B-B14F-4D97-AF65-F5344CB8AC3E}">
+        <p14:creationId xmlns:p14="http://schemas.microsoft.com/office/powerpoint/2010/main" val="2374000305"/>
+      </p:ext>
+    </p:extLst>
+  </p:cSld>
+  <p:clrMapOvr>
+    <a:masterClrMapping/>
+  </p:clrMapOvr>
+</p:sld>
+</file>
+
+<file path=ppt/slides/slide4.xml><?xml version="1.0" encoding="utf-8"?>
+<p:sld xmlns:a="http://schemas.openxmlformats.org/drawingml/2006/main" xmlns:r="http://schemas.openxmlformats.org/officeDocument/2006/relationships" xmlns:p="http://schemas.openxmlformats.org/presentationml/2006/main">
+  <p:cSld>
+    <p:bg>
+      <p:bgPr>
+        <a:solidFill>
+          <a:schemeClr val="bg1">
+            <a:lumMod val="95000"/>
+          </a:schemeClr>
+        </a:solidFill>
+        <a:effectLst/>
+      </p:bgPr>
+    </p:bg>
+    <p:spTree>
+      <p:nvGrpSpPr>
+        <p:cNvPr id="1" name=""/>
+        <p:cNvGrpSpPr/>
+        <p:nvPr/>
+      </p:nvGrpSpPr>
+      <p:grpSpPr>
+        <a:xfrm>
+          <a:off x="0" y="0"/>
+          <a:ext cx="0" cy="0"/>
+          <a:chOff x="0" y="0"/>
+          <a:chExt cx="0" cy="0"/>
+        </a:xfrm>
+      </p:grpSpPr>
+      <p:sp>
+        <p:nvSpPr>
+          <p:cNvPr id="7" name="テキスト ボックス 6">
+            <a:extLst>
+              <a:ext uri="{FF2B5EF4-FFF2-40B4-BE49-F238E27FC236}">
+                <a16:creationId xmlns:a16="http://schemas.microsoft.com/office/drawing/2014/main" id="{5F44C5E4-799B-185C-A91A-AA0E96E2591F}"/>
+              </a:ext>
+            </a:extLst>
+          </p:cNvPr>
+          <p:cNvSpPr txBox="1"/>
+          <p:nvPr/>
+        </p:nvSpPr>
+        <p:spPr>
+          <a:xfrm>
+            <a:off x="1229510" y="647535"/>
+            <a:ext cx="2039816" cy="523220"/>
+          </a:xfrm>
+          <a:prstGeom prst="rect">
+            <a:avLst/>
+          </a:prstGeom>
+          <a:noFill/>
+        </p:spPr>
+        <p:txBody>
+          <a:bodyPr wrap="square">
+            <a:spAutoFit/>
+          </a:bodyPr>
+          <a:lstStyle/>
+          <a:p>
+            <a:r>
+              <a:rPr lang="ja-JP" altLang="en-US" sz="2800" dirty="0">
+                <a:ea typeface="游ゴシック Medium" panose="020B0500000000000000" pitchFamily="50" charset="-128"/>
+              </a:rPr>
+              <a:t>野戸　彰大</a:t>
+            </a:r>
+          </a:p>
+        </p:txBody>
+      </p:sp>
+      <p:sp>
+        <p:nvSpPr>
+          <p:cNvPr id="9" name="テキスト ボックス 8">
+            <a:extLst>
+              <a:ext uri="{FF2B5EF4-FFF2-40B4-BE49-F238E27FC236}">
+                <a16:creationId xmlns:a16="http://schemas.microsoft.com/office/drawing/2014/main" id="{0D83257E-EE62-45BD-5299-40630CBBC3D2}"/>
+              </a:ext>
+            </a:extLst>
+          </p:cNvPr>
+          <p:cNvSpPr txBox="1"/>
+          <p:nvPr/>
+        </p:nvSpPr>
+        <p:spPr>
+          <a:xfrm>
+            <a:off x="1663054" y="130338"/>
+            <a:ext cx="1505541" cy="290849"/>
+          </a:xfrm>
+          <a:prstGeom prst="rect">
+            <a:avLst/>
+          </a:prstGeom>
+          <a:noFill/>
+        </p:spPr>
+        <p:txBody>
+          <a:bodyPr wrap="square" rtlCol="0">
+            <a:spAutoFit/>
+          </a:bodyPr>
+          <a:lstStyle/>
+          <a:p>
+            <a:pPr algn="r"/>
+            <a:r>
+              <a:rPr lang="ja-JP" altLang="en-US" sz="1290" dirty="0">
+                <a:solidFill>
+                  <a:schemeClr val="tx1">
+                    <a:lumMod val="95000"/>
+                    <a:lumOff val="5000"/>
+                  </a:schemeClr>
+                </a:solidFill>
+                <a:latin typeface="メイリオ" panose="020B0604030504040204" pitchFamily="50" charset="-128"/>
+                <a:ea typeface="メイリオ" panose="020B0604030504040204" pitchFamily="50" charset="-128"/>
+              </a:rPr>
+              <a:t>和歌山大学大学院</a:t>
+            </a:r>
+            <a:endParaRPr lang="en-US" altLang="ja-JP" sz="1290" dirty="0">
+              <a:solidFill>
+                <a:schemeClr val="tx1">
+                  <a:lumMod val="95000"/>
+                  <a:lumOff val="5000"/>
+                </a:schemeClr>
+              </a:solidFill>
+              <a:latin typeface="メイリオ" panose="020B0604030504040204" pitchFamily="50" charset="-128"/>
+              <a:ea typeface="メイリオ" panose="020B0604030504040204" pitchFamily="50" charset="-128"/>
+            </a:endParaRPr>
+          </a:p>
+        </p:txBody>
+      </p:sp>
+      <p:pic>
+        <p:nvPicPr>
+          <p:cNvPr id="10" name="図 9" descr="ロゴ, 会社名&#10;&#10;自動的に生成された説明">
+            <a:extLst>
+              <a:ext uri="{FF2B5EF4-FFF2-40B4-BE49-F238E27FC236}">
+                <a16:creationId xmlns:a16="http://schemas.microsoft.com/office/drawing/2014/main" id="{B7A36405-D184-A485-EAC3-339C13BD912E}"/>
+              </a:ext>
+            </a:extLst>
+          </p:cNvPr>
+          <p:cNvPicPr>
+            <a:picLocks noChangeAspect="1"/>
+          </p:cNvPicPr>
+          <p:nvPr/>
+        </p:nvPicPr>
+        <p:blipFill>
+          <a:blip r:embed="rId3">
+            <a:extLst>
+              <a:ext uri="{28A0092B-C50C-407E-A947-70E740481C1C}">
+                <a14:useLocalDpi xmlns:a14="http://schemas.microsoft.com/office/drawing/2010/main" val="0"/>
+              </a:ext>
+            </a:extLst>
+          </a:blip>
+          <a:stretch>
+            <a:fillRect/>
+          </a:stretch>
+        </p:blipFill>
+        <p:spPr>
+          <a:xfrm>
+            <a:off x="112082" y="1051146"/>
+            <a:ext cx="846379" cy="846379"/>
+          </a:xfrm>
+          <a:prstGeom prst="rect">
+            <a:avLst/>
+          </a:prstGeom>
+        </p:spPr>
+      </p:pic>
+      <p:pic>
+        <p:nvPicPr>
+          <p:cNvPr id="8" name="図 7" descr="アイコン&#10;&#10;自動的に生成された説明">
+            <a:extLst>
+              <a:ext uri="{FF2B5EF4-FFF2-40B4-BE49-F238E27FC236}">
+                <a16:creationId xmlns:a16="http://schemas.microsoft.com/office/drawing/2014/main" id="{F33225BE-B4EE-4B27-027C-D32C5CF1CD2D}"/>
+              </a:ext>
+            </a:extLst>
+          </p:cNvPr>
+          <p:cNvPicPr>
+            <a:picLocks noChangeAspect="1"/>
+          </p:cNvPicPr>
+          <p:nvPr/>
+        </p:nvPicPr>
+        <p:blipFill>
+          <a:blip r:embed="rId4">
+            <a:extLst>
+              <a:ext uri="{28A0092B-C50C-407E-A947-70E740481C1C}">
+                <a14:useLocalDpi xmlns:a14="http://schemas.microsoft.com/office/drawing/2010/main" val="0"/>
+              </a:ext>
+            </a:extLst>
+          </a:blip>
+          <a:stretch>
+            <a:fillRect/>
+          </a:stretch>
+        </p:blipFill>
+        <p:spPr>
+          <a:xfrm>
+            <a:off x="172912" y="167467"/>
+            <a:ext cx="686340" cy="686340"/>
+          </a:xfrm>
+          <a:prstGeom prst="rect">
+            <a:avLst/>
+          </a:prstGeom>
+        </p:spPr>
+      </p:pic>
+      <p:sp>
+        <p:nvSpPr>
+          <p:cNvPr id="2" name="正方形/長方形 1">
+            <a:extLst>
+              <a:ext uri="{FF2B5EF4-FFF2-40B4-BE49-F238E27FC236}">
+                <a16:creationId xmlns:a16="http://schemas.microsoft.com/office/drawing/2014/main" id="{E8F3C68C-1DBF-A85D-AA29-CFAC02A7402B}"/>
+              </a:ext>
+            </a:extLst>
+          </p:cNvPr>
+          <p:cNvSpPr/>
+          <p:nvPr/>
+        </p:nvSpPr>
+        <p:spPr>
+          <a:xfrm>
+            <a:off x="112082" y="1051146"/>
+            <a:ext cx="846380" cy="846380"/>
+          </a:xfrm>
+          <a:prstGeom prst="rect">
+            <a:avLst/>
+          </a:prstGeom>
+          <a:solidFill>
+            <a:schemeClr val="tx1">
+              <a:lumMod val="50000"/>
+              <a:lumOff val="50000"/>
+              <a:alpha val="10196"/>
+            </a:schemeClr>
+          </a:solidFill>
+          <a:ln>
+            <a:noFill/>
+          </a:ln>
+        </p:spPr>
+        <p:style>
+          <a:lnRef idx="2">
+            <a:schemeClr val="accent1">
+              <a:shade val="50000"/>
+            </a:schemeClr>
+          </a:lnRef>
+          <a:fillRef idx="1">
+            <a:schemeClr val="accent1"/>
+          </a:fillRef>
+          <a:effectRef idx="0">
+            <a:schemeClr val="accent1"/>
+          </a:effectRef>
+          <a:fontRef idx="minor">
+            <a:schemeClr val="lt1"/>
+          </a:fontRef>
+        </p:style>
+        <p:txBody>
+          <a:bodyPr rtlCol="0" anchor="ctr"/>
+          <a:lstStyle/>
+          <a:p>
+            <a:pPr algn="ctr"/>
+            <a:endParaRPr lang="ja-JP" altLang="en-US" sz="134"/>
+          </a:p>
+        </p:txBody>
+      </p:sp>
+      <p:sp>
+        <p:nvSpPr>
+          <p:cNvPr id="4" name="テキスト ボックス 3">
+            <a:extLst>
+              <a:ext uri="{FF2B5EF4-FFF2-40B4-BE49-F238E27FC236}">
+                <a16:creationId xmlns:a16="http://schemas.microsoft.com/office/drawing/2014/main" id="{D38A0303-7635-C955-FFB5-213ECABE0792}"/>
+              </a:ext>
+            </a:extLst>
+          </p:cNvPr>
+          <p:cNvSpPr txBox="1"/>
+          <p:nvPr/>
+        </p:nvSpPr>
+        <p:spPr>
+          <a:xfrm>
+            <a:off x="1526667" y="1449928"/>
+            <a:ext cx="1667867" cy="446276"/>
+          </a:xfrm>
+          <a:prstGeom prst="rect">
+            <a:avLst/>
+          </a:prstGeom>
+          <a:noFill/>
+        </p:spPr>
+        <p:txBody>
+          <a:bodyPr wrap="square" rtlCol="0">
+            <a:spAutoFit/>
+          </a:bodyPr>
+          <a:lstStyle/>
+          <a:p>
+            <a:pPr algn="r">
+              <a:spcAft>
+                <a:spcPts val="300"/>
+              </a:spcAft>
+            </a:pPr>
+            <a:r>
+              <a:rPr kumimoji="1" lang="ja-JP" altLang="en-US" sz="600" dirty="0">
+                <a:latin typeface="メイリオ" panose="020B0604030504040204" pitchFamily="50" charset="-128"/>
+                <a:ea typeface="メイリオ" panose="020B0604030504040204" pitchFamily="50" charset="-128"/>
+              </a:rPr>
+              <a:t>システム工学研究科　視覚メディア研究室</a:t>
+            </a:r>
+            <a:endParaRPr kumimoji="1" lang="en-US" altLang="ja-JP" sz="100" dirty="0">
+              <a:latin typeface="メイリオ" panose="020B0604030504040204" pitchFamily="50" charset="-128"/>
+              <a:ea typeface="メイリオ" panose="020B0604030504040204" pitchFamily="50" charset="-128"/>
+            </a:endParaRPr>
+          </a:p>
+          <a:p>
+            <a:pPr algn="r">
+              <a:spcAft>
+                <a:spcPts val="300"/>
+              </a:spcAft>
+            </a:pPr>
+            <a:r>
+              <a:rPr lang="en-US" altLang="ja-JP" sz="600" dirty="0">
+                <a:latin typeface="メイリオ" panose="020B0604030504040204" pitchFamily="50" charset="-128"/>
+                <a:ea typeface="メイリオ" panose="020B0604030504040204" pitchFamily="50" charset="-128"/>
+                <a:hlinkClick r:id="rId5"/>
+              </a:rPr>
+              <a:t>001016261vista@gmail.com</a:t>
+            </a:r>
+            <a:endParaRPr lang="en-US" altLang="ja-JP" sz="100" dirty="0">
+              <a:latin typeface="メイリオ" panose="020B0604030504040204" pitchFamily="50" charset="-128"/>
+              <a:ea typeface="メイリオ" panose="020B0604030504040204" pitchFamily="50" charset="-128"/>
+            </a:endParaRPr>
+          </a:p>
+          <a:p>
+            <a:pPr algn="r">
+              <a:spcAft>
+                <a:spcPts val="300"/>
+              </a:spcAft>
+            </a:pPr>
+            <a:r>
+              <a:rPr lang="en-US" altLang="ja-JP" sz="600" dirty="0">
+                <a:latin typeface="メイリオ" panose="020B0604030504040204" pitchFamily="50" charset="-128"/>
+                <a:ea typeface="メイリオ" panose="020B0604030504040204" pitchFamily="50" charset="-128"/>
+              </a:rPr>
+              <a:t>080-8342-4385</a:t>
+            </a:r>
+          </a:p>
+        </p:txBody>
+      </p:sp>
+    </p:spTree>
+    <p:extLst>
+      <p:ext uri="{BB962C8B-B14F-4D97-AF65-F5344CB8AC3E}">
+        <p14:creationId xmlns:p14="http://schemas.microsoft.com/office/powerpoint/2010/main" val="2840275781"/>
+      </p:ext>
+    </p:extLst>
+  </p:cSld>
+  <p:clrMapOvr>
+    <a:masterClrMapping/>
+  </p:clrMapOvr>
+</p:sld>
+</file>
+
+<file path=ppt/slides/slide5.xml><?xml version="1.0" encoding="utf-8"?>
+<p:sld xmlns:a="http://schemas.openxmlformats.org/drawingml/2006/main" xmlns:r="http://schemas.openxmlformats.org/officeDocument/2006/relationships" xmlns:p="http://schemas.openxmlformats.org/presentationml/2006/main">
+  <p:cSld>
+    <p:bg>
+      <p:bgPr>
+        <a:solidFill>
+          <a:schemeClr val="bg1">
+            <a:lumMod val="95000"/>
+          </a:schemeClr>
+        </a:solidFill>
+        <a:effectLst/>
+      </p:bgPr>
+    </p:bg>
+    <p:spTree>
+      <p:nvGrpSpPr>
+        <p:cNvPr id="1" name=""/>
+        <p:cNvGrpSpPr/>
+        <p:nvPr/>
+      </p:nvGrpSpPr>
+      <p:grpSpPr>
+        <a:xfrm>
+          <a:off x="0" y="0"/>
+          <a:ext cx="0" cy="0"/>
+          <a:chOff x="0" y="0"/>
+          <a:chExt cx="0" cy="0"/>
+        </a:xfrm>
+      </p:grpSpPr>
+      <p:sp>
+        <p:nvSpPr>
+          <p:cNvPr id="7" name="テキスト ボックス 6">
+            <a:extLst>
+              <a:ext uri="{FF2B5EF4-FFF2-40B4-BE49-F238E27FC236}">
+                <a16:creationId xmlns:a16="http://schemas.microsoft.com/office/drawing/2014/main" id="{5F44C5E4-799B-185C-A91A-AA0E96E2591F}"/>
+              </a:ext>
+            </a:extLst>
+          </p:cNvPr>
+          <p:cNvSpPr txBox="1"/>
+          <p:nvPr/>
+        </p:nvSpPr>
+        <p:spPr>
+          <a:xfrm>
+            <a:off x="1229510" y="622135"/>
+            <a:ext cx="2039816" cy="523220"/>
+          </a:xfrm>
+          <a:prstGeom prst="rect">
+            <a:avLst/>
+          </a:prstGeom>
+          <a:noFill/>
+        </p:spPr>
+        <p:txBody>
+          <a:bodyPr wrap="square">
+            <a:spAutoFit/>
+          </a:bodyPr>
+          <a:lstStyle/>
+          <a:p>
+            <a:r>
+              <a:rPr lang="ja-JP" altLang="en-US" sz="2800" dirty="0">
+                <a:ea typeface="游ゴシック Medium" panose="020B0500000000000000" pitchFamily="50" charset="-128"/>
+              </a:rPr>
+              <a:t>野戸　彰大</a:t>
+            </a:r>
+          </a:p>
+        </p:txBody>
+      </p:sp>
+      <p:sp>
+        <p:nvSpPr>
+          <p:cNvPr id="9" name="テキスト ボックス 8">
+            <a:extLst>
+              <a:ext uri="{FF2B5EF4-FFF2-40B4-BE49-F238E27FC236}">
+                <a16:creationId xmlns:a16="http://schemas.microsoft.com/office/drawing/2014/main" id="{0D83257E-EE62-45BD-5299-40630CBBC3D2}"/>
+              </a:ext>
+            </a:extLst>
+          </p:cNvPr>
+          <p:cNvSpPr txBox="1"/>
+          <p:nvPr/>
+        </p:nvSpPr>
+        <p:spPr>
+          <a:xfrm>
+            <a:off x="1663054" y="130338"/>
+            <a:ext cx="1505541" cy="290849"/>
+          </a:xfrm>
+          <a:prstGeom prst="rect">
+            <a:avLst/>
+          </a:prstGeom>
+          <a:noFill/>
+        </p:spPr>
+        <p:txBody>
+          <a:bodyPr wrap="square" rtlCol="0">
+            <a:spAutoFit/>
+          </a:bodyPr>
+          <a:lstStyle/>
+          <a:p>
+            <a:pPr algn="r"/>
+            <a:r>
+              <a:rPr lang="ja-JP" altLang="en-US" sz="1290" dirty="0">
+                <a:solidFill>
+                  <a:schemeClr val="tx1">
+                    <a:lumMod val="95000"/>
+                    <a:lumOff val="5000"/>
+                  </a:schemeClr>
+                </a:solidFill>
+                <a:latin typeface="メイリオ" panose="020B0604030504040204" pitchFamily="50" charset="-128"/>
+                <a:ea typeface="メイリオ" panose="020B0604030504040204" pitchFamily="50" charset="-128"/>
+              </a:rPr>
+              <a:t>和歌山大学大学院</a:t>
+            </a:r>
+            <a:endParaRPr lang="en-US" altLang="ja-JP" sz="1290" dirty="0">
+              <a:solidFill>
+                <a:schemeClr val="tx1">
+                  <a:lumMod val="95000"/>
+                  <a:lumOff val="5000"/>
+                </a:schemeClr>
+              </a:solidFill>
+              <a:latin typeface="メイリオ" panose="020B0604030504040204" pitchFamily="50" charset="-128"/>
+              <a:ea typeface="メイリオ" panose="020B0604030504040204" pitchFamily="50" charset="-128"/>
+            </a:endParaRPr>
+          </a:p>
+        </p:txBody>
+      </p:sp>
+      <p:sp>
+        <p:nvSpPr>
+          <p:cNvPr id="12" name="テキスト ボックス 11">
+            <a:extLst>
+              <a:ext uri="{FF2B5EF4-FFF2-40B4-BE49-F238E27FC236}">
+                <a16:creationId xmlns:a16="http://schemas.microsoft.com/office/drawing/2014/main" id="{40AB2E2B-D9BF-316F-E396-452547BDA6B9}"/>
+              </a:ext>
+            </a:extLst>
+          </p:cNvPr>
+          <p:cNvSpPr txBox="1"/>
+          <p:nvPr/>
+        </p:nvSpPr>
+        <p:spPr>
+          <a:xfrm>
+            <a:off x="1609970" y="1017974"/>
+            <a:ext cx="505380" cy="230832"/>
+          </a:xfrm>
+          <a:prstGeom prst="rect">
+            <a:avLst/>
+          </a:prstGeom>
+          <a:noFill/>
+        </p:spPr>
+        <p:txBody>
+          <a:bodyPr wrap="square" rtlCol="0">
+            <a:spAutoFit/>
+          </a:bodyPr>
+          <a:lstStyle/>
+          <a:p>
+            <a:pPr algn="r"/>
+            <a:r>
+              <a:rPr lang="en-US" altLang="ja-JP" sz="900" dirty="0">
+                <a:latin typeface="メイリオ" panose="020B0604030504040204" pitchFamily="50" charset="-128"/>
+                <a:ea typeface="メイリオ" panose="020B0604030504040204" pitchFamily="50" charset="-128"/>
+              </a:rPr>
+              <a:t>Noto</a:t>
+            </a:r>
+            <a:endParaRPr lang="ja-JP" altLang="en-US" sz="900" dirty="0">
+              <a:latin typeface="メイリオ" panose="020B0604030504040204" pitchFamily="50" charset="-128"/>
+              <a:ea typeface="メイリオ" panose="020B0604030504040204" pitchFamily="50" charset="-128"/>
+            </a:endParaRPr>
+          </a:p>
+        </p:txBody>
+      </p:sp>
+      <p:sp>
+        <p:nvSpPr>
+          <p:cNvPr id="13" name="テキスト ボックス 12">
+            <a:extLst>
+              <a:ext uri="{FF2B5EF4-FFF2-40B4-BE49-F238E27FC236}">
+                <a16:creationId xmlns:a16="http://schemas.microsoft.com/office/drawing/2014/main" id="{D0B5A9C9-8A0D-D6CC-31D0-EE2418FE6277}"/>
+              </a:ext>
+            </a:extLst>
+          </p:cNvPr>
+          <p:cNvSpPr txBox="1"/>
+          <p:nvPr/>
+        </p:nvSpPr>
+        <p:spPr>
+          <a:xfrm>
+            <a:off x="2512175" y="1013419"/>
+            <a:ext cx="675313" cy="224677"/>
+          </a:xfrm>
+          <a:prstGeom prst="rect">
+            <a:avLst/>
+          </a:prstGeom>
+          <a:noFill/>
+        </p:spPr>
+        <p:txBody>
+          <a:bodyPr wrap="square" rtlCol="0">
+            <a:spAutoFit/>
+          </a:bodyPr>
+          <a:lstStyle/>
+          <a:p>
+            <a:pPr algn="r"/>
+            <a:r>
+              <a:rPr lang="en-US" altLang="ja-JP" sz="860" dirty="0">
+                <a:latin typeface="メイリオ" panose="020B0604030504040204" pitchFamily="50" charset="-128"/>
+                <a:ea typeface="メイリオ" panose="020B0604030504040204" pitchFamily="50" charset="-128"/>
+              </a:rPr>
+              <a:t>Akihiro</a:t>
+            </a:r>
+            <a:endParaRPr lang="ja-JP" altLang="en-US" sz="860" dirty="0">
+              <a:latin typeface="メイリオ" panose="020B0604030504040204" pitchFamily="50" charset="-128"/>
+              <a:ea typeface="メイリオ" panose="020B0604030504040204" pitchFamily="50" charset="-128"/>
+            </a:endParaRPr>
+          </a:p>
+        </p:txBody>
+      </p:sp>
+      <p:pic>
+        <p:nvPicPr>
+          <p:cNvPr id="8" name="図 7" descr="アイコン&#10;&#10;自動的に生成された説明">
+            <a:extLst>
+              <a:ext uri="{FF2B5EF4-FFF2-40B4-BE49-F238E27FC236}">
+                <a16:creationId xmlns:a16="http://schemas.microsoft.com/office/drawing/2014/main" id="{F33225BE-B4EE-4B27-027C-D32C5CF1CD2D}"/>
+              </a:ext>
+            </a:extLst>
+          </p:cNvPr>
+          <p:cNvPicPr>
+            <a:picLocks noChangeAspect="1"/>
+          </p:cNvPicPr>
+          <p:nvPr/>
+        </p:nvPicPr>
+        <p:blipFill>
+          <a:blip r:embed="rId3">
+            <a:extLst>
+              <a:ext uri="{28A0092B-C50C-407E-A947-70E740481C1C}">
+                <a14:useLocalDpi xmlns:a14="http://schemas.microsoft.com/office/drawing/2010/main" val="0"/>
+              </a:ext>
+            </a:extLst>
+          </a:blip>
+          <a:stretch>
+            <a:fillRect/>
+          </a:stretch>
+        </p:blipFill>
+        <p:spPr>
+          <a:xfrm>
+            <a:off x="172911" y="163027"/>
+            <a:ext cx="713947" cy="713947"/>
+          </a:xfrm>
+          <a:prstGeom prst="rect">
+            <a:avLst/>
+          </a:prstGeom>
+        </p:spPr>
+      </p:pic>
+      <p:sp>
+        <p:nvSpPr>
+          <p:cNvPr id="4" name="テキスト ボックス 3">
+            <a:extLst>
+              <a:ext uri="{FF2B5EF4-FFF2-40B4-BE49-F238E27FC236}">
+                <a16:creationId xmlns:a16="http://schemas.microsoft.com/office/drawing/2014/main" id="{D38A0303-7635-C955-FFB5-213ECABE0792}"/>
+              </a:ext>
+            </a:extLst>
+          </p:cNvPr>
+          <p:cNvSpPr txBox="1"/>
+          <p:nvPr/>
+        </p:nvSpPr>
+        <p:spPr>
+          <a:xfrm>
+            <a:off x="1536192" y="1472153"/>
+            <a:ext cx="1667867" cy="446276"/>
+          </a:xfrm>
+          <a:prstGeom prst="rect">
+            <a:avLst/>
+          </a:prstGeom>
+          <a:noFill/>
+        </p:spPr>
+        <p:txBody>
+          <a:bodyPr wrap="square" rtlCol="0">
+            <a:spAutoFit/>
+          </a:bodyPr>
+          <a:lstStyle/>
+          <a:p>
+            <a:pPr algn="r">
+              <a:spcAft>
+                <a:spcPts val="300"/>
+              </a:spcAft>
+            </a:pPr>
+            <a:r>
+              <a:rPr kumimoji="1" lang="ja-JP" altLang="en-US" sz="600" dirty="0">
+                <a:latin typeface="メイリオ" panose="020B0604030504040204" pitchFamily="50" charset="-128"/>
+                <a:ea typeface="メイリオ" panose="020B0604030504040204" pitchFamily="50" charset="-128"/>
+              </a:rPr>
+              <a:t>システム工学研究科　視覚メディア研究室</a:t>
+            </a:r>
+            <a:endParaRPr kumimoji="1" lang="en-US" altLang="ja-JP" sz="100" dirty="0">
+              <a:latin typeface="メイリオ" panose="020B0604030504040204" pitchFamily="50" charset="-128"/>
+              <a:ea typeface="メイリオ" panose="020B0604030504040204" pitchFamily="50" charset="-128"/>
+            </a:endParaRPr>
+          </a:p>
+          <a:p>
+            <a:pPr algn="r">
+              <a:spcAft>
+                <a:spcPts val="300"/>
+              </a:spcAft>
+            </a:pPr>
+            <a:r>
+              <a:rPr lang="en-US" altLang="ja-JP" sz="600" dirty="0">
+                <a:latin typeface="メイリオ" panose="020B0604030504040204" pitchFamily="50" charset="-128"/>
+                <a:ea typeface="メイリオ" panose="020B0604030504040204" pitchFamily="50" charset="-128"/>
+                <a:hlinkClick r:id="rId4"/>
+              </a:rPr>
+              <a:t>001016261vista@gmail.com</a:t>
+            </a:r>
+            <a:endParaRPr lang="en-US" altLang="ja-JP" sz="100" dirty="0">
+              <a:latin typeface="メイリオ" panose="020B0604030504040204" pitchFamily="50" charset="-128"/>
+              <a:ea typeface="メイリオ" panose="020B0604030504040204" pitchFamily="50" charset="-128"/>
+            </a:endParaRPr>
+          </a:p>
+          <a:p>
+            <a:pPr algn="r">
+              <a:spcAft>
+                <a:spcPts val="300"/>
+              </a:spcAft>
+            </a:pPr>
+            <a:r>
+              <a:rPr lang="en-US" altLang="ja-JP" sz="600" dirty="0">
+                <a:latin typeface="メイリオ" panose="020B0604030504040204" pitchFamily="50" charset="-128"/>
+                <a:ea typeface="メイリオ" panose="020B0604030504040204" pitchFamily="50" charset="-128"/>
+              </a:rPr>
+              <a:t>080-8342-4385</a:t>
+            </a:r>
+          </a:p>
+        </p:txBody>
+      </p:sp>
+    </p:spTree>
+    <p:extLst>
+      <p:ext uri="{BB962C8B-B14F-4D97-AF65-F5344CB8AC3E}">
+        <p14:creationId xmlns:p14="http://schemas.microsoft.com/office/powerpoint/2010/main" val="1858674232"/>
+      </p:ext>
+    </p:extLst>
+  </p:cSld>
+  <p:clrMapOvr>
+    <a:masterClrMapping/>
+  </p:clrMapOvr>
+</p:sld>
+</file>
+
+<file path=ppt/slides/slide6.xml><?xml version="1.0" encoding="utf-8"?>
+<p:sld xmlns:a="http://schemas.openxmlformats.org/drawingml/2006/main" xmlns:r="http://schemas.openxmlformats.org/officeDocument/2006/relationships" xmlns:p="http://schemas.openxmlformats.org/presentationml/2006/main">
+  <p:cSld>
+    <p:bg>
+      <p:bgPr>
+        <a:solidFill>
+          <a:schemeClr val="bg1">
+            <a:lumMod val="95000"/>
+          </a:schemeClr>
+        </a:solidFill>
+        <a:effectLst/>
+      </p:bgPr>
+    </p:bg>
+    <p:spTree>
+      <p:nvGrpSpPr>
+        <p:cNvPr id="1" name=""/>
+        <p:cNvGrpSpPr/>
+        <p:nvPr/>
+      </p:nvGrpSpPr>
+      <p:grpSpPr>
+        <a:xfrm>
+          <a:off x="0" y="0"/>
+          <a:ext cx="0" cy="0"/>
+          <a:chOff x="0" y="0"/>
+          <a:chExt cx="0" cy="0"/>
+        </a:xfrm>
+      </p:grpSpPr>
+      <p:sp>
+        <p:nvSpPr>
+          <p:cNvPr id="7" name="テキスト ボックス 6">
+            <a:extLst>
+              <a:ext uri="{FF2B5EF4-FFF2-40B4-BE49-F238E27FC236}">
+                <a16:creationId xmlns:a16="http://schemas.microsoft.com/office/drawing/2014/main" id="{5F44C5E4-799B-185C-A91A-AA0E96E2591F}"/>
+              </a:ext>
+            </a:extLst>
+          </p:cNvPr>
+          <p:cNvSpPr txBox="1"/>
+          <p:nvPr/>
+        </p:nvSpPr>
+        <p:spPr>
+          <a:xfrm>
+            <a:off x="1229510" y="614908"/>
+            <a:ext cx="2039816" cy="523220"/>
+          </a:xfrm>
+          <a:prstGeom prst="rect">
+            <a:avLst/>
+          </a:prstGeom>
+          <a:noFill/>
+        </p:spPr>
+        <p:txBody>
+          <a:bodyPr wrap="square">
+            <a:spAutoFit/>
+          </a:bodyPr>
+          <a:lstStyle/>
+          <a:p>
+            <a:r>
+              <a:rPr lang="ja-JP" altLang="en-US" sz="2800" dirty="0">
+                <a:ea typeface="游ゴシック Medium" panose="020B0500000000000000" pitchFamily="50" charset="-128"/>
+              </a:rPr>
+              <a:t>野戸　彰大</a:t>
+            </a:r>
+          </a:p>
+        </p:txBody>
+      </p:sp>
+      <p:sp>
+        <p:nvSpPr>
+          <p:cNvPr id="9" name="テキスト ボックス 8">
+            <a:extLst>
+              <a:ext uri="{FF2B5EF4-FFF2-40B4-BE49-F238E27FC236}">
+                <a16:creationId xmlns:a16="http://schemas.microsoft.com/office/drawing/2014/main" id="{0D83257E-EE62-45BD-5299-40630CBBC3D2}"/>
+              </a:ext>
+            </a:extLst>
+          </p:cNvPr>
+          <p:cNvSpPr txBox="1"/>
+          <p:nvPr/>
+        </p:nvSpPr>
+        <p:spPr>
+          <a:xfrm>
+            <a:off x="1663054" y="130338"/>
+            <a:ext cx="1505541" cy="290849"/>
+          </a:xfrm>
+          <a:prstGeom prst="rect">
+            <a:avLst/>
+          </a:prstGeom>
+          <a:noFill/>
+        </p:spPr>
+        <p:txBody>
+          <a:bodyPr wrap="square" rtlCol="0">
+            <a:spAutoFit/>
+          </a:bodyPr>
+          <a:lstStyle/>
+          <a:p>
+            <a:pPr algn="r"/>
+            <a:r>
+              <a:rPr lang="ja-JP" altLang="en-US" sz="1290" dirty="0">
+                <a:solidFill>
+                  <a:schemeClr val="tx1">
+                    <a:lumMod val="95000"/>
+                    <a:lumOff val="5000"/>
+                  </a:schemeClr>
+                </a:solidFill>
+                <a:latin typeface="メイリオ" panose="020B0604030504040204" pitchFamily="50" charset="-128"/>
+                <a:ea typeface="メイリオ" panose="020B0604030504040204" pitchFamily="50" charset="-128"/>
+              </a:rPr>
+              <a:t>和歌山大学大学院</a:t>
+            </a:r>
+            <a:endParaRPr lang="en-US" altLang="ja-JP" sz="1290" dirty="0">
+              <a:solidFill>
+                <a:schemeClr val="tx1">
+                  <a:lumMod val="95000"/>
+                  <a:lumOff val="5000"/>
+                </a:schemeClr>
+              </a:solidFill>
+              <a:latin typeface="メイリオ" panose="020B0604030504040204" pitchFamily="50" charset="-128"/>
+              <a:ea typeface="メイリオ" panose="020B0604030504040204" pitchFamily="50" charset="-128"/>
+            </a:endParaRPr>
+          </a:p>
+        </p:txBody>
+      </p:sp>
+      <p:pic>
+        <p:nvPicPr>
+          <p:cNvPr id="8" name="図 7" descr="アイコン&#10;&#10;自動的に生成された説明">
+            <a:extLst>
+              <a:ext uri="{FF2B5EF4-FFF2-40B4-BE49-F238E27FC236}">
+                <a16:creationId xmlns:a16="http://schemas.microsoft.com/office/drawing/2014/main" id="{F33225BE-B4EE-4B27-027C-D32C5CF1CD2D}"/>
+              </a:ext>
+            </a:extLst>
+          </p:cNvPr>
+          <p:cNvPicPr>
+            <a:picLocks noChangeAspect="1"/>
+          </p:cNvPicPr>
+          <p:nvPr/>
+        </p:nvPicPr>
+        <p:blipFill>
+          <a:blip r:embed="rId3">
+            <a:extLst>
+              <a:ext uri="{28A0092B-C50C-407E-A947-70E740481C1C}">
+                <a14:useLocalDpi xmlns:a14="http://schemas.microsoft.com/office/drawing/2010/main" val="0"/>
+              </a:ext>
+            </a:extLst>
+          </a:blip>
+          <a:stretch>
+            <a:fillRect/>
+          </a:stretch>
+        </p:blipFill>
+        <p:spPr>
+          <a:xfrm>
+            <a:off x="172911" y="163027"/>
+            <a:ext cx="713947" cy="713947"/>
+          </a:xfrm>
+          <a:prstGeom prst="rect">
+            <a:avLst/>
+          </a:prstGeom>
+        </p:spPr>
+      </p:pic>
+      <p:sp>
+        <p:nvSpPr>
+          <p:cNvPr id="4" name="テキスト ボックス 3">
+            <a:extLst>
+              <a:ext uri="{FF2B5EF4-FFF2-40B4-BE49-F238E27FC236}">
+                <a16:creationId xmlns:a16="http://schemas.microsoft.com/office/drawing/2014/main" id="{D38A0303-7635-C955-FFB5-213ECABE0792}"/>
+              </a:ext>
+            </a:extLst>
+          </p:cNvPr>
+          <p:cNvSpPr txBox="1"/>
+          <p:nvPr/>
+        </p:nvSpPr>
+        <p:spPr>
+          <a:xfrm>
+            <a:off x="996824" y="1378345"/>
+            <a:ext cx="2190664" cy="538609"/>
+          </a:xfrm>
+          <a:prstGeom prst="rect">
+            <a:avLst/>
+          </a:prstGeom>
+          <a:noFill/>
+        </p:spPr>
+        <p:txBody>
+          <a:bodyPr wrap="square" rtlCol="0">
+            <a:spAutoFit/>
+          </a:bodyPr>
+          <a:lstStyle/>
+          <a:p>
+            <a:pPr algn="r">
+              <a:spcAft>
+                <a:spcPts val="300"/>
+              </a:spcAft>
+            </a:pPr>
+            <a:r>
+              <a:rPr kumimoji="1" lang="ja-JP" altLang="en-US" sz="800" dirty="0">
+                <a:latin typeface="メイリオ" panose="020B0604030504040204" pitchFamily="50" charset="-128"/>
+                <a:ea typeface="メイリオ" panose="020B0604030504040204" pitchFamily="50" charset="-128"/>
+              </a:rPr>
+              <a:t>システム工学研究科　視覚メディア研究室</a:t>
+            </a:r>
+            <a:endParaRPr kumimoji="1" lang="en-US" altLang="ja-JP" sz="800" dirty="0">
+              <a:latin typeface="メイリオ" panose="020B0604030504040204" pitchFamily="50" charset="-128"/>
+              <a:ea typeface="メイリオ" panose="020B0604030504040204" pitchFamily="50" charset="-128"/>
+            </a:endParaRPr>
+          </a:p>
+          <a:p>
+            <a:pPr algn="r">
+              <a:spcAft>
+                <a:spcPts val="300"/>
+              </a:spcAft>
+            </a:pPr>
+            <a:r>
+              <a:rPr lang="en-US" altLang="ja-JP" sz="800" dirty="0">
+                <a:latin typeface="メイリオ" panose="020B0604030504040204" pitchFamily="50" charset="-128"/>
+                <a:ea typeface="メイリオ" panose="020B0604030504040204" pitchFamily="50" charset="-128"/>
+                <a:hlinkClick r:id="rId4"/>
+              </a:rPr>
+              <a:t>001016261vista@gmail.com</a:t>
+            </a:r>
+            <a:endParaRPr lang="en-US" altLang="ja-JP" sz="800" dirty="0">
+              <a:latin typeface="メイリオ" panose="020B0604030504040204" pitchFamily="50" charset="-128"/>
+              <a:ea typeface="メイリオ" panose="020B0604030504040204" pitchFamily="50" charset="-128"/>
+            </a:endParaRPr>
+          </a:p>
+          <a:p>
+            <a:pPr algn="r">
+              <a:spcAft>
+                <a:spcPts val="300"/>
+              </a:spcAft>
+            </a:pPr>
+            <a:r>
+              <a:rPr lang="en-US" altLang="ja-JP" sz="800" dirty="0">
+                <a:latin typeface="メイリオ" panose="020B0604030504040204" pitchFamily="50" charset="-128"/>
+                <a:ea typeface="メイリオ" panose="020B0604030504040204" pitchFamily="50" charset="-128"/>
+              </a:rPr>
+              <a:t>080-8342-4385</a:t>
+            </a:r>
+          </a:p>
+        </p:txBody>
+      </p:sp>
+      <p:sp>
+        <p:nvSpPr>
+          <p:cNvPr id="2" name="テキスト ボックス 1">
+            <a:extLst>
+              <a:ext uri="{FF2B5EF4-FFF2-40B4-BE49-F238E27FC236}">
+                <a16:creationId xmlns:a16="http://schemas.microsoft.com/office/drawing/2014/main" id="{7DB6353E-8D9F-2B81-9D2E-5D7080849507}"/>
+              </a:ext>
+            </a:extLst>
+          </p:cNvPr>
+          <p:cNvSpPr txBox="1"/>
+          <p:nvPr/>
+        </p:nvSpPr>
+        <p:spPr>
+          <a:xfrm>
+            <a:off x="2289908" y="1043217"/>
+            <a:ext cx="458905" cy="230832"/>
+          </a:xfrm>
+          <a:prstGeom prst="rect">
+            <a:avLst/>
+          </a:prstGeom>
+          <a:noFill/>
+        </p:spPr>
+        <p:txBody>
+          <a:bodyPr wrap="square" rtlCol="0">
+            <a:spAutoFit/>
+          </a:bodyPr>
+          <a:lstStyle/>
+          <a:p>
+            <a:pPr algn="r"/>
+            <a:r>
+              <a:rPr lang="en-US" altLang="ja-JP" sz="900" dirty="0">
+                <a:latin typeface="メイリオ" panose="020B0604030504040204" pitchFamily="50" charset="-128"/>
+                <a:ea typeface="メイリオ" panose="020B0604030504040204" pitchFamily="50" charset="-128"/>
+              </a:rPr>
+              <a:t>Noto</a:t>
+            </a:r>
+            <a:endParaRPr lang="ja-JP" altLang="en-US" sz="900" dirty="0">
+              <a:latin typeface="メイリオ" panose="020B0604030504040204" pitchFamily="50" charset="-128"/>
+              <a:ea typeface="メイリオ" panose="020B0604030504040204" pitchFamily="50" charset="-128"/>
+            </a:endParaRPr>
+          </a:p>
+        </p:txBody>
+      </p:sp>
+      <p:sp>
+        <p:nvSpPr>
+          <p:cNvPr id="3" name="テキスト ボックス 2">
+            <a:extLst>
+              <a:ext uri="{FF2B5EF4-FFF2-40B4-BE49-F238E27FC236}">
+                <a16:creationId xmlns:a16="http://schemas.microsoft.com/office/drawing/2014/main" id="{7077D616-672A-AC75-8FC7-3CDD11AB3089}"/>
+              </a:ext>
+            </a:extLst>
+          </p:cNvPr>
+          <p:cNvSpPr txBox="1"/>
+          <p:nvPr/>
+        </p:nvSpPr>
+        <p:spPr>
+          <a:xfrm>
+            <a:off x="2597227" y="1044170"/>
+            <a:ext cx="590261" cy="230832"/>
+          </a:xfrm>
+          <a:prstGeom prst="rect">
+            <a:avLst/>
+          </a:prstGeom>
+          <a:noFill/>
+        </p:spPr>
+        <p:txBody>
+          <a:bodyPr wrap="square" rtlCol="0">
+            <a:spAutoFit/>
+          </a:bodyPr>
+          <a:lstStyle/>
+          <a:p>
+            <a:pPr algn="r"/>
+            <a:r>
+              <a:rPr lang="en-US" altLang="ja-JP" sz="900" dirty="0">
+                <a:latin typeface="メイリオ" panose="020B0604030504040204" pitchFamily="50" charset="-128"/>
+                <a:ea typeface="メイリオ" panose="020B0604030504040204" pitchFamily="50" charset="-128"/>
+              </a:rPr>
+              <a:t>Akihiro</a:t>
+            </a:r>
+            <a:endParaRPr lang="ja-JP" altLang="en-US" sz="900" dirty="0">
+              <a:latin typeface="メイリオ" panose="020B0604030504040204" pitchFamily="50" charset="-128"/>
+              <a:ea typeface="メイリオ" panose="020B0604030504040204" pitchFamily="50" charset="-128"/>
+            </a:endParaRPr>
+          </a:p>
+        </p:txBody>
+      </p:sp>
+    </p:spTree>
+    <p:extLst>
+      <p:ext uri="{BB962C8B-B14F-4D97-AF65-F5344CB8AC3E}">
+        <p14:creationId xmlns:p14="http://schemas.microsoft.com/office/powerpoint/2010/main" val="3598683651"/>
+      </p:ext>
+    </p:extLst>
+  </p:cSld>
+  <p:clrMapOvr>
+    <a:masterClrMapping/>
+  </p:clrMapOvr>
+</p:sld>
+</file>
+
+<file path=ppt/slides/slide7.xml><?xml version="1.0" encoding="utf-8"?>
+<p:sld xmlns:a="http://schemas.openxmlformats.org/drawingml/2006/main" xmlns:r="http://schemas.openxmlformats.org/officeDocument/2006/relationships" xmlns:p="http://schemas.openxmlformats.org/presentationml/2006/main">
+  <p:cSld>
+    <p:spTree>
+      <p:nvGrpSpPr>
+        <p:cNvPr id="1" name=""/>
+        <p:cNvGrpSpPr/>
+        <p:nvPr/>
+      </p:nvGrpSpPr>
+      <p:grpSpPr>
+        <a:xfrm>
+          <a:off x="0" y="0"/>
+          <a:ext cx="0" cy="0"/>
+          <a:chOff x="0" y="0"/>
+          <a:chExt cx="0" cy="0"/>
+        </a:xfrm>
+      </p:grpSpPr>
+      <p:sp>
+        <p:nvSpPr>
+          <p:cNvPr id="4" name="正方形/長方形 3">
+            <a:extLst>
+              <a:ext uri="{FF2B5EF4-FFF2-40B4-BE49-F238E27FC236}">
+                <a16:creationId xmlns:a16="http://schemas.microsoft.com/office/drawing/2014/main" id="{F6DCB58F-157A-2C22-AA24-5B9BD6AB88E6}"/>
+              </a:ext>
+            </a:extLst>
+          </p:cNvPr>
+          <p:cNvSpPr/>
+          <p:nvPr/>
+        </p:nvSpPr>
+        <p:spPr>
+          <a:xfrm>
+            <a:off x="0" y="68262"/>
+            <a:ext cx="3276600" cy="510577"/>
+          </a:xfrm>
+          <a:prstGeom prst="rect">
+            <a:avLst/>
+          </a:prstGeom>
+          <a:gradFill>
+            <a:gsLst>
+              <a:gs pos="37000">
+                <a:srgbClr val="CDE6C8"/>
+              </a:gs>
+              <a:gs pos="0">
+                <a:srgbClr val="E2F1DA"/>
+              </a:gs>
+              <a:gs pos="100000">
+                <a:srgbClr val="E7F3DE"/>
+              </a:gs>
+              <a:gs pos="55000">
+                <a:srgbClr val="CDE6C8"/>
+              </a:gs>
+            </a:gsLst>
+            <a:lin ang="5400000" scaled="1"/>
+          </a:gradFill>
+          <a:ln>
+            <a:noFill/>
+          </a:ln>
+        </p:spPr>
+        <p:style>
+          <a:lnRef idx="2">
+            <a:schemeClr val="accent1">
+              <a:shade val="50000"/>
+            </a:schemeClr>
+          </a:lnRef>
+          <a:fillRef idx="1">
+            <a:schemeClr val="accent1"/>
+          </a:fillRef>
+          <a:effectRef idx="0">
+            <a:schemeClr val="accent1"/>
+          </a:effectRef>
+          <a:fontRef idx="minor">
+            <a:schemeClr val="lt1"/>
+          </a:fontRef>
+        </p:style>
+        <p:txBody>
+          <a:bodyPr rtlCol="0" anchor="ctr"/>
+          <a:lstStyle/>
+          <a:p>
+            <a:pPr algn="ctr"/>
+            <a:endParaRPr lang="ja-JP" altLang="en-US" sz="134"/>
+          </a:p>
+        </p:txBody>
+      </p:sp>
+      <p:pic>
+        <p:nvPicPr>
+          <p:cNvPr id="3" name="図 2" descr="背景パターン&#10;&#10;自動的に生成された説明">
+            <a:extLst>
+              <a:ext uri="{FF2B5EF4-FFF2-40B4-BE49-F238E27FC236}">
+                <a16:creationId xmlns:a16="http://schemas.microsoft.com/office/drawing/2014/main" id="{724D4B48-94D9-E695-B813-3A73548D2557}"/>
+              </a:ext>
+            </a:extLst>
+          </p:cNvPr>
+          <p:cNvPicPr>
+            <a:picLocks noChangeAspect="1"/>
+          </p:cNvPicPr>
+          <p:nvPr/>
+        </p:nvPicPr>
+        <p:blipFill rotWithShape="1">
+          <a:blip r:embed="rId2">
+            <a:extLst>
+              <a:ext uri="{28A0092B-C50C-407E-A947-70E740481C1C}">
+                <a14:useLocalDpi xmlns:a14="http://schemas.microsoft.com/office/drawing/2010/main" val="0"/>
+              </a:ext>
+            </a:extLst>
+          </a:blip>
+          <a:srcRect l="70495" t="68591" r="1944" b="6910"/>
+          <a:stretch/>
+        </p:blipFill>
+        <p:spPr>
+          <a:xfrm>
+            <a:off x="38501" y="97489"/>
+            <a:ext cx="904246" cy="452124"/>
+          </a:xfrm>
+          <a:prstGeom prst="rect">
+            <a:avLst/>
+          </a:prstGeom>
+        </p:spPr>
+      </p:pic>
+      <p:sp>
+        <p:nvSpPr>
+          <p:cNvPr id="7" name="テキスト ボックス 6">
+            <a:extLst>
+              <a:ext uri="{FF2B5EF4-FFF2-40B4-BE49-F238E27FC236}">
+                <a16:creationId xmlns:a16="http://schemas.microsoft.com/office/drawing/2014/main" id="{473CA923-C76E-8882-3BED-E7CD8E4AC133}"/>
+              </a:ext>
+            </a:extLst>
+          </p:cNvPr>
+          <p:cNvSpPr txBox="1"/>
+          <p:nvPr/>
+        </p:nvSpPr>
+        <p:spPr>
+          <a:xfrm>
+            <a:off x="1650323" y="185641"/>
+            <a:ext cx="1505541" cy="290849"/>
+          </a:xfrm>
+          <a:prstGeom prst="rect">
+            <a:avLst/>
+          </a:prstGeom>
+          <a:noFill/>
+        </p:spPr>
+        <p:txBody>
+          <a:bodyPr wrap="none" rtlCol="0">
+            <a:spAutoFit/>
+          </a:bodyPr>
+          <a:lstStyle/>
+          <a:p>
+            <a:pPr algn="r"/>
+            <a:r>
+              <a:rPr lang="ja-JP" altLang="en-US" sz="1290" dirty="0">
+                <a:solidFill>
+                  <a:schemeClr val="tx1">
+                    <a:lumMod val="95000"/>
+                    <a:lumOff val="5000"/>
+                  </a:schemeClr>
+                </a:solidFill>
+              </a:rPr>
+              <a:t>和歌山大学大学院</a:t>
+            </a:r>
+            <a:endParaRPr lang="en-US" altLang="ja-JP" sz="1290" dirty="0">
+              <a:solidFill>
+                <a:schemeClr val="tx1">
+                  <a:lumMod val="95000"/>
+                  <a:lumOff val="5000"/>
+                </a:schemeClr>
+              </a:solidFill>
+            </a:endParaRPr>
+          </a:p>
+        </p:txBody>
+      </p:sp>
+      <p:sp>
+        <p:nvSpPr>
+          <p:cNvPr id="8" name="テキスト ボックス 7">
+            <a:extLst>
+              <a:ext uri="{FF2B5EF4-FFF2-40B4-BE49-F238E27FC236}">
+                <a16:creationId xmlns:a16="http://schemas.microsoft.com/office/drawing/2014/main" id="{C1320536-D1AC-D020-2595-F0D91AF3C051}"/>
+              </a:ext>
+            </a:extLst>
+          </p:cNvPr>
+          <p:cNvSpPr txBox="1"/>
+          <p:nvPr/>
+        </p:nvSpPr>
+        <p:spPr>
+          <a:xfrm>
+            <a:off x="143152" y="778883"/>
+            <a:ext cx="1784037" cy="886397"/>
+          </a:xfrm>
+          <a:prstGeom prst="rect">
+            <a:avLst/>
+          </a:prstGeom>
+          <a:noFill/>
+        </p:spPr>
+        <p:txBody>
+          <a:bodyPr wrap="square">
+            <a:spAutoFit/>
+          </a:bodyPr>
+          <a:lstStyle/>
+          <a:p>
+            <a:r>
+              <a:rPr lang="ja-JP" altLang="en-US" sz="2580" dirty="0">
+                <a:latin typeface="+mj-lt"/>
+              </a:rPr>
+              <a:t>野戸　彰大</a:t>
+            </a:r>
+          </a:p>
+        </p:txBody>
+      </p:sp>
+      <p:pic>
+        <p:nvPicPr>
+          <p:cNvPr id="9" name="図 8" descr="ロゴ, 会社名&#10;&#10;自動的に生成された説明">
+            <a:extLst>
+              <a:ext uri="{FF2B5EF4-FFF2-40B4-BE49-F238E27FC236}">
+                <a16:creationId xmlns:a16="http://schemas.microsoft.com/office/drawing/2014/main" id="{4F409781-2B06-0FBF-0C28-E829167FAA2C}"/>
+              </a:ext>
+            </a:extLst>
+          </p:cNvPr>
+          <p:cNvPicPr>
+            <a:picLocks noChangeAspect="1"/>
+          </p:cNvPicPr>
+          <p:nvPr/>
+        </p:nvPicPr>
+        <p:blipFill>
+          <a:blip r:embed="rId3">
+            <a:extLst>
+              <a:ext uri="{28A0092B-C50C-407E-A947-70E740481C1C}">
+                <a14:useLocalDpi xmlns:a14="http://schemas.microsoft.com/office/drawing/2010/main" val="0"/>
+              </a:ext>
+            </a:extLst>
+          </a:blip>
+          <a:stretch>
+            <a:fillRect/>
+          </a:stretch>
+        </p:blipFill>
+        <p:spPr>
+          <a:xfrm>
+            <a:off x="143152" y="1429206"/>
+            <a:ext cx="406395" cy="406395"/>
+          </a:xfrm>
+          <a:prstGeom prst="rect">
+            <a:avLst/>
+          </a:prstGeom>
+        </p:spPr>
+      </p:pic>
+      <p:sp>
+        <p:nvSpPr>
+          <p:cNvPr id="10" name="テキスト ボックス 9">
+            <a:extLst>
+              <a:ext uri="{FF2B5EF4-FFF2-40B4-BE49-F238E27FC236}">
+                <a16:creationId xmlns:a16="http://schemas.microsoft.com/office/drawing/2014/main" id="{BB92C9F9-07F9-2D8F-8A5F-0370FDC16A65}"/>
+              </a:ext>
+            </a:extLst>
+          </p:cNvPr>
+          <p:cNvSpPr txBox="1"/>
+          <p:nvPr/>
+        </p:nvSpPr>
+        <p:spPr>
+          <a:xfrm>
+            <a:off x="161638" y="1150983"/>
+            <a:ext cx="328987" cy="357021"/>
+          </a:xfrm>
+          <a:prstGeom prst="rect">
+            <a:avLst/>
+          </a:prstGeom>
+          <a:noFill/>
+        </p:spPr>
+        <p:txBody>
+          <a:bodyPr wrap="square" rtlCol="0">
+            <a:spAutoFit/>
+          </a:bodyPr>
+          <a:lstStyle/>
+          <a:p>
+            <a:r>
+              <a:rPr lang="en-US" altLang="ja-JP" sz="860" dirty="0"/>
+              <a:t>Noto</a:t>
+            </a:r>
+            <a:endParaRPr lang="ja-JP" altLang="en-US" sz="860" dirty="0"/>
+          </a:p>
+        </p:txBody>
+      </p:sp>
+      <p:sp>
+        <p:nvSpPr>
+          <p:cNvPr id="11" name="テキスト ボックス 10">
+            <a:extLst>
+              <a:ext uri="{FF2B5EF4-FFF2-40B4-BE49-F238E27FC236}">
+                <a16:creationId xmlns:a16="http://schemas.microsoft.com/office/drawing/2014/main" id="{4752337D-B89E-277F-7FBE-F66DF5858606}"/>
+              </a:ext>
+            </a:extLst>
+          </p:cNvPr>
+          <p:cNvSpPr txBox="1"/>
+          <p:nvPr/>
+        </p:nvSpPr>
+        <p:spPr>
+          <a:xfrm>
+            <a:off x="1164504" y="1150207"/>
+            <a:ext cx="406395" cy="357021"/>
+          </a:xfrm>
+          <a:prstGeom prst="rect">
+            <a:avLst/>
+          </a:prstGeom>
+          <a:noFill/>
+        </p:spPr>
+        <p:txBody>
+          <a:bodyPr wrap="square" rtlCol="0">
+            <a:spAutoFit/>
+          </a:bodyPr>
+          <a:lstStyle/>
+          <a:p>
+            <a:r>
+              <a:rPr lang="en-US" altLang="ja-JP" sz="860" dirty="0"/>
+              <a:t>Akihiro</a:t>
+            </a:r>
+            <a:endParaRPr lang="ja-JP" altLang="en-US" sz="860" dirty="0"/>
+          </a:p>
+        </p:txBody>
+      </p:sp>
+      <p:sp>
+        <p:nvSpPr>
+          <p:cNvPr id="12" name="字幕 2">
+            <a:extLst>
+              <a:ext uri="{FF2B5EF4-FFF2-40B4-BE49-F238E27FC236}">
+                <a16:creationId xmlns:a16="http://schemas.microsoft.com/office/drawing/2014/main" id="{5FFFA691-EEA1-BE2D-D9B0-3854BF2F6FC5}"/>
               </a:ext>
             </a:extLst>
           </p:cNvPr>
@@ -3906,8 +6720,8 @@
         </p:nvSpPr>
         <p:spPr>
           <a:xfrm>
-            <a:off x="4787034" y="5153487"/>
-            <a:ext cx="7069606" cy="1422657"/>
+            <a:off x="1286515" y="1453262"/>
+            <a:ext cx="1899957" cy="382339"/>
           </a:xfrm>
           <a:prstGeom prst="rect">
             <a:avLst/>
@@ -3915,7 +6729,7 @@
         </p:spPr>
         <p:txBody>
           <a:bodyPr>
-            <a:normAutofit lnSpcReduction="10000"/>
+            <a:normAutofit fontScale="25000" lnSpcReduction="20000"/>
           </a:bodyPr>
           <a:lstStyle>
             <a:lvl1pPr marL="228600" indent="-228600" algn="l" defTabSz="914400" rtl="0" eaLnBrk="1" latinLnBrk="0" hangingPunct="1">
@@ -4086,10 +6900,7 @@
               <a:buNone/>
             </a:pPr>
             <a:r>
-              <a:rPr lang="ja-JP" altLang="en-US" dirty="0">
-                <a:latin typeface="メイリオ" panose="020B0604030504040204" pitchFamily="50" charset="-128"/>
-                <a:ea typeface="メイリオ" panose="020B0604030504040204" pitchFamily="50" charset="-128"/>
-              </a:rPr>
+              <a:rPr lang="ja-JP" altLang="en-US" sz="753" dirty="0"/>
               <a:t>システム工学研究科　視覚メディア研究室</a:t>
             </a:r>
           </a:p>
@@ -4098,835 +6909,19 @@
               <a:buNone/>
             </a:pPr>
             <a:r>
-              <a:rPr lang="en-US" altLang="ja-JP" dirty="0">
-                <a:latin typeface="メイリオ" panose="020B0604030504040204" pitchFamily="50" charset="-128"/>
-                <a:ea typeface="メイリオ" panose="020B0604030504040204" pitchFamily="50" charset="-128"/>
-                <a:hlinkClick r:id="rId3"/>
+              <a:rPr lang="en-US" altLang="ja-JP" sz="753" dirty="0">
+                <a:hlinkClick r:id="rId4"/>
               </a:rPr>
               <a:t>001016261vista@gmail.com</a:t>
             </a:r>
-            <a:endParaRPr lang="en-US" altLang="ja-JP" dirty="0">
-              <a:latin typeface="メイリオ" panose="020B0604030504040204" pitchFamily="50" charset="-128"/>
-              <a:ea typeface="メイリオ" panose="020B0604030504040204" pitchFamily="50" charset="-128"/>
-            </a:endParaRPr>
+            <a:endParaRPr lang="en-US" altLang="ja-JP" sz="753" dirty="0"/>
           </a:p>
           <a:p>
             <a:pPr marL="0" indent="0" algn="r">
               <a:buNone/>
             </a:pPr>
             <a:r>
-              <a:rPr lang="en-US" altLang="ja-JP" dirty="0">
-                <a:latin typeface="メイリオ" panose="020B0604030504040204" pitchFamily="50" charset="-128"/>
-                <a:ea typeface="メイリオ" panose="020B0604030504040204" pitchFamily="50" charset="-128"/>
-              </a:rPr>
-              <a:t>080-8342-4385</a:t>
-            </a:r>
-          </a:p>
-        </p:txBody>
-      </p:sp>
-      <p:pic>
-        <p:nvPicPr>
-          <p:cNvPr id="16" name="図 15" descr="アイコン&#10;&#10;自動的に生成された説明">
-            <a:extLst>
-              <a:ext uri="{FF2B5EF4-FFF2-40B4-BE49-F238E27FC236}">
-                <a16:creationId xmlns:a16="http://schemas.microsoft.com/office/drawing/2014/main" id="{8B2464F3-4DD4-094C-FFF2-521BAA1BD722}"/>
-              </a:ext>
-            </a:extLst>
-          </p:cNvPr>
-          <p:cNvPicPr>
-            <a:picLocks noChangeAspect="1"/>
-          </p:cNvPicPr>
-          <p:nvPr/>
-        </p:nvPicPr>
-        <p:blipFill>
-          <a:blip r:embed="rId4">
-            <a:extLst>
-              <a:ext uri="{28A0092B-C50C-407E-A947-70E740481C1C}">
-                <a14:useLocalDpi xmlns:a14="http://schemas.microsoft.com/office/drawing/2010/main" val="0"/>
-              </a:ext>
-            </a:extLst>
-          </a:blip>
-          <a:stretch>
-            <a:fillRect/>
-          </a:stretch>
-        </p:blipFill>
-        <p:spPr>
-          <a:xfrm>
-            <a:off x="532660" y="142223"/>
-            <a:ext cx="1397187" cy="1397187"/>
-          </a:xfrm>
-          <a:prstGeom prst="rect">
-            <a:avLst/>
-          </a:prstGeom>
-          <a:ln>
-            <a:noFill/>
-          </a:ln>
-        </p:spPr>
-      </p:pic>
-      <p:sp>
-        <p:nvSpPr>
-          <p:cNvPr id="17" name="正方形/長方形 16">
-            <a:extLst>
-              <a:ext uri="{FF2B5EF4-FFF2-40B4-BE49-F238E27FC236}">
-                <a16:creationId xmlns:a16="http://schemas.microsoft.com/office/drawing/2014/main" id="{874F1469-5951-0841-BE37-DA870470E2D1}"/>
-              </a:ext>
-            </a:extLst>
-          </p:cNvPr>
-          <p:cNvSpPr/>
-          <p:nvPr/>
-        </p:nvSpPr>
-        <p:spPr>
-          <a:xfrm>
-            <a:off x="1189608" y="142223"/>
-            <a:ext cx="855219" cy="1397187"/>
-          </a:xfrm>
-          <a:prstGeom prst="rect">
-            <a:avLst/>
-          </a:prstGeom>
-          <a:solidFill>
-            <a:srgbClr val="005F9A"/>
-          </a:solidFill>
-          <a:ln>
-            <a:noFill/>
-          </a:ln>
-        </p:spPr>
-        <p:style>
-          <a:lnRef idx="2">
-            <a:schemeClr val="accent1">
-              <a:shade val="50000"/>
-            </a:schemeClr>
-          </a:lnRef>
-          <a:fillRef idx="1">
-            <a:schemeClr val="accent1"/>
-          </a:fillRef>
-          <a:effectRef idx="0">
-            <a:schemeClr val="accent1"/>
-          </a:effectRef>
-          <a:fontRef idx="minor">
-            <a:schemeClr val="lt1"/>
-          </a:fontRef>
-        </p:style>
-        <p:txBody>
-          <a:bodyPr rtlCol="0" anchor="ctr"/>
-          <a:lstStyle/>
-          <a:p>
-            <a:pPr algn="ctr"/>
-            <a:endParaRPr kumimoji="1" lang="ja-JP" altLang="en-US"/>
-          </a:p>
-        </p:txBody>
-      </p:sp>
-      <p:sp>
-        <p:nvSpPr>
-          <p:cNvPr id="18" name="正方形/長方形 17">
-            <a:extLst>
-              <a:ext uri="{FF2B5EF4-FFF2-40B4-BE49-F238E27FC236}">
-                <a16:creationId xmlns:a16="http://schemas.microsoft.com/office/drawing/2014/main" id="{82C57DAF-CB05-7BDC-C6AE-5B790E1F4DD9}"/>
-              </a:ext>
-            </a:extLst>
-          </p:cNvPr>
-          <p:cNvSpPr/>
-          <p:nvPr/>
-        </p:nvSpPr>
-        <p:spPr>
-          <a:xfrm>
-            <a:off x="178530" y="142223"/>
-            <a:ext cx="478299" cy="1397188"/>
-          </a:xfrm>
-          <a:prstGeom prst="rect">
-            <a:avLst/>
-          </a:prstGeom>
-          <a:solidFill>
-            <a:srgbClr val="005F9A"/>
-          </a:solidFill>
-          <a:ln>
-            <a:noFill/>
-          </a:ln>
-        </p:spPr>
-        <p:style>
-          <a:lnRef idx="2">
-            <a:schemeClr val="accent1">
-              <a:shade val="50000"/>
-            </a:schemeClr>
-          </a:lnRef>
-          <a:fillRef idx="1">
-            <a:schemeClr val="accent1"/>
-          </a:fillRef>
-          <a:effectRef idx="0">
-            <a:schemeClr val="accent1"/>
-          </a:effectRef>
-          <a:fontRef idx="minor">
-            <a:schemeClr val="lt1"/>
-          </a:fontRef>
-        </p:style>
-        <p:txBody>
-          <a:bodyPr rtlCol="0" anchor="ctr"/>
-          <a:lstStyle/>
-          <a:p>
-            <a:pPr algn="ctr"/>
-            <a:endParaRPr kumimoji="1" lang="ja-JP" altLang="en-US"/>
-          </a:p>
-        </p:txBody>
-      </p:sp>
-      <p:sp>
-        <p:nvSpPr>
-          <p:cNvPr id="2" name="正方形/長方形 1">
-            <a:extLst>
-              <a:ext uri="{FF2B5EF4-FFF2-40B4-BE49-F238E27FC236}">
-                <a16:creationId xmlns:a16="http://schemas.microsoft.com/office/drawing/2014/main" id="{E8F3C68C-1DBF-A85D-AA29-CFAC02A7402B}"/>
-              </a:ext>
-            </a:extLst>
-          </p:cNvPr>
-          <p:cNvSpPr/>
-          <p:nvPr/>
-        </p:nvSpPr>
-        <p:spPr>
-          <a:xfrm>
-            <a:off x="532659" y="5063976"/>
-            <a:ext cx="1512168" cy="1512168"/>
-          </a:xfrm>
-          <a:prstGeom prst="rect">
-            <a:avLst/>
-          </a:prstGeom>
-          <a:solidFill>
-            <a:schemeClr val="tx1">
-              <a:lumMod val="50000"/>
-              <a:lumOff val="50000"/>
-              <a:alpha val="10196"/>
-            </a:schemeClr>
-          </a:solidFill>
-          <a:ln>
-            <a:noFill/>
-          </a:ln>
-        </p:spPr>
-        <p:style>
-          <a:lnRef idx="2">
-            <a:schemeClr val="accent1">
-              <a:shade val="50000"/>
-            </a:schemeClr>
-          </a:lnRef>
-          <a:fillRef idx="1">
-            <a:schemeClr val="accent1"/>
-          </a:fillRef>
-          <a:effectRef idx="0">
-            <a:schemeClr val="accent1"/>
-          </a:effectRef>
-          <a:fontRef idx="minor">
-            <a:schemeClr val="lt1"/>
-          </a:fontRef>
-        </p:style>
-        <p:txBody>
-          <a:bodyPr rtlCol="0" anchor="ctr"/>
-          <a:lstStyle/>
-          <a:p>
-            <a:pPr algn="ctr"/>
-            <a:endParaRPr kumimoji="1" lang="ja-JP" altLang="en-US"/>
-          </a:p>
-        </p:txBody>
-      </p:sp>
-      <p:sp>
-        <p:nvSpPr>
-          <p:cNvPr id="3" name="正方形/長方形 2">
-            <a:extLst>
-              <a:ext uri="{FF2B5EF4-FFF2-40B4-BE49-F238E27FC236}">
-                <a16:creationId xmlns:a16="http://schemas.microsoft.com/office/drawing/2014/main" id="{7506AA1F-8A3B-3776-9FE7-238581D38DA2}"/>
-              </a:ext>
-            </a:extLst>
-          </p:cNvPr>
-          <p:cNvSpPr/>
-          <p:nvPr/>
-        </p:nvSpPr>
-        <p:spPr>
-          <a:xfrm>
-            <a:off x="656829" y="220212"/>
-            <a:ext cx="532780" cy="1217972"/>
-          </a:xfrm>
-          <a:prstGeom prst="rect">
-            <a:avLst/>
-          </a:prstGeom>
-          <a:solidFill>
-            <a:schemeClr val="tx1">
-              <a:lumMod val="75000"/>
-              <a:lumOff val="25000"/>
-              <a:alpha val="10196"/>
-            </a:schemeClr>
-          </a:solidFill>
-          <a:ln>
-            <a:noFill/>
-          </a:ln>
-        </p:spPr>
-        <p:style>
-          <a:lnRef idx="2">
-            <a:schemeClr val="accent1">
-              <a:shade val="50000"/>
-            </a:schemeClr>
-          </a:lnRef>
-          <a:fillRef idx="1">
-            <a:schemeClr val="accent1"/>
-          </a:fillRef>
-          <a:effectRef idx="0">
-            <a:schemeClr val="accent1"/>
-          </a:effectRef>
-          <a:fontRef idx="minor">
-            <a:schemeClr val="lt1"/>
-          </a:fontRef>
-        </p:style>
-        <p:txBody>
-          <a:bodyPr rtlCol="0" anchor="ctr"/>
-          <a:lstStyle/>
-          <a:p>
-            <a:pPr algn="ctr"/>
-            <a:endParaRPr kumimoji="1" lang="ja-JP" altLang="en-US"/>
-          </a:p>
-        </p:txBody>
-      </p:sp>
-    </p:spTree>
-    <p:extLst>
-      <p:ext uri="{BB962C8B-B14F-4D97-AF65-F5344CB8AC3E}">
-        <p14:creationId xmlns:p14="http://schemas.microsoft.com/office/powerpoint/2010/main" val="1967288638"/>
-      </p:ext>
-    </p:extLst>
-  </p:cSld>
-  <p:clrMapOvr>
-    <a:masterClrMapping/>
-  </p:clrMapOvr>
-</p:sld>
-</file>
-
-<file path=ppt/slides/slide2.xml><?xml version="1.0" encoding="utf-8"?>
-<p:sld xmlns:a="http://schemas.openxmlformats.org/drawingml/2006/main" xmlns:r="http://schemas.openxmlformats.org/officeDocument/2006/relationships" xmlns:p="http://schemas.openxmlformats.org/presentationml/2006/main">
-  <p:cSld>
-    <p:spTree>
-      <p:nvGrpSpPr>
-        <p:cNvPr id="1" name=""/>
-        <p:cNvGrpSpPr/>
-        <p:nvPr/>
-      </p:nvGrpSpPr>
-      <p:grpSpPr>
-        <a:xfrm>
-          <a:off x="0" y="0"/>
-          <a:ext cx="0" cy="0"/>
-          <a:chOff x="0" y="0"/>
-          <a:chExt cx="0" cy="0"/>
-        </a:xfrm>
-      </p:grpSpPr>
-      <p:sp>
-        <p:nvSpPr>
-          <p:cNvPr id="4" name="正方形/長方形 3">
-            <a:extLst>
-              <a:ext uri="{FF2B5EF4-FFF2-40B4-BE49-F238E27FC236}">
-                <a16:creationId xmlns:a16="http://schemas.microsoft.com/office/drawing/2014/main" id="{F6DCB58F-157A-2C22-AA24-5B9BD6AB88E6}"/>
-              </a:ext>
-            </a:extLst>
-          </p:cNvPr>
-          <p:cNvSpPr/>
-          <p:nvPr/>
-        </p:nvSpPr>
-        <p:spPr>
-          <a:xfrm>
-            <a:off x="-2" y="0"/>
-            <a:ext cx="12192001" cy="1899820"/>
-          </a:xfrm>
-          <a:prstGeom prst="rect">
-            <a:avLst/>
-          </a:prstGeom>
-          <a:gradFill>
-            <a:gsLst>
-              <a:gs pos="37000">
-                <a:srgbClr val="CDE6C8"/>
-              </a:gs>
-              <a:gs pos="0">
-                <a:srgbClr val="E2F1DA"/>
-              </a:gs>
-              <a:gs pos="100000">
-                <a:srgbClr val="E7F3DE"/>
-              </a:gs>
-              <a:gs pos="55000">
-                <a:srgbClr val="CDE6C8"/>
-              </a:gs>
-            </a:gsLst>
-            <a:lin ang="5400000" scaled="1"/>
-          </a:gradFill>
-          <a:ln>
-            <a:noFill/>
-          </a:ln>
-        </p:spPr>
-        <p:style>
-          <a:lnRef idx="2">
-            <a:schemeClr val="accent1">
-              <a:shade val="50000"/>
-            </a:schemeClr>
-          </a:lnRef>
-          <a:fillRef idx="1">
-            <a:schemeClr val="accent1"/>
-          </a:fillRef>
-          <a:effectRef idx="0">
-            <a:schemeClr val="accent1"/>
-          </a:effectRef>
-          <a:fontRef idx="minor">
-            <a:schemeClr val="lt1"/>
-          </a:fontRef>
-        </p:style>
-        <p:txBody>
-          <a:bodyPr rtlCol="0" anchor="ctr"/>
-          <a:lstStyle/>
-          <a:p>
-            <a:pPr algn="ctr"/>
-            <a:endParaRPr kumimoji="1" lang="ja-JP" altLang="en-US"/>
-          </a:p>
-        </p:txBody>
-      </p:sp>
-      <p:pic>
-        <p:nvPicPr>
-          <p:cNvPr id="3" name="図 2" descr="背景パターン&#10;&#10;自動的に生成された説明">
-            <a:extLst>
-              <a:ext uri="{FF2B5EF4-FFF2-40B4-BE49-F238E27FC236}">
-                <a16:creationId xmlns:a16="http://schemas.microsoft.com/office/drawing/2014/main" id="{724D4B48-94D9-E695-B813-3A73548D2557}"/>
-              </a:ext>
-            </a:extLst>
-          </p:cNvPr>
-          <p:cNvPicPr>
-            <a:picLocks noChangeAspect="1"/>
-          </p:cNvPicPr>
-          <p:nvPr/>
-        </p:nvPicPr>
-        <p:blipFill rotWithShape="1">
-          <a:blip r:embed="rId2">
-            <a:extLst>
-              <a:ext uri="{28A0092B-C50C-407E-A947-70E740481C1C}">
-                <a14:useLocalDpi xmlns:a14="http://schemas.microsoft.com/office/drawing/2010/main" val="0"/>
-              </a:ext>
-            </a:extLst>
-          </a:blip>
-          <a:srcRect l="70495" t="68591" r="1944" b="6910"/>
-          <a:stretch/>
-        </p:blipFill>
-        <p:spPr>
-          <a:xfrm>
-            <a:off x="143260" y="108749"/>
-            <a:ext cx="3364638" cy="1682321"/>
-          </a:xfrm>
-          <a:prstGeom prst="rect">
-            <a:avLst/>
-          </a:prstGeom>
-        </p:spPr>
-      </p:pic>
-      <p:sp>
-        <p:nvSpPr>
-          <p:cNvPr id="7" name="テキスト ボックス 6">
-            <a:extLst>
-              <a:ext uri="{FF2B5EF4-FFF2-40B4-BE49-F238E27FC236}">
-                <a16:creationId xmlns:a16="http://schemas.microsoft.com/office/drawing/2014/main" id="{473CA923-C76E-8882-3BED-E7CD8E4AC133}"/>
-              </a:ext>
-            </a:extLst>
-          </p:cNvPr>
-          <p:cNvSpPr txBox="1"/>
-          <p:nvPr/>
-        </p:nvSpPr>
-        <p:spPr>
-          <a:xfrm>
-            <a:off x="6633659" y="436757"/>
-            <a:ext cx="5109091" cy="830997"/>
-          </a:xfrm>
-          <a:prstGeom prst="rect">
-            <a:avLst/>
-          </a:prstGeom>
-          <a:noFill/>
-        </p:spPr>
-        <p:txBody>
-          <a:bodyPr wrap="none" rtlCol="0">
-            <a:spAutoFit/>
-          </a:bodyPr>
-          <a:lstStyle/>
-          <a:p>
-            <a:pPr algn="r"/>
-            <a:r>
-              <a:rPr lang="ja-JP" altLang="en-US" sz="4800" dirty="0">
-                <a:solidFill>
-                  <a:schemeClr val="tx1">
-                    <a:lumMod val="95000"/>
-                    <a:lumOff val="5000"/>
-                  </a:schemeClr>
-                </a:solidFill>
-              </a:rPr>
-              <a:t>和歌山大学大学院</a:t>
-            </a:r>
-            <a:endParaRPr lang="en-US" altLang="ja-JP" sz="4800" dirty="0">
-              <a:solidFill>
-                <a:schemeClr val="tx1">
-                  <a:lumMod val="95000"/>
-                  <a:lumOff val="5000"/>
-                </a:schemeClr>
-              </a:solidFill>
-            </a:endParaRPr>
-          </a:p>
-        </p:txBody>
-      </p:sp>
-      <p:sp>
-        <p:nvSpPr>
-          <p:cNvPr id="8" name="テキスト ボックス 7">
-            <a:extLst>
-              <a:ext uri="{FF2B5EF4-FFF2-40B4-BE49-F238E27FC236}">
-                <a16:creationId xmlns:a16="http://schemas.microsoft.com/office/drawing/2014/main" id="{C1320536-D1AC-D020-2595-F0D91AF3C051}"/>
-              </a:ext>
-            </a:extLst>
-          </p:cNvPr>
-          <p:cNvSpPr txBox="1"/>
-          <p:nvPr/>
-        </p:nvSpPr>
-        <p:spPr>
-          <a:xfrm>
-            <a:off x="532660" y="2644170"/>
-            <a:ext cx="6638278" cy="1569660"/>
-          </a:xfrm>
-          <a:prstGeom prst="rect">
-            <a:avLst/>
-          </a:prstGeom>
-          <a:noFill/>
-        </p:spPr>
-        <p:txBody>
-          <a:bodyPr wrap="square">
-            <a:spAutoFit/>
-          </a:bodyPr>
-          <a:lstStyle/>
-          <a:p>
-            <a:r>
-              <a:rPr kumimoji="1" lang="ja-JP" altLang="en-US" sz="9600" dirty="0">
-                <a:latin typeface="+mj-lt"/>
-              </a:rPr>
-              <a:t>野戸　彰大</a:t>
-            </a:r>
-            <a:endParaRPr lang="ja-JP" altLang="en-US" sz="9600" dirty="0">
-              <a:latin typeface="+mj-lt"/>
-            </a:endParaRPr>
-          </a:p>
-        </p:txBody>
-      </p:sp>
-      <p:pic>
-        <p:nvPicPr>
-          <p:cNvPr id="9" name="図 8" descr="ロゴ, 会社名&#10;&#10;自動的に生成された説明">
-            <a:extLst>
-              <a:ext uri="{FF2B5EF4-FFF2-40B4-BE49-F238E27FC236}">
-                <a16:creationId xmlns:a16="http://schemas.microsoft.com/office/drawing/2014/main" id="{4F409781-2B06-0FBF-0C28-E829167FAA2C}"/>
-              </a:ext>
-            </a:extLst>
-          </p:cNvPr>
-          <p:cNvPicPr>
-            <a:picLocks noChangeAspect="1"/>
-          </p:cNvPicPr>
-          <p:nvPr/>
-        </p:nvPicPr>
-        <p:blipFill>
-          <a:blip r:embed="rId3">
-            <a:extLst>
-              <a:ext uri="{28A0092B-C50C-407E-A947-70E740481C1C}">
-                <a14:useLocalDpi xmlns:a14="http://schemas.microsoft.com/office/drawing/2010/main" val="0"/>
-              </a:ext>
-            </a:extLst>
-          </a:blip>
-          <a:stretch>
-            <a:fillRect/>
-          </a:stretch>
-        </p:blipFill>
-        <p:spPr>
-          <a:xfrm>
-            <a:off x="532660" y="5063976"/>
-            <a:ext cx="1512168" cy="1512168"/>
-          </a:xfrm>
-          <a:prstGeom prst="rect">
-            <a:avLst/>
-          </a:prstGeom>
-        </p:spPr>
-      </p:pic>
-      <p:sp>
-        <p:nvSpPr>
-          <p:cNvPr id="10" name="テキスト ボックス 9">
-            <a:extLst>
-              <a:ext uri="{FF2B5EF4-FFF2-40B4-BE49-F238E27FC236}">
-                <a16:creationId xmlns:a16="http://schemas.microsoft.com/office/drawing/2014/main" id="{BB92C9F9-07F9-2D8F-8A5F-0370FDC16A65}"/>
-              </a:ext>
-            </a:extLst>
-          </p:cNvPr>
-          <p:cNvSpPr txBox="1"/>
-          <p:nvPr/>
-        </p:nvSpPr>
-        <p:spPr>
-          <a:xfrm>
-            <a:off x="601443" y="4028727"/>
-            <a:ext cx="1224136" cy="584775"/>
-          </a:xfrm>
-          <a:prstGeom prst="rect">
-            <a:avLst/>
-          </a:prstGeom>
-          <a:noFill/>
-        </p:spPr>
-        <p:txBody>
-          <a:bodyPr wrap="square" rtlCol="0">
-            <a:spAutoFit/>
-          </a:bodyPr>
-          <a:lstStyle/>
-          <a:p>
-            <a:r>
-              <a:rPr kumimoji="1" lang="en-US" altLang="ja-JP" sz="3200" dirty="0"/>
-              <a:t>Noto</a:t>
-            </a:r>
-            <a:endParaRPr kumimoji="1" lang="ja-JP" altLang="en-US" sz="3200" dirty="0"/>
-          </a:p>
-        </p:txBody>
-      </p:sp>
-      <p:sp>
-        <p:nvSpPr>
-          <p:cNvPr id="11" name="テキスト ボックス 10">
-            <a:extLst>
-              <a:ext uri="{FF2B5EF4-FFF2-40B4-BE49-F238E27FC236}">
-                <a16:creationId xmlns:a16="http://schemas.microsoft.com/office/drawing/2014/main" id="{4752337D-B89E-277F-7FBE-F66DF5858606}"/>
-              </a:ext>
-            </a:extLst>
-          </p:cNvPr>
-          <p:cNvSpPr txBox="1"/>
-          <p:nvPr/>
-        </p:nvSpPr>
-        <p:spPr>
-          <a:xfrm>
-            <a:off x="4333037" y="4025841"/>
-            <a:ext cx="1512168" cy="584775"/>
-          </a:xfrm>
-          <a:prstGeom prst="rect">
-            <a:avLst/>
-          </a:prstGeom>
-          <a:noFill/>
-        </p:spPr>
-        <p:txBody>
-          <a:bodyPr wrap="square" rtlCol="0">
-            <a:spAutoFit/>
-          </a:bodyPr>
-          <a:lstStyle/>
-          <a:p>
-            <a:r>
-              <a:rPr kumimoji="1" lang="en-US" altLang="ja-JP" sz="3200" dirty="0"/>
-              <a:t>Akihiro</a:t>
-            </a:r>
-            <a:endParaRPr kumimoji="1" lang="ja-JP" altLang="en-US" sz="3200" dirty="0"/>
-          </a:p>
-        </p:txBody>
-      </p:sp>
-      <p:sp>
-        <p:nvSpPr>
-          <p:cNvPr id="12" name="字幕 2">
-            <a:extLst>
-              <a:ext uri="{FF2B5EF4-FFF2-40B4-BE49-F238E27FC236}">
-                <a16:creationId xmlns:a16="http://schemas.microsoft.com/office/drawing/2014/main" id="{5FFFA691-EEA1-BE2D-D9B0-3854BF2F6FC5}"/>
-              </a:ext>
-            </a:extLst>
-          </p:cNvPr>
-          <p:cNvSpPr txBox="1">
-            <a:spLocks/>
-          </p:cNvSpPr>
-          <p:nvPr/>
-        </p:nvSpPr>
-        <p:spPr>
-          <a:xfrm>
-            <a:off x="4787034" y="5153487"/>
-            <a:ext cx="7069606" cy="1422657"/>
-          </a:xfrm>
-          <a:prstGeom prst="rect">
-            <a:avLst/>
-          </a:prstGeom>
-        </p:spPr>
-        <p:txBody>
-          <a:bodyPr>
-            <a:normAutofit lnSpcReduction="10000"/>
-          </a:bodyPr>
-          <a:lstStyle>
-            <a:lvl1pPr marL="228600" indent="-228600" algn="l" defTabSz="914400" rtl="0" eaLnBrk="1" latinLnBrk="0" hangingPunct="1">
-              <a:lnSpc>
-                <a:spcPct val="90000"/>
-              </a:lnSpc>
-              <a:spcBef>
-                <a:spcPts val="1000"/>
-              </a:spcBef>
-              <a:buFont typeface="Arial" panose="020B0604020202020204" pitchFamily="34" charset="0"/>
-              <a:buChar char="•"/>
-              <a:defRPr kumimoji="1" sz="2800" kern="1200">
-                <a:solidFill>
-                  <a:schemeClr val="tx1"/>
-                </a:solidFill>
-                <a:latin typeface="+mn-lt"/>
-                <a:ea typeface="+mn-ea"/>
-                <a:cs typeface="+mn-cs"/>
-              </a:defRPr>
-            </a:lvl1pPr>
-            <a:lvl2pPr marL="685800" indent="-228600" algn="l" defTabSz="914400" rtl="0" eaLnBrk="1" latinLnBrk="0" hangingPunct="1">
-              <a:lnSpc>
-                <a:spcPct val="90000"/>
-              </a:lnSpc>
-              <a:spcBef>
-                <a:spcPts val="500"/>
-              </a:spcBef>
-              <a:buFont typeface="Arial" panose="020B0604020202020204" pitchFamily="34" charset="0"/>
-              <a:buChar char="•"/>
-              <a:defRPr kumimoji="1" sz="2400" kern="1200">
-                <a:solidFill>
-                  <a:schemeClr val="tx1"/>
-                </a:solidFill>
-                <a:latin typeface="+mn-lt"/>
-                <a:ea typeface="+mn-ea"/>
-                <a:cs typeface="+mn-cs"/>
-              </a:defRPr>
-            </a:lvl2pPr>
-            <a:lvl3pPr marL="1143000" indent="-228600" algn="l" defTabSz="914400" rtl="0" eaLnBrk="1" latinLnBrk="0" hangingPunct="1">
-              <a:lnSpc>
-                <a:spcPct val="90000"/>
-              </a:lnSpc>
-              <a:spcBef>
-                <a:spcPts val="500"/>
-              </a:spcBef>
-              <a:buFont typeface="Arial" panose="020B0604020202020204" pitchFamily="34" charset="0"/>
-              <a:buChar char="•"/>
-              <a:defRPr kumimoji="1" sz="2000" kern="1200">
-                <a:solidFill>
-                  <a:schemeClr val="tx1"/>
-                </a:solidFill>
-                <a:latin typeface="+mn-lt"/>
-                <a:ea typeface="+mn-ea"/>
-                <a:cs typeface="+mn-cs"/>
-              </a:defRPr>
-            </a:lvl3pPr>
-            <a:lvl4pPr marL="1600200" indent="-228600" algn="l" defTabSz="914400" rtl="0" eaLnBrk="1" latinLnBrk="0" hangingPunct="1">
-              <a:lnSpc>
-                <a:spcPct val="90000"/>
-              </a:lnSpc>
-              <a:spcBef>
-                <a:spcPts val="500"/>
-              </a:spcBef>
-              <a:buFont typeface="Arial" panose="020B0604020202020204" pitchFamily="34" charset="0"/>
-              <a:buChar char="•"/>
-              <a:defRPr kumimoji="1" sz="1800" kern="1200">
-                <a:solidFill>
-                  <a:schemeClr val="tx1"/>
-                </a:solidFill>
-                <a:latin typeface="+mn-lt"/>
-                <a:ea typeface="+mn-ea"/>
-                <a:cs typeface="+mn-cs"/>
-              </a:defRPr>
-            </a:lvl4pPr>
-            <a:lvl5pPr marL="2057400" indent="-228600" algn="l" defTabSz="914400" rtl="0" eaLnBrk="1" latinLnBrk="0" hangingPunct="1">
-              <a:lnSpc>
-                <a:spcPct val="90000"/>
-              </a:lnSpc>
-              <a:spcBef>
-                <a:spcPts val="500"/>
-              </a:spcBef>
-              <a:buFont typeface="Arial" panose="020B0604020202020204" pitchFamily="34" charset="0"/>
-              <a:buChar char="•"/>
-              <a:defRPr kumimoji="1" sz="1800" kern="1200">
-                <a:solidFill>
-                  <a:schemeClr val="tx1"/>
-                </a:solidFill>
-                <a:latin typeface="+mn-lt"/>
-                <a:ea typeface="+mn-ea"/>
-                <a:cs typeface="+mn-cs"/>
-              </a:defRPr>
-            </a:lvl5pPr>
-            <a:lvl6pPr marL="2514600" indent="-228600" algn="l" defTabSz="914400" rtl="0" eaLnBrk="1" latinLnBrk="0" hangingPunct="1">
-              <a:lnSpc>
-                <a:spcPct val="90000"/>
-              </a:lnSpc>
-              <a:spcBef>
-                <a:spcPts val="500"/>
-              </a:spcBef>
-              <a:buFont typeface="Arial" panose="020B0604020202020204" pitchFamily="34" charset="0"/>
-              <a:buChar char="•"/>
-              <a:defRPr kumimoji="1" sz="1800" kern="1200">
-                <a:solidFill>
-                  <a:schemeClr val="tx1"/>
-                </a:solidFill>
-                <a:latin typeface="+mn-lt"/>
-                <a:ea typeface="+mn-ea"/>
-                <a:cs typeface="+mn-cs"/>
-              </a:defRPr>
-            </a:lvl6pPr>
-            <a:lvl7pPr marL="2971800" indent="-228600" algn="l" defTabSz="914400" rtl="0" eaLnBrk="1" latinLnBrk="0" hangingPunct="1">
-              <a:lnSpc>
-                <a:spcPct val="90000"/>
-              </a:lnSpc>
-              <a:spcBef>
-                <a:spcPts val="500"/>
-              </a:spcBef>
-              <a:buFont typeface="Arial" panose="020B0604020202020204" pitchFamily="34" charset="0"/>
-              <a:buChar char="•"/>
-              <a:defRPr kumimoji="1" sz="1800" kern="1200">
-                <a:solidFill>
-                  <a:schemeClr val="tx1"/>
-                </a:solidFill>
-                <a:latin typeface="+mn-lt"/>
-                <a:ea typeface="+mn-ea"/>
-                <a:cs typeface="+mn-cs"/>
-              </a:defRPr>
-            </a:lvl7pPr>
-            <a:lvl8pPr marL="3429000" indent="-228600" algn="l" defTabSz="914400" rtl="0" eaLnBrk="1" latinLnBrk="0" hangingPunct="1">
-              <a:lnSpc>
-                <a:spcPct val="90000"/>
-              </a:lnSpc>
-              <a:spcBef>
-                <a:spcPts val="500"/>
-              </a:spcBef>
-              <a:buFont typeface="Arial" panose="020B0604020202020204" pitchFamily="34" charset="0"/>
-              <a:buChar char="•"/>
-              <a:defRPr kumimoji="1" sz="1800" kern="1200">
-                <a:solidFill>
-                  <a:schemeClr val="tx1"/>
-                </a:solidFill>
-                <a:latin typeface="+mn-lt"/>
-                <a:ea typeface="+mn-ea"/>
-                <a:cs typeface="+mn-cs"/>
-              </a:defRPr>
-            </a:lvl8pPr>
-            <a:lvl9pPr marL="3886200" indent="-228600" algn="l" defTabSz="914400" rtl="0" eaLnBrk="1" latinLnBrk="0" hangingPunct="1">
-              <a:lnSpc>
-                <a:spcPct val="90000"/>
-              </a:lnSpc>
-              <a:spcBef>
-                <a:spcPts val="500"/>
-              </a:spcBef>
-              <a:buFont typeface="Arial" panose="020B0604020202020204" pitchFamily="34" charset="0"/>
-              <a:buChar char="•"/>
-              <a:defRPr kumimoji="1" sz="1800" kern="1200">
-                <a:solidFill>
-                  <a:schemeClr val="tx1"/>
-                </a:solidFill>
-                <a:latin typeface="+mn-lt"/>
-                <a:ea typeface="+mn-ea"/>
-                <a:cs typeface="+mn-cs"/>
-              </a:defRPr>
-            </a:lvl9pPr>
-          </a:lstStyle>
-          <a:p>
-            <a:pPr marL="0" indent="0" algn="r">
-              <a:buNone/>
-            </a:pPr>
-            <a:r>
-              <a:rPr lang="ja-JP" altLang="en-US" dirty="0"/>
-              <a:t>システム工学研究科　視覚メディア研究室</a:t>
-            </a:r>
-          </a:p>
-          <a:p>
-            <a:pPr marL="0" indent="0" algn="r">
-              <a:buNone/>
-            </a:pPr>
-            <a:r>
-              <a:rPr lang="en-US" altLang="ja-JP" dirty="0">
-                <a:hlinkClick r:id="rId4"/>
-              </a:rPr>
-              <a:t>001016261vista@gmail.com</a:t>
-            </a:r>
-            <a:endParaRPr lang="en-US" altLang="ja-JP" dirty="0"/>
-          </a:p>
-          <a:p>
-            <a:pPr marL="0" indent="0" algn="r">
-              <a:buNone/>
-            </a:pPr>
-            <a:r>
-              <a:rPr lang="en-US" altLang="ja-JP" dirty="0"/>
+              <a:rPr lang="en-US" altLang="ja-JP" sz="753" dirty="0"/>
               <a:t>080-8342-4385</a:t>
             </a:r>
           </a:p>
@@ -4946,6 +6941,267 @@
 </file>
 
 <file path=ppt/theme/theme1.xml><?xml version="1.0" encoding="utf-8"?>
+<a:theme xmlns:a="http://schemas.openxmlformats.org/drawingml/2006/main" name="Office テーマ">
+  <a:themeElements>
+    <a:clrScheme name="Office テーマ">
+      <a:dk1>
+        <a:sysClr val="windowText" lastClr="000000"/>
+      </a:dk1>
+      <a:lt1>
+        <a:sysClr val="window" lastClr="FFFFFF"/>
+      </a:lt1>
+      <a:dk2>
+        <a:srgbClr val="44546A"/>
+      </a:dk2>
+      <a:lt2>
+        <a:srgbClr val="E7E6E6"/>
+      </a:lt2>
+      <a:accent1>
+        <a:srgbClr val="4472C4"/>
+      </a:accent1>
+      <a:accent2>
+        <a:srgbClr val="ED7D31"/>
+      </a:accent2>
+      <a:accent3>
+        <a:srgbClr val="A5A5A5"/>
+      </a:accent3>
+      <a:accent4>
+        <a:srgbClr val="FFC000"/>
+      </a:accent4>
+      <a:accent5>
+        <a:srgbClr val="5B9BD5"/>
+      </a:accent5>
+      <a:accent6>
+        <a:srgbClr val="70AD47"/>
+      </a:accent6>
+      <a:hlink>
+        <a:srgbClr val="0563C1"/>
+      </a:hlink>
+      <a:folHlink>
+        <a:srgbClr val="954F72"/>
+      </a:folHlink>
+    </a:clrScheme>
+    <a:fontScheme name="Office テーマ">
+      <a:majorFont>
+        <a:latin typeface="Calibri Light" panose="020F0302020204030204"/>
+        <a:ea typeface=""/>
+        <a:cs typeface=""/>
+        <a:font script="Jpan" typeface="游ゴシック Light"/>
+        <a:font script="Hang" typeface="맑은 고딕"/>
+        <a:font script="Hans" typeface="等线 Light"/>
+        <a:font script="Hant" typeface="新細明體"/>
+        <a:font script="Arab" typeface="Times New Roman"/>
+        <a:font script="Hebr" typeface="Times New Roman"/>
+        <a:font script="Thai" typeface="Angsana New"/>
+        <a:font script="Ethi" typeface="Nyala"/>
+        <a:font script="Beng" typeface="Vrinda"/>
+        <a:font script="Gujr" typeface="Shruti"/>
+        <a:font script="Khmr" typeface="MoolBoran"/>
+        <a:font script="Knda" typeface="Tunga"/>
+        <a:font script="Guru" typeface="Raavi"/>
+        <a:font script="Cans" typeface="Euphemia"/>
+        <a:font script="Cher" typeface="Plantagenet Cherokee"/>
+        <a:font script="Yiii" typeface="Microsoft Yi Baiti"/>
+        <a:font script="Tibt" typeface="Microsoft Himalaya"/>
+        <a:font script="Thaa" typeface="MV Boli"/>
+        <a:font script="Deva" typeface="Mangal"/>
+        <a:font script="Telu" typeface="Gautami"/>
+        <a:font script="Taml" typeface="Latha"/>
+        <a:font script="Syrc" typeface="Estrangelo Edessa"/>
+        <a:font script="Orya" typeface="Kalinga"/>
+        <a:font script="Mlym" typeface="Kartika"/>
+        <a:font script="Laoo" typeface="DokChampa"/>
+        <a:font script="Sinh" typeface="Iskoola Pota"/>
+        <a:font script="Mong" typeface="Mongolian Baiti"/>
+        <a:font script="Viet" typeface="Times New Roman"/>
+        <a:font script="Uigh" typeface="Microsoft Uighur"/>
+        <a:font script="Geor" typeface="Sylfaen"/>
+      </a:majorFont>
+      <a:minorFont>
+        <a:latin typeface="Calibri" panose="020F0502020204030204"/>
+        <a:ea typeface=""/>
+        <a:cs typeface=""/>
+        <a:font script="Jpan" typeface="游ゴシック"/>
+        <a:font script="Hang" typeface="맑은 고딕"/>
+        <a:font script="Hans" typeface="等线"/>
+        <a:font script="Hant" typeface="新細明體"/>
+        <a:font script="Arab" typeface="Arial"/>
+        <a:font script="Hebr" typeface="Arial"/>
+        <a:font script="Thai" typeface="Cordia New"/>
+        <a:font script="Ethi" typeface="Nyala"/>
+        <a:font script="Beng" typeface="Vrinda"/>
+        <a:font script="Gujr" typeface="Shruti"/>
+        <a:font script="Khmr" typeface="DaunPenh"/>
+        <a:font script="Knda" typeface="Tunga"/>
+        <a:font script="Guru" typeface="Raavi"/>
+        <a:font script="Cans" typeface="Euphemia"/>
+        <a:font script="Cher" typeface="Plantagenet Cherokee"/>
+        <a:font script="Yiii" typeface="Microsoft Yi Baiti"/>
+        <a:font script="Tibt" typeface="Microsoft Himalaya"/>
+        <a:font script="Thaa" typeface="MV Boli"/>
+        <a:font script="Deva" typeface="Mangal"/>
+        <a:font script="Telu" typeface="Gautami"/>
+        <a:font script="Taml" typeface="Latha"/>
+        <a:font script="Syrc" typeface="Estrangelo Edessa"/>
+        <a:font script="Orya" typeface="Kalinga"/>
+        <a:font script="Mlym" typeface="Kartika"/>
+        <a:font script="Laoo" typeface="DokChampa"/>
+        <a:font script="Sinh" typeface="Iskoola Pota"/>
+        <a:font script="Mong" typeface="Mongolian Baiti"/>
+        <a:font script="Viet" typeface="Arial"/>
+        <a:font script="Uigh" typeface="Microsoft Uighur"/>
+        <a:font script="Geor" typeface="Sylfaen"/>
+      </a:minorFont>
+    </a:fontScheme>
+    <a:fmtScheme name="Office テーマ">
+      <a:fillStyleLst>
+        <a:solidFill>
+          <a:schemeClr val="phClr"/>
+        </a:solidFill>
+        <a:gradFill rotWithShape="1">
+          <a:gsLst>
+            <a:gs pos="0">
+              <a:schemeClr val="phClr">
+                <a:lumMod val="110000"/>
+                <a:satMod val="105000"/>
+                <a:tint val="67000"/>
+              </a:schemeClr>
+            </a:gs>
+            <a:gs pos="50000">
+              <a:schemeClr val="phClr">
+                <a:lumMod val="105000"/>
+                <a:satMod val="103000"/>
+                <a:tint val="73000"/>
+              </a:schemeClr>
+            </a:gs>
+            <a:gs pos="100000">
+              <a:schemeClr val="phClr">
+                <a:lumMod val="105000"/>
+                <a:satMod val="109000"/>
+                <a:tint val="81000"/>
+              </a:schemeClr>
+            </a:gs>
+          </a:gsLst>
+          <a:lin ang="5400000" scaled="0"/>
+        </a:gradFill>
+        <a:gradFill rotWithShape="1">
+          <a:gsLst>
+            <a:gs pos="0">
+              <a:schemeClr val="phClr">
+                <a:satMod val="103000"/>
+                <a:lumMod val="102000"/>
+                <a:tint val="94000"/>
+              </a:schemeClr>
+            </a:gs>
+            <a:gs pos="50000">
+              <a:schemeClr val="phClr">
+                <a:satMod val="110000"/>
+                <a:lumMod val="100000"/>
+                <a:shade val="100000"/>
+              </a:schemeClr>
+            </a:gs>
+            <a:gs pos="100000">
+              <a:schemeClr val="phClr">
+                <a:lumMod val="99000"/>
+                <a:satMod val="120000"/>
+                <a:shade val="78000"/>
+              </a:schemeClr>
+            </a:gs>
+          </a:gsLst>
+          <a:lin ang="5400000" scaled="0"/>
+        </a:gradFill>
+      </a:fillStyleLst>
+      <a:lnStyleLst>
+        <a:ln w="6350" cap="flat" cmpd="sng" algn="ctr">
+          <a:solidFill>
+            <a:schemeClr val="phClr"/>
+          </a:solidFill>
+          <a:prstDash val="solid"/>
+          <a:miter lim="800000"/>
+        </a:ln>
+        <a:ln w="12700" cap="flat" cmpd="sng" algn="ctr">
+          <a:solidFill>
+            <a:schemeClr val="phClr"/>
+          </a:solidFill>
+          <a:prstDash val="solid"/>
+          <a:miter lim="800000"/>
+        </a:ln>
+        <a:ln w="19050" cap="flat" cmpd="sng" algn="ctr">
+          <a:solidFill>
+            <a:schemeClr val="phClr"/>
+          </a:solidFill>
+          <a:prstDash val="solid"/>
+          <a:miter lim="800000"/>
+        </a:ln>
+      </a:lnStyleLst>
+      <a:effectStyleLst>
+        <a:effectStyle>
+          <a:effectLst/>
+        </a:effectStyle>
+        <a:effectStyle>
+          <a:effectLst/>
+        </a:effectStyle>
+        <a:effectStyle>
+          <a:effectLst>
+            <a:outerShdw blurRad="57150" dist="19050" dir="5400000" algn="ctr" rotWithShape="0">
+              <a:srgbClr val="000000">
+                <a:alpha val="63000"/>
+              </a:srgbClr>
+            </a:outerShdw>
+          </a:effectLst>
+        </a:effectStyle>
+      </a:effectStyleLst>
+      <a:bgFillStyleLst>
+        <a:solidFill>
+          <a:schemeClr val="phClr"/>
+        </a:solidFill>
+        <a:solidFill>
+          <a:schemeClr val="phClr">
+            <a:tint val="95000"/>
+            <a:satMod val="170000"/>
+          </a:schemeClr>
+        </a:solidFill>
+        <a:gradFill rotWithShape="1">
+          <a:gsLst>
+            <a:gs pos="0">
+              <a:schemeClr val="phClr">
+                <a:tint val="93000"/>
+                <a:satMod val="150000"/>
+                <a:shade val="98000"/>
+                <a:lumMod val="102000"/>
+              </a:schemeClr>
+            </a:gs>
+            <a:gs pos="50000">
+              <a:schemeClr val="phClr">
+                <a:tint val="98000"/>
+                <a:satMod val="130000"/>
+                <a:shade val="90000"/>
+                <a:lumMod val="103000"/>
+              </a:schemeClr>
+            </a:gs>
+            <a:gs pos="100000">
+              <a:schemeClr val="phClr">
+                <a:shade val="63000"/>
+                <a:satMod val="120000"/>
+              </a:schemeClr>
+            </a:gs>
+          </a:gsLst>
+          <a:lin ang="5400000" scaled="0"/>
+        </a:gradFill>
+      </a:bgFillStyleLst>
+    </a:fmtScheme>
+  </a:themeElements>
+  <a:objectDefaults/>
+  <a:extraClrSchemeLst/>
+  <a:extLst>
+    <a:ext uri="{05A4C25C-085E-4340-85A3-A5531E510DB2}">
+      <thm15:themeFamily xmlns:thm15="http://schemas.microsoft.com/office/thememl/2012/main" name="Office Theme" id="{62F939B6-93AF-4DB8-9C6B-D6C7DFDC589F}" vid="{4A3C46E8-61CC-4603-A589-7422A47A8E4A}"/>
+    </a:ext>
+  </a:extLst>
+</a:theme>
+</file>
+
+<file path=ppt/theme/theme2.xml><?xml version="1.0" encoding="utf-8"?>
 <a:theme xmlns:a="http://schemas.openxmlformats.org/drawingml/2006/main" name="Office テーマ">
   <a:themeElements>
     <a:clrScheme name="Office">
